--- a/poster.pptx
+++ b/poster.pptx
@@ -4944,14 +4944,6 @@
                 </a:rPr>
                 <a:t>Ziel</a:t>
               </a:r>
-              <a:endParaRPr lang="de-DE" altLang="de-DE" sz="4000" b="1" dirty="0" smtClean="0">
-                <a:solidFill>
-                  <a:schemeClr val="bg1"/>
-                </a:solidFill>
-                <a:latin typeface="Helvetica" panose="020B0604020202020204" pitchFamily="34" charset="0"/>
-                <a:ea typeface="+mn-ea"/>
-                <a:cs typeface="Arial" panose="020B0604020202020204" pitchFamily="34" charset="0"/>
-              </a:endParaRPr>
             </a:p>
           </p:txBody>
         </p:sp>
@@ -5129,11 +5121,7 @@
             </a:pPr>
             <a:r>
               <a:rPr lang="de-DE" sz="2800" dirty="0" smtClean="0"/>
-              <a:t>Das entstandene Konzept kombiniert Ideen aus verschiedenen Applikationen und Technologie</a:t>
-            </a:r>
-            <a:r>
-              <a:rPr lang="de-DE" sz="2800" dirty="0" smtClean="0"/>
-              <a:t>n um eine optimale Speicherlösung für eine neue Filehosting- und Kollaborationsplattform zu entwickeln. Diese Plattform soll konkurrenzfähig zu kommerziellen Anwendungen wie </a:t>
+              <a:t>Das entstandene Konzept kombiniert Ideen aus verschiedenen Applikationen und Technologien um eine optimale Speicherlösung für eine neue Filehosting- und Kollaborationsplattform zu entwickeln. Diese Plattform soll konkurrenzfähig zu kommerziellen Anwendungen wie </a:t>
             </a:r>
             <a:r>
               <a:rPr lang="de-DE" sz="2800" dirty="0" err="1" smtClean="0"/>
@@ -5143,7 +5131,6 @@
               <a:rPr lang="de-DE" sz="2800" dirty="0" smtClean="0"/>
               <a:t> sein.</a:t>
             </a:r>
-            <a:endParaRPr lang="de-DE" sz="2800" dirty="0" smtClean="0"/>
           </a:p>
         </p:txBody>
       </p:sp>
@@ -7136,73 +7123,60 @@
           <a:p>
             <a:r>
               <a:rPr lang="de-DE" sz="2800" dirty="0"/>
-              <a:t>Das Ergebnis dieser Arbeit ist ein Konzept </a:t>
-            </a:r>
-            <a:r>
-              <a:rPr lang="de-DE" sz="2800" dirty="0" err="1"/>
-              <a:t>für</a:t>
+              <a:t>Das Ergebnis dieser Arbeit ist ein </a:t>
+            </a:r>
+            <a:r>
+              <a:rPr lang="de-DE" sz="2800"/>
+              <a:t>Konzept </a:t>
+            </a:r>
+            <a:r>
+              <a:rPr lang="de-DE" sz="2800" smtClean="0"/>
+              <a:t>für </a:t>
             </a:r>
             <a:r>
               <a:rPr lang="de-DE" sz="2800" dirty="0"/>
-              <a:t> eine verteilte Datenhaltung. Diese Spei- </a:t>
-            </a:r>
-            <a:r>
-              <a:rPr lang="de-DE" sz="2800" dirty="0" err="1"/>
-              <a:t>cherlösung</a:t>
+              <a:t>eine verteilte Datenhaltung. Diese </a:t>
+            </a:r>
+            <a:r>
+              <a:rPr lang="de-DE" sz="2800" dirty="0" smtClean="0"/>
+              <a:t>Speicherlösung </a:t>
             </a:r>
             <a:r>
               <a:rPr lang="de-DE" sz="2800" dirty="0"/>
-              <a:t> ist </a:t>
-            </a:r>
-            <a:r>
-              <a:rPr lang="de-DE" sz="2800" dirty="0" err="1"/>
-              <a:t>unabhängig</a:t>
+              <a:t>ist </a:t>
+            </a:r>
+            <a:r>
+              <a:rPr lang="de-DE" sz="2800" dirty="0" smtClean="0"/>
+              <a:t>unabhängig </a:t>
             </a:r>
             <a:r>
               <a:rPr lang="de-DE" sz="2800" dirty="0"/>
-              <a:t> von der Anwendung, in der sie integriert ist. Als Beweis </a:t>
-            </a:r>
-            <a:r>
-              <a:rPr lang="de-DE" sz="2800" dirty="0" err="1"/>
-              <a:t>für</a:t>
+              <a:t>von der Anwendung, in der sie integriert ist. Als Beweis </a:t>
+            </a:r>
+            <a:r>
+              <a:rPr lang="de-DE" sz="2800" dirty="0" smtClean="0"/>
+              <a:t>für </a:t>
             </a:r>
             <a:r>
               <a:rPr lang="de-DE" sz="2800" dirty="0"/>
-              <a:t> die </a:t>
-            </a:r>
-            <a:r>
-              <a:rPr lang="de-DE" sz="2800" dirty="0" err="1"/>
-              <a:t>Funktionstüchtigkeit</a:t>
+              <a:t>die </a:t>
+            </a:r>
+            <a:r>
+              <a:rPr lang="de-DE" sz="2800" dirty="0" smtClean="0"/>
+              <a:t>Funktionstüchtigkeit </a:t>
             </a:r>
             <a:r>
               <a:rPr lang="de-DE" sz="2800" dirty="0"/>
-              <a:t> dieses Konzeptes, wurde ein einfacher Prototyp entwickelt. Er implementiert neben den wichtigsten Komponenten des Konzeptes, auch eine Plattform und einen Client, um Dateien aus einem lokalen Ordner mit der Plattform zu </a:t>
-            </a:r>
-            <a:r>
-              <a:rPr lang="de-DE" sz="2800" dirty="0" err="1"/>
-              <a:t>synchroni</a:t>
+              <a:t>dieses Konzeptes, wurde ein einfacher Prototyp entwickelt. Er implementiert neben den wichtigsten Komponenten des Konzeptes, auch eine Plattform und einen Client, um Dateien aus einem lokalen Ordner mit der Plattform zu </a:t>
+            </a:r>
+            <a:r>
+              <a:rPr lang="de-DE" sz="2800" dirty="0" smtClean="0"/>
+              <a:t>synchronisieren. Über </a:t>
             </a:r>
             <a:r>
               <a:rPr lang="de-DE" sz="2800" dirty="0"/>
-              <a:t>- </a:t>
-            </a:r>
-            <a:r>
-              <a:rPr lang="de-DE" sz="2800" dirty="0" err="1"/>
-              <a:t>sieren</a:t>
-            </a:r>
-            <a:r>
-              <a:rPr lang="de-DE" sz="2800" dirty="0"/>
-              <a:t>. </a:t>
-            </a:r>
-            <a:r>
-              <a:rPr lang="de-DE" sz="2800" dirty="0" err="1"/>
-              <a:t>Über</a:t>
-            </a:r>
-            <a:r>
-              <a:rPr lang="de-DE" sz="2800" dirty="0"/>
-              <a:t> definierte Schnittstellen werden diese Daten auf den vorher konfigurierten Servern verteilt. </a:t>
-            </a:r>
-            <a:endParaRPr lang="de-DE" sz="2800" dirty="0"/>
+              <a:t>definierte Schnittstellen werden diese Daten auf den vorher konfigurierten Servern verteilt. </a:t>
+            </a:r>
           </a:p>
         </p:txBody>
       </p:sp>

--- a/poster.pptx
+++ b/poster.pptx
@@ -6250,10 +6250,16 @@
               <a:t> </a:t>
             </a:r>
             <a:r>
+              <a:rPr lang="de-DE" sz="2800" dirty="0" smtClean="0">
+                <a:latin typeface="Arial Narrow" charset="0"/>
+              </a:rPr>
+              <a:t>non	</a:t>
+            </a:r>
+            <a:r>
               <a:rPr lang="de-DE" sz="2800" dirty="0" err="1" smtClean="0">
                 <a:latin typeface="Arial Narrow" charset="0"/>
               </a:rPr>
-              <a:t>nonumy</a:t>
+              <a:t>umy</a:t>
             </a:r>
             <a:r>
               <a:rPr lang="de-DE" sz="2800" dirty="0" smtClean="0">
@@ -7123,14 +7129,10 @@
           <a:p>
             <a:r>
               <a:rPr lang="de-DE" sz="2800" dirty="0"/>
-              <a:t>Das Ergebnis dieser Arbeit ist ein </a:t>
-            </a:r>
-            <a:r>
-              <a:rPr lang="de-DE" sz="2800"/>
-              <a:t>Konzept </a:t>
-            </a:r>
-            <a:r>
-              <a:rPr lang="de-DE" sz="2800" smtClean="0"/>
+              <a:t>Das Ergebnis dieser Arbeit ist ein Konzept </a:t>
+            </a:r>
+            <a:r>
+              <a:rPr lang="de-DE" sz="2800" dirty="0" smtClean="0"/>
               <a:t>für </a:t>
             </a:r>
             <a:r>

--- a/poster.pptx
+++ b/poster.pptx
@@ -137,6 +137,22 @@
       </a:defRPr>
     </a:lvl9pPr>
   </p:defaultTextStyle>
+  <p:extLst>
+    <p:ext uri="{EFAFB233-063F-42B5-8137-9DF3F51BA10A}">
+      <p15:sldGuideLst xmlns:p15="http://schemas.microsoft.com/office/powerpoint/2012/main" xmlns="">
+        <p15:guide id="1" orient="horz" pos="9535">
+          <p15:clr>
+            <a:srgbClr val="A4A3A4"/>
+          </p15:clr>
+        </p15:guide>
+        <p15:guide id="2" pos="6736">
+          <p15:clr>
+            <a:srgbClr val="A4A3A4"/>
+          </p15:clr>
+        </p15:guide>
+      </p15:sldGuideLst>
+    </p:ext>
+  </p:extLst>
 </p:presentation>
 </file>
 
@@ -897,6 +913,11 @@
         </p:txBody>
       </p:sp>
     </p:spTree>
+    <p:extLst>
+      <p:ext uri="{BB962C8B-B14F-4D97-AF65-F5344CB8AC3E}">
+        <p14:creationId xmlns:p14="http://schemas.microsoft.com/office/powerpoint/2010/main" val="3531824959"/>
+      </p:ext>
+    </p:extLst>
   </p:cSld>
   <p:clrMapOvr>
     <a:masterClrMapping/>
@@ -3824,9 +3845,9 @@
         <p:grpSpPr bwMode="auto">
           <a:xfrm>
             <a:off x="325042" y="519982"/>
-            <a:ext cx="20666296" cy="7172592"/>
+            <a:ext cx="20666296" cy="7602971"/>
             <a:chOff x="278" y="281"/>
-            <a:chExt cx="18518" cy="6083"/>
+            <a:chExt cx="18518" cy="6448"/>
           </a:xfrm>
           <a:solidFill>
             <a:schemeClr val="bg1"/>
@@ -4335,10 +4356,16 @@
                   <a:defRPr/>
                 </a:pPr>
                 <a:r>
+                  <a:rPr lang="de-DE" sz="5400" b="1" dirty="0" smtClean="0">
+                    <a:cs typeface="Arial" charset="0"/>
+                  </a:rPr>
+                  <a:t>Entwicklung </a:t>
+                </a:r>
+                <a:r>
                   <a:rPr lang="de-DE" sz="5400" b="1" dirty="0">
                     <a:cs typeface="Arial" charset="0"/>
                   </a:rPr>
-                  <a:t>Evaluierung und Entwicklung eines verteilten Speicherkonzeptes als Grundlage </a:t>
+                  <a:t>eines verteilten Speicherkonzeptes als Grundlage </a:t>
                 </a:r>
                 <a:r>
                   <a:rPr lang="de-DE" sz="5400" b="1" dirty="0" smtClean="0">
@@ -4350,17 +4377,20 @@
                   <a:rPr lang="de-DE" sz="5400" b="1" dirty="0">
                     <a:cs typeface="Arial" charset="0"/>
                   </a:rPr>
-                  <a:t>eine Filehosting- und </a:t>
+                  <a:t>eine </a:t>
                 </a:r>
                 <a:r>
-                  <a:rPr lang="de-DE" sz="5400" b="1" dirty="0" smtClean="0">
+                  <a:rPr lang="de-DE" sz="5400" b="1" dirty="0" err="1">
                     <a:cs typeface="Arial" charset="0"/>
                   </a:rPr>
-                  <a:t>Kollaborationsplattform </a:t>
+                  <a:t>Filehostingplattform</a:t>
                 </a:r>
-                <a:endParaRPr lang="de-DE" sz="5400" dirty="0">
-                  <a:cs typeface="Arial" charset="0"/>
-                </a:endParaRPr>
+                <a:r>
+                  <a:rPr lang="de-DE" sz="5400" b="1" dirty="0">
+                    <a:cs typeface="Arial" charset="0"/>
+                  </a:rPr>
+                  <a:t> </a:t>
+                </a:r>
               </a:p>
               <a:p>
                 <a:pPr algn="ctr">
@@ -4399,7 +4429,7 @@
           <p:spPr bwMode="auto">
             <a:xfrm>
               <a:off x="465" y="3732"/>
-              <a:ext cx="11879" cy="2632"/>
+              <a:ext cx="11879" cy="2997"/>
             </a:xfrm>
             <a:prstGeom prst="rect">
               <a:avLst/>
@@ -4535,9 +4565,9 @@
                   <a:solidFill>
                     <a:srgbClr val="333333"/>
                   </a:solidFill>
-                  <a:latin typeface="Helvetica" panose="020B0604020202020204" pitchFamily="34" charset="0"/>
+                  <a:latin typeface="Arial"/>
                   <a:ea typeface="+mn-ea"/>
-                  <a:cs typeface="Times New Roman" panose="02020603050405020304" pitchFamily="18" charset="0"/>
+                  <a:cs typeface="Arial"/>
                 </a:rPr>
                 <a:t>Zusammenfassung</a:t>
               </a:r>
@@ -4546,164 +4576,125 @@
                   <a:solidFill>
                     <a:srgbClr val="333333"/>
                   </a:solidFill>
-                  <a:latin typeface="Helvetica" panose="020B0604020202020204" pitchFamily="34" charset="0"/>
+                  <a:latin typeface="Arial"/>
                   <a:ea typeface="+mn-ea"/>
-                  <a:cs typeface="Times New Roman" panose="02020603050405020304" pitchFamily="18" charset="0"/>
+                  <a:cs typeface="Arial"/>
                 </a:rPr>
                 <a:t>:  </a:t>
               </a:r>
               <a:r>
+                <a:rPr lang="de-DE" sz="2800" dirty="0" err="1">
+                  <a:latin typeface="Arial"/>
+                  <a:cs typeface="Arial"/>
+                </a:rPr>
+                <a:t>Filehostingplattformen</a:t>
+              </a:r>
+              <a:r>
                 <a:rPr lang="de-DE" sz="2800" dirty="0">
-                  <a:cs typeface="Arial" charset="0"/>
+                  <a:latin typeface="Arial"/>
+                  <a:cs typeface="Arial"/>
                 </a:rPr>
-                <a:t>Filehosting Plattformen sind in der heutigen Zeit </a:t>
+                <a:t> sind in der heutigen Zeit </a:t>
               </a:r>
               <a:r>
                 <a:rPr lang="de-DE" sz="2800" dirty="0" smtClean="0">
-                  <a:cs typeface="Arial" charset="0"/>
+                  <a:latin typeface="Arial"/>
+                  <a:cs typeface="Arial"/>
                 </a:rPr>
                 <a:t>allgegenwärtig</a:t>
               </a:r>
               <a:r>
                 <a:rPr lang="de-DE" sz="2800" dirty="0">
-                  <a:cs typeface="Arial" charset="0"/>
+                  <a:latin typeface="Arial"/>
+                  <a:cs typeface="Arial"/>
                 </a:rPr>
-                <a:t>. Ohne einen Zugang zu einem der Allgemein </a:t>
+                <a:t>. Ohne einen Zugang zu einem der allgemein </a:t>
               </a:r>
               <a:r>
                 <a:rPr lang="de-DE" sz="2800" dirty="0" smtClean="0">
-                  <a:cs typeface="Arial" charset="0"/>
+                  <a:latin typeface="Arial"/>
+                  <a:cs typeface="Arial"/>
                 </a:rPr>
                 <a:t>verfügbaren </a:t>
               </a:r>
               <a:r>
                 <a:rPr lang="de-DE" sz="2800" dirty="0">
-                  <a:cs typeface="Arial" charset="0"/>
+                  <a:latin typeface="Arial"/>
+                  <a:cs typeface="Arial"/>
                 </a:rPr>
                 <a:t>Dienste, ist heutzutage eine Zusammenarbeit in einer Gruppe von Menschen, kaum </a:t>
               </a:r>
               <a:r>
                 <a:rPr lang="de-DE" sz="2800" dirty="0" smtClean="0">
-                  <a:cs typeface="Arial" charset="0"/>
+                  <a:latin typeface="Arial"/>
+                  <a:cs typeface="Arial"/>
                 </a:rPr>
                 <a:t>möglich</a:t>
               </a:r>
               <a:r>
                 <a:rPr lang="de-DE" sz="2800" dirty="0">
-                  <a:cs typeface="Arial" charset="0"/>
+                  <a:latin typeface="Arial"/>
+                  <a:cs typeface="Arial"/>
                 </a:rPr>
-                <a:t>. Einige Menschen jedoch haben Bedenken ihre Daten einem Betreiber anzuvertrauen, den sie nicht kontrollieren </a:t>
+                <a:t>. Einige Menschen jedoch haben Bedenken, ihre Daten einem Betreiber anzuvertrauen, den sie nicht kontrollieren </a:t>
               </a:r>
               <a:r>
                 <a:rPr lang="de-DE" sz="2800" dirty="0" smtClean="0">
-                  <a:cs typeface="Arial" charset="0"/>
+                  <a:latin typeface="Arial"/>
+                  <a:cs typeface="Arial"/>
                 </a:rPr>
                 <a:t>können</a:t>
               </a:r>
               <a:r>
                 <a:rPr lang="de-DE" sz="2800" dirty="0">
-                  <a:cs typeface="Arial" charset="0"/>
+                  <a:latin typeface="Arial"/>
+                  <a:cs typeface="Arial"/>
                 </a:rPr>
                 <a:t>. Die Angst vor dem Kontrollverlust </a:t>
               </a:r>
               <a:r>
                 <a:rPr lang="de-DE" sz="2800" dirty="0" smtClean="0">
-                  <a:cs typeface="Arial" charset="0"/>
+                  <a:latin typeface="Arial"/>
+                  <a:cs typeface="Arial"/>
                 </a:rPr>
                 <a:t>ermöglicht </a:t>
               </a:r>
               <a:r>
                 <a:rPr lang="de-DE" sz="2800" dirty="0">
-                  <a:cs typeface="Arial" charset="0"/>
+                  <a:latin typeface="Arial"/>
+                  <a:cs typeface="Arial"/>
                 </a:rPr>
                 <a:t>quelloffenen </a:t>
               </a:r>
               <a:r>
                 <a:rPr lang="de-DE" sz="2800" dirty="0" smtClean="0">
-                  <a:cs typeface="Arial" charset="0"/>
+                  <a:latin typeface="Arial"/>
+                  <a:cs typeface="Arial"/>
                 </a:rPr>
                 <a:t>Lösungen </a:t>
               </a:r>
               <a:r>
-                <a:rPr lang="de-DE" sz="2800" dirty="0">
-                  <a:cs typeface="Arial" charset="0"/>
+                <a:rPr lang="de-DE" sz="2800" dirty="0" smtClean="0">
+                  <a:latin typeface="Arial"/>
+                  <a:cs typeface="Arial"/>
                 </a:rPr>
                 <a:t>den Einstieg in diesen Markt. Die vorliegende </a:t>
               </a:r>
               <a:r>
                 <a:rPr lang="de-DE" sz="2800" dirty="0" smtClean="0">
-                  <a:cs typeface="Arial" charset="0"/>
+                  <a:latin typeface="Arial"/>
+                  <a:cs typeface="Arial"/>
                 </a:rPr>
-                <a:t>Arbeit beschäftigt sich mit der Konzeption einer Speicherlösung für eine derartige Software. </a:t>
+                <a:t>Arbeit beschäftigt sich mit der Konzeption einer Speicherlösung für eine derartige Software.</a:t>
               </a:r>
               <a:endParaRPr lang="de-DE" sz="2800" dirty="0">
-                <a:cs typeface="Arial" charset="0"/>
+                <a:latin typeface="Arial"/>
+                <a:cs typeface="Arial"/>
               </a:endParaRPr>
             </a:p>
           </p:txBody>
         </p:sp>
       </p:grpSp>
-      <p:sp>
-        <p:nvSpPr>
-          <p:cNvPr id="3080" name="Rectangle 710"/>
-          <p:cNvSpPr>
-            <a:spLocks noChangeArrowheads="1"/>
-          </p:cNvSpPr>
-          <p:nvPr/>
-        </p:nvSpPr>
-        <p:spPr bwMode="auto">
-          <a:xfrm>
-            <a:off x="533400" y="9953625"/>
-            <a:ext cx="7920038" cy="3816350"/>
-          </a:xfrm>
-          <a:prstGeom prst="rect">
-            <a:avLst/>
-          </a:prstGeom>
-          <a:solidFill>
-            <a:srgbClr val="EAEAEA"/>
-          </a:solidFill>
-          <a:ln>
-            <a:noFill/>
-          </a:ln>
-          <a:effectLst/>
-          <a:extLst>
-            <a:ext uri="{91240B29-F687-4f45-9708-019B960494DF}">
-              <a14:hiddenLine xmlns:a14="http://schemas.microsoft.com/office/drawing/2010/main" w="12700">
-                <a:solidFill>
-                  <a:schemeClr val="tx1"/>
-                </a:solidFill>
-                <a:miter lim="800000"/>
-                <a:headEnd type="none" w="sm" len="sm"/>
-                <a:tailEnd type="none" w="sm" len="sm"/>
-              </a14:hiddenLine>
-            </a:ext>
-            <a:ext uri="{AF507438-7753-43e0-B8FC-AC1667EBCBE1}">
-              <a14:hiddenEffects xmlns:a14="http://schemas.microsoft.com/office/drawing/2010/main">
-                <a:effectLst>
-                  <a:outerShdw blurRad="63500" dist="38099" dir="2700000" algn="ctr" rotWithShape="0">
-                    <a:schemeClr val="bg2">
-                      <a:alpha val="74998"/>
-                    </a:schemeClr>
-                  </a:outerShdw>
-                </a:effectLst>
-              </a14:hiddenEffects>
-            </a:ext>
-          </a:extLst>
-        </p:spPr>
-        <p:txBody>
-          <a:bodyPr wrap="none" lIns="86402" tIns="43201" rIns="86402" bIns="43201" anchor="ctr"/>
-          <a:lstStyle/>
-          <a:p>
-            <a:pPr algn="ctr" defTabSz="863600">
-              <a:defRPr/>
-            </a:pPr>
-            <a:endParaRPr lang="en-US" sz="2300">
-              <a:latin typeface="Times New Roman" charset="0"/>
-              <a:cs typeface="Arial" charset="0"/>
-            </a:endParaRPr>
-          </a:p>
-        </p:txBody>
-      </p:sp>
       <p:grpSp>
         <p:nvGrpSpPr>
           <p:cNvPr id="17" name="Group 799"/>
@@ -4959,7 +4950,7 @@
         <p:spPr bwMode="auto">
           <a:xfrm>
             <a:off x="693738" y="10082213"/>
-            <a:ext cx="7621587" cy="3534344"/>
+            <a:ext cx="7621587" cy="3534343"/>
           </a:xfrm>
           <a:prstGeom prst="rect">
             <a:avLst/>
@@ -4996,7 +4987,7 @@
           </a:extLst>
         </p:spPr>
         <p:txBody>
-          <a:bodyPr lIns="86402" tIns="43201" rIns="86402" bIns="43201">
+          <a:bodyPr lIns="86402" tIns="43201" rIns="86402" bIns="43201" anchor="t">
             <a:spAutoFit/>
           </a:bodyPr>
           <a:lstStyle>
@@ -5116,82 +5107,19 @@
             </a:lvl9pPr>
           </a:lstStyle>
           <a:p>
-            <a:pPr>
+            <a:pPr algn="just">
               <a:defRPr/>
             </a:pPr>
             <a:r>
-              <a:rPr lang="de-DE" sz="2800" dirty="0" smtClean="0"/>
-              <a:t>Das entstandene Konzept kombiniert Ideen aus verschiedenen Applikationen und Technologien um eine optimale Speicherlösung für eine neue Filehosting- und Kollaborationsplattform zu entwickeln. Diese Plattform soll konkurrenzfähig zu kommerziellen Anwendungen wie </a:t>
+              <a:rPr lang="de-DE" sz="2800" dirty="0"/>
+              <a:t>Das Ziel der Arbeit ist die Entwicklung eines Speicherkonzeptes für eine neue Filehostingplatform. Diese Plattform nennt sich symCloud und ist eine neue Software, die Ideen aus verschiedenen Applikationen und Technologien kombiniert, um eine optimale Lösung für den Anwender zu schaffen.</a:t>
             </a:r>
-            <a:r>
-              <a:rPr lang="de-DE" sz="2800" dirty="0" err="1" smtClean="0"/>
-              <a:t>Dropbox</a:t>
-            </a:r>
-            <a:r>
-              <a:rPr lang="de-DE" sz="2800" dirty="0" smtClean="0"/>
-              <a:t> sein.</a:t>
-            </a:r>
-          </a:p>
-        </p:txBody>
-      </p:sp>
-      <p:sp>
-        <p:nvSpPr>
-          <p:cNvPr id="3083" name="Rectangle 710"/>
-          <p:cNvSpPr>
-            <a:spLocks noChangeArrowheads="1"/>
-          </p:cNvSpPr>
-          <p:nvPr/>
-        </p:nvSpPr>
-        <p:spPr bwMode="auto">
-          <a:xfrm>
-            <a:off x="541066" y="14993590"/>
-            <a:ext cx="7905750" cy="13105456"/>
-          </a:xfrm>
-          <a:prstGeom prst="rect">
-            <a:avLst/>
-          </a:prstGeom>
-          <a:solidFill>
-            <a:srgbClr val="EAEAEA"/>
-          </a:solidFill>
-          <a:ln>
-            <a:noFill/>
-          </a:ln>
-          <a:effectLst/>
-          <a:extLst>
-            <a:ext uri="{91240B29-F687-4f45-9708-019B960494DF}">
-              <a14:hiddenLine xmlns:a14="http://schemas.microsoft.com/office/drawing/2010/main" w="12700">
-                <a:solidFill>
-                  <a:schemeClr val="tx1"/>
-                </a:solidFill>
-                <a:miter lim="800000"/>
-                <a:headEnd type="none" w="sm" len="sm"/>
-                <a:tailEnd type="none" w="sm" len="sm"/>
-              </a14:hiddenLine>
-            </a:ext>
-            <a:ext uri="{AF507438-7753-43e0-B8FC-AC1667EBCBE1}">
-              <a14:hiddenEffects xmlns:a14="http://schemas.microsoft.com/office/drawing/2010/main">
-                <a:effectLst>
-                  <a:outerShdw blurRad="63500" dist="38099" dir="2700000" algn="ctr" rotWithShape="0">
-                    <a:schemeClr val="bg2">
-                      <a:alpha val="74998"/>
-                    </a:schemeClr>
-                  </a:outerShdw>
-                </a:effectLst>
-              </a14:hiddenEffects>
-            </a:ext>
-          </a:extLst>
-        </p:spPr>
-        <p:txBody>
-          <a:bodyPr wrap="none" lIns="86402" tIns="43201" rIns="86402" bIns="43201" anchor="ctr"/>
-          <a:lstStyle/>
-          <a:p>
-            <a:pPr algn="ctr" defTabSz="863600">
+          </a:p>
+          <a:p>
+            <a:pPr algn="just">
               <a:defRPr/>
             </a:pPr>
-            <a:endParaRPr lang="en-US" sz="2300">
-              <a:latin typeface="Times New Roman" charset="0"/>
-              <a:cs typeface="Arial" charset="0"/>
-            </a:endParaRPr>
+            <a:endParaRPr lang="de-DE" sz="2800" dirty="0"/>
           </a:p>
         </p:txBody>
       </p:sp>
@@ -5450,7 +5378,7 @@
         <p:spPr bwMode="auto">
           <a:xfrm>
             <a:off x="701404" y="15123765"/>
-            <a:ext cx="7544518" cy="4827005"/>
+            <a:ext cx="7544518" cy="6119666"/>
           </a:xfrm>
           <a:prstGeom prst="rect">
             <a:avLst/>
@@ -5487,7 +5415,7 @@
           </a:extLst>
         </p:spPr>
         <p:txBody>
-          <a:bodyPr wrap="square" lIns="86402" tIns="43201" rIns="86402" bIns="43201">
+          <a:bodyPr wrap="square" lIns="86402" tIns="43201" rIns="86402" bIns="43201" anchor="t">
             <a:spAutoFit/>
           </a:bodyPr>
           <a:lstStyle>
@@ -5614,1103 +5542,149 @@
               <a:defRPr/>
             </a:pPr>
             <a:r>
-              <a:rPr lang="de-DE" sz="2800" dirty="0" err="1" smtClean="0">
-                <a:latin typeface="Arial Narrow" charset="0"/>
+              <a:rPr lang="de-DE" sz="2800" dirty="0">
+                <a:latin typeface="Arial"/>
+                <a:cs typeface="Arial"/>
               </a:rPr>
-              <a:t>Lorem</a:t>
+              <a:t>Für die Entwicklung des Konzeptes wurden verschiedenste Technologien bzw. Anwendungen aus folgenden Bereichen analysiert:</a:t>
             </a:r>
-            <a:r>
-              <a:rPr lang="de-DE" sz="2800" dirty="0" smtClean="0">
-                <a:latin typeface="Arial Narrow" charset="0"/>
-              </a:rPr>
-              <a:t> </a:t>
-            </a:r>
-            <a:r>
-              <a:rPr lang="de-DE" sz="2800" dirty="0" err="1" smtClean="0">
-                <a:latin typeface="Arial Narrow" charset="0"/>
-              </a:rPr>
-              <a:t>ipsum</a:t>
-            </a:r>
-            <a:r>
-              <a:rPr lang="de-DE" sz="2800" dirty="0" smtClean="0">
-                <a:latin typeface="Arial Narrow" charset="0"/>
-              </a:rPr>
-              <a:t> </a:t>
-            </a:r>
-            <a:r>
-              <a:rPr lang="de-DE" sz="2800" dirty="0" err="1" smtClean="0">
-                <a:latin typeface="Arial Narrow" charset="0"/>
-              </a:rPr>
-              <a:t>dolor</a:t>
-            </a:r>
-            <a:r>
-              <a:rPr lang="de-DE" sz="2800" dirty="0" smtClean="0">
-                <a:latin typeface="Arial Narrow" charset="0"/>
-              </a:rPr>
-              <a:t> </a:t>
-            </a:r>
-            <a:r>
-              <a:rPr lang="de-DE" sz="2800" dirty="0" err="1" smtClean="0">
-                <a:latin typeface="Arial Narrow" charset="0"/>
-              </a:rPr>
-              <a:t>sit</a:t>
-            </a:r>
-            <a:r>
-              <a:rPr lang="de-DE" sz="2800" dirty="0" smtClean="0">
-                <a:latin typeface="Arial Narrow" charset="0"/>
-              </a:rPr>
-              <a:t> </a:t>
-            </a:r>
-            <a:r>
-              <a:rPr lang="de-DE" sz="2800" dirty="0" err="1" smtClean="0">
-                <a:latin typeface="Arial Narrow" charset="0"/>
-              </a:rPr>
-              <a:t>amet</a:t>
-            </a:r>
-            <a:r>
-              <a:rPr lang="de-DE" sz="2800" dirty="0" smtClean="0">
-                <a:latin typeface="Arial Narrow" charset="0"/>
-              </a:rPr>
-              <a:t>, </a:t>
-            </a:r>
-            <a:r>
-              <a:rPr lang="de-DE" sz="2800" dirty="0" err="1" smtClean="0">
-                <a:latin typeface="Arial Narrow" charset="0"/>
-              </a:rPr>
-              <a:t>consetetur</a:t>
-            </a:r>
-            <a:r>
-              <a:rPr lang="de-DE" sz="2800" dirty="0" smtClean="0">
-                <a:latin typeface="Arial Narrow" charset="0"/>
-              </a:rPr>
-              <a:t> </a:t>
-            </a:r>
-            <a:r>
-              <a:rPr lang="de-DE" sz="2800" dirty="0" err="1" smtClean="0">
-                <a:latin typeface="Arial Narrow" charset="0"/>
-              </a:rPr>
-              <a:t>sadipscing</a:t>
-            </a:r>
-            <a:r>
-              <a:rPr lang="de-DE" sz="2800" dirty="0" smtClean="0">
-                <a:latin typeface="Arial Narrow" charset="0"/>
-              </a:rPr>
-              <a:t> </a:t>
-            </a:r>
-            <a:r>
-              <a:rPr lang="de-DE" sz="2800" dirty="0" err="1" smtClean="0">
-                <a:latin typeface="Arial Narrow" charset="0"/>
-              </a:rPr>
-              <a:t>elitr</a:t>
-            </a:r>
-            <a:r>
-              <a:rPr lang="de-DE" sz="2800" dirty="0" smtClean="0">
-                <a:latin typeface="Arial Narrow" charset="0"/>
-              </a:rPr>
-              <a:t>, </a:t>
-            </a:r>
-            <a:r>
-              <a:rPr lang="de-DE" sz="2800" dirty="0" err="1" smtClean="0">
-                <a:latin typeface="Arial Narrow" charset="0"/>
-              </a:rPr>
-              <a:t>sed</a:t>
-            </a:r>
-            <a:r>
-              <a:rPr lang="de-DE" sz="2800" dirty="0" smtClean="0">
-                <a:latin typeface="Arial Narrow" charset="0"/>
-              </a:rPr>
-              <a:t> </a:t>
-            </a:r>
-            <a:r>
-              <a:rPr lang="de-DE" sz="2800" dirty="0" err="1" smtClean="0">
-                <a:latin typeface="Arial Narrow" charset="0"/>
-              </a:rPr>
-              <a:t>diam</a:t>
-            </a:r>
-            <a:r>
-              <a:rPr lang="de-DE" sz="2800" dirty="0" smtClean="0">
-                <a:latin typeface="Arial Narrow" charset="0"/>
-              </a:rPr>
-              <a:t> </a:t>
-            </a:r>
-            <a:r>
-              <a:rPr lang="de-DE" sz="2800" dirty="0" err="1" smtClean="0">
-                <a:latin typeface="Arial Narrow" charset="0"/>
-              </a:rPr>
-              <a:t>nonumy</a:t>
-            </a:r>
-            <a:r>
-              <a:rPr lang="de-DE" sz="2800" dirty="0" smtClean="0">
-                <a:latin typeface="Arial Narrow" charset="0"/>
-              </a:rPr>
-              <a:t> </a:t>
-            </a:r>
-            <a:r>
-              <a:rPr lang="de-DE" sz="2800" dirty="0" err="1" smtClean="0">
-                <a:latin typeface="Arial Narrow" charset="0"/>
-              </a:rPr>
-              <a:t>eirmod</a:t>
-            </a:r>
-            <a:r>
-              <a:rPr lang="de-DE" sz="2800" dirty="0" smtClean="0">
-                <a:latin typeface="Arial Narrow" charset="0"/>
-              </a:rPr>
-              <a:t> </a:t>
-            </a:r>
-            <a:r>
-              <a:rPr lang="de-DE" sz="2800" dirty="0" err="1" smtClean="0">
-                <a:latin typeface="Arial Narrow" charset="0"/>
-              </a:rPr>
-              <a:t>tempor</a:t>
-            </a:r>
-            <a:r>
-              <a:rPr lang="de-DE" sz="2800" dirty="0" smtClean="0">
-                <a:latin typeface="Arial Narrow" charset="0"/>
-              </a:rPr>
-              <a:t> </a:t>
-            </a:r>
-            <a:r>
-              <a:rPr lang="de-DE" sz="2800" dirty="0" err="1" smtClean="0">
-                <a:latin typeface="Arial Narrow" charset="0"/>
-              </a:rPr>
-              <a:t>invidunt</a:t>
-            </a:r>
-            <a:r>
-              <a:rPr lang="de-DE" sz="2800" dirty="0" smtClean="0">
-                <a:latin typeface="Arial Narrow" charset="0"/>
-              </a:rPr>
-              <a:t> </a:t>
-            </a:r>
-            <a:r>
-              <a:rPr lang="de-DE" sz="2800" dirty="0" err="1" smtClean="0">
-                <a:latin typeface="Arial Narrow" charset="0"/>
-              </a:rPr>
-              <a:t>ut</a:t>
-            </a:r>
-            <a:r>
-              <a:rPr lang="de-DE" sz="2800" dirty="0" smtClean="0">
-                <a:latin typeface="Arial Narrow" charset="0"/>
-              </a:rPr>
-              <a:t> </a:t>
-            </a:r>
-            <a:r>
-              <a:rPr lang="de-DE" sz="2800" dirty="0" err="1" smtClean="0">
-                <a:latin typeface="Arial Narrow" charset="0"/>
-              </a:rPr>
-              <a:t>labore</a:t>
-            </a:r>
-            <a:r>
-              <a:rPr lang="de-DE" sz="2800" dirty="0" smtClean="0">
-                <a:latin typeface="Arial Narrow" charset="0"/>
-              </a:rPr>
-              <a:t> et </a:t>
-            </a:r>
-            <a:r>
-              <a:rPr lang="de-DE" sz="2800" dirty="0" err="1" smtClean="0">
-                <a:latin typeface="Arial Narrow" charset="0"/>
-              </a:rPr>
-              <a:t>dolore</a:t>
-            </a:r>
-            <a:r>
-              <a:rPr lang="de-DE" sz="2800" dirty="0" smtClean="0">
-                <a:latin typeface="Arial Narrow" charset="0"/>
-              </a:rPr>
-              <a:t> magna </a:t>
-            </a:r>
-            <a:r>
-              <a:rPr lang="de-DE" sz="2800" dirty="0" err="1" smtClean="0">
-                <a:latin typeface="Arial Narrow" charset="0"/>
-              </a:rPr>
-              <a:t>aliquyam</a:t>
-            </a:r>
-            <a:r>
-              <a:rPr lang="de-DE" sz="2800" dirty="0" smtClean="0">
-                <a:latin typeface="Arial Narrow" charset="0"/>
-              </a:rPr>
-              <a:t> </a:t>
-            </a:r>
-            <a:r>
-              <a:rPr lang="de-DE" sz="2800" dirty="0" err="1" smtClean="0">
-                <a:latin typeface="Arial Narrow" charset="0"/>
-              </a:rPr>
-              <a:t>erat</a:t>
-            </a:r>
-            <a:r>
-              <a:rPr lang="de-DE" sz="2800" dirty="0" smtClean="0">
-                <a:latin typeface="Arial Narrow" charset="0"/>
-              </a:rPr>
-              <a:t>, </a:t>
-            </a:r>
-            <a:r>
-              <a:rPr lang="de-DE" sz="2800" dirty="0" err="1" smtClean="0">
-                <a:latin typeface="Arial Narrow" charset="0"/>
-              </a:rPr>
-              <a:t>sed</a:t>
-            </a:r>
-            <a:r>
-              <a:rPr lang="de-DE" sz="2800" dirty="0" smtClean="0">
-                <a:latin typeface="Arial Narrow" charset="0"/>
-              </a:rPr>
-              <a:t> </a:t>
-            </a:r>
-            <a:r>
-              <a:rPr lang="de-DE" sz="2800" dirty="0" err="1" smtClean="0">
-                <a:latin typeface="Arial Narrow" charset="0"/>
-              </a:rPr>
-              <a:t>diam</a:t>
-            </a:r>
-            <a:r>
-              <a:rPr lang="de-DE" sz="2800" dirty="0" smtClean="0">
-                <a:latin typeface="Arial Narrow" charset="0"/>
-              </a:rPr>
-              <a:t> </a:t>
-            </a:r>
-            <a:r>
-              <a:rPr lang="de-DE" sz="2800" dirty="0" err="1" smtClean="0">
-                <a:latin typeface="Arial Narrow" charset="0"/>
-              </a:rPr>
-              <a:t>voluptua</a:t>
-            </a:r>
-            <a:r>
-              <a:rPr lang="de-DE" sz="2800" dirty="0" smtClean="0">
-                <a:latin typeface="Arial Narrow" charset="0"/>
-              </a:rPr>
-              <a:t>. </a:t>
-            </a:r>
-            <a:r>
-              <a:rPr lang="de-DE" sz="2800" dirty="0" err="1" smtClean="0">
-                <a:latin typeface="Arial Narrow" charset="0"/>
-              </a:rPr>
-              <a:t>At</a:t>
-            </a:r>
-            <a:r>
-              <a:rPr lang="de-DE" sz="2800" dirty="0" smtClean="0">
-                <a:latin typeface="Arial Narrow" charset="0"/>
-              </a:rPr>
-              <a:t> </a:t>
-            </a:r>
-            <a:r>
-              <a:rPr lang="de-DE" sz="2800" dirty="0" err="1" smtClean="0">
-                <a:latin typeface="Arial Narrow" charset="0"/>
-              </a:rPr>
-              <a:t>vero</a:t>
-            </a:r>
-            <a:r>
-              <a:rPr lang="de-DE" sz="2800" dirty="0" smtClean="0">
-                <a:latin typeface="Arial Narrow" charset="0"/>
-              </a:rPr>
-              <a:t> </a:t>
-            </a:r>
-            <a:r>
-              <a:rPr lang="de-DE" sz="2800" dirty="0" err="1" smtClean="0">
-                <a:latin typeface="Arial Narrow" charset="0"/>
-              </a:rPr>
-              <a:t>eos</a:t>
-            </a:r>
-            <a:r>
-              <a:rPr lang="de-DE" sz="2800" dirty="0" smtClean="0">
-                <a:latin typeface="Arial Narrow" charset="0"/>
-              </a:rPr>
-              <a:t> et </a:t>
-            </a:r>
-            <a:r>
-              <a:rPr lang="de-DE" sz="2800" dirty="0" err="1" smtClean="0">
-                <a:latin typeface="Arial Narrow" charset="0"/>
-              </a:rPr>
-              <a:t>accusam</a:t>
-            </a:r>
-            <a:r>
-              <a:rPr lang="de-DE" sz="2800" dirty="0" smtClean="0">
-                <a:latin typeface="Arial Narrow" charset="0"/>
-              </a:rPr>
-              <a:t> et </a:t>
-            </a:r>
-            <a:r>
-              <a:rPr lang="de-DE" sz="2800" dirty="0" err="1" smtClean="0">
-                <a:latin typeface="Arial Narrow" charset="0"/>
-              </a:rPr>
-              <a:t>justo</a:t>
-            </a:r>
-            <a:r>
-              <a:rPr lang="de-DE" sz="2800" dirty="0" smtClean="0">
-                <a:latin typeface="Arial Narrow" charset="0"/>
-              </a:rPr>
-              <a:t> </a:t>
-            </a:r>
-            <a:r>
-              <a:rPr lang="de-DE" sz="2800" dirty="0" err="1" smtClean="0">
-                <a:latin typeface="Arial Narrow" charset="0"/>
-              </a:rPr>
-              <a:t>duo</a:t>
-            </a:r>
-            <a:r>
-              <a:rPr lang="de-DE" sz="2800" dirty="0" smtClean="0">
-                <a:latin typeface="Arial Narrow" charset="0"/>
-              </a:rPr>
-              <a:t> </a:t>
-            </a:r>
-            <a:r>
-              <a:rPr lang="de-DE" sz="2800" dirty="0" err="1" smtClean="0">
-                <a:latin typeface="Arial Narrow" charset="0"/>
-              </a:rPr>
-              <a:t>dolores</a:t>
-            </a:r>
-            <a:r>
-              <a:rPr lang="de-DE" sz="2800" dirty="0" smtClean="0">
-                <a:latin typeface="Arial Narrow" charset="0"/>
-              </a:rPr>
-              <a:t> et </a:t>
-            </a:r>
-            <a:r>
-              <a:rPr lang="de-DE" sz="2800" dirty="0" err="1" smtClean="0">
-                <a:latin typeface="Arial Narrow" charset="0"/>
-              </a:rPr>
-              <a:t>ea</a:t>
-            </a:r>
-            <a:r>
-              <a:rPr lang="de-DE" sz="2800" dirty="0" smtClean="0">
-                <a:latin typeface="Arial Narrow" charset="0"/>
-              </a:rPr>
-              <a:t> </a:t>
-            </a:r>
-            <a:r>
-              <a:rPr lang="de-DE" sz="2800" dirty="0" err="1" smtClean="0">
-                <a:latin typeface="Arial Narrow" charset="0"/>
-              </a:rPr>
-              <a:t>rebum</a:t>
-            </a:r>
-            <a:r>
-              <a:rPr lang="de-DE" sz="2800" dirty="0" smtClean="0">
-                <a:latin typeface="Arial Narrow" charset="0"/>
-              </a:rPr>
-              <a:t>. Stet </a:t>
-            </a:r>
-            <a:r>
-              <a:rPr lang="de-DE" sz="2800" dirty="0" err="1" smtClean="0">
-                <a:latin typeface="Arial Narrow" charset="0"/>
-              </a:rPr>
-              <a:t>clita</a:t>
-            </a:r>
-            <a:r>
-              <a:rPr lang="de-DE" sz="2800" dirty="0" smtClean="0">
-                <a:latin typeface="Arial Narrow" charset="0"/>
-              </a:rPr>
-              <a:t> </a:t>
-            </a:r>
-            <a:r>
-              <a:rPr lang="de-DE" sz="2800" dirty="0" err="1" smtClean="0">
-                <a:latin typeface="Arial Narrow" charset="0"/>
-              </a:rPr>
-              <a:t>kasd</a:t>
-            </a:r>
-            <a:r>
-              <a:rPr lang="de-DE" sz="2800" dirty="0" smtClean="0">
-                <a:latin typeface="Arial Narrow" charset="0"/>
-              </a:rPr>
-              <a:t> </a:t>
-            </a:r>
-            <a:r>
-              <a:rPr lang="de-DE" sz="2800" dirty="0" err="1" smtClean="0">
-                <a:latin typeface="Arial Narrow" charset="0"/>
-              </a:rPr>
-              <a:t>gubergren</a:t>
-            </a:r>
-            <a:r>
-              <a:rPr lang="de-DE" sz="2800" dirty="0" smtClean="0">
-                <a:latin typeface="Arial Narrow" charset="0"/>
-              </a:rPr>
-              <a:t>, </a:t>
-            </a:r>
-            <a:r>
-              <a:rPr lang="de-DE" sz="2800" dirty="0" err="1" smtClean="0">
-                <a:latin typeface="Arial Narrow" charset="0"/>
-              </a:rPr>
-              <a:t>no</a:t>
-            </a:r>
-            <a:r>
-              <a:rPr lang="de-DE" sz="2800" dirty="0" smtClean="0">
-                <a:latin typeface="Arial Narrow" charset="0"/>
-              </a:rPr>
-              <a:t> </a:t>
-            </a:r>
-            <a:r>
-              <a:rPr lang="de-DE" sz="2800" dirty="0" err="1" smtClean="0">
-                <a:latin typeface="Arial Narrow" charset="0"/>
-              </a:rPr>
-              <a:t>sea</a:t>
-            </a:r>
-            <a:r>
-              <a:rPr lang="de-DE" sz="2800" dirty="0" smtClean="0">
-                <a:latin typeface="Arial Narrow" charset="0"/>
-              </a:rPr>
-              <a:t> </a:t>
-            </a:r>
-            <a:r>
-              <a:rPr lang="de-DE" sz="2800" dirty="0" err="1" smtClean="0">
-                <a:latin typeface="Arial Narrow" charset="0"/>
-              </a:rPr>
-              <a:t>takimata</a:t>
-            </a:r>
-            <a:r>
-              <a:rPr lang="de-DE" sz="2800" dirty="0" smtClean="0">
-                <a:latin typeface="Arial Narrow" charset="0"/>
-              </a:rPr>
-              <a:t> sanctus </a:t>
-            </a:r>
-            <a:r>
-              <a:rPr lang="de-DE" sz="2800" dirty="0" err="1" smtClean="0">
-                <a:latin typeface="Arial Narrow" charset="0"/>
-              </a:rPr>
-              <a:t>est</a:t>
-            </a:r>
-            <a:r>
-              <a:rPr lang="de-DE" sz="2800" dirty="0" smtClean="0">
-                <a:latin typeface="Arial Narrow" charset="0"/>
-              </a:rPr>
-              <a:t> </a:t>
-            </a:r>
-            <a:r>
-              <a:rPr lang="de-DE" sz="2800" dirty="0" err="1" smtClean="0">
-                <a:latin typeface="Arial Narrow" charset="0"/>
-              </a:rPr>
-              <a:t>Lorem</a:t>
-            </a:r>
-            <a:r>
-              <a:rPr lang="de-DE" sz="2800" dirty="0" smtClean="0">
-                <a:latin typeface="Arial Narrow" charset="0"/>
-              </a:rPr>
-              <a:t> </a:t>
-            </a:r>
-            <a:r>
-              <a:rPr lang="de-DE" sz="2800" dirty="0" err="1" smtClean="0">
-                <a:latin typeface="Arial Narrow" charset="0"/>
-              </a:rPr>
-              <a:t>ipsum</a:t>
-            </a:r>
-            <a:r>
-              <a:rPr lang="de-DE" sz="2800" dirty="0" smtClean="0">
-                <a:latin typeface="Arial Narrow" charset="0"/>
-              </a:rPr>
-              <a:t> </a:t>
-            </a:r>
-            <a:r>
-              <a:rPr lang="de-DE" sz="2800" dirty="0" err="1" smtClean="0">
-                <a:latin typeface="Arial Narrow" charset="0"/>
-              </a:rPr>
-              <a:t>dolor</a:t>
-            </a:r>
-            <a:r>
-              <a:rPr lang="de-DE" sz="2800" dirty="0" smtClean="0">
-                <a:latin typeface="Arial Narrow" charset="0"/>
-              </a:rPr>
-              <a:t> </a:t>
-            </a:r>
-            <a:r>
-              <a:rPr lang="de-DE" sz="2800" dirty="0" err="1" smtClean="0">
-                <a:latin typeface="Arial Narrow" charset="0"/>
-              </a:rPr>
-              <a:t>sit</a:t>
-            </a:r>
-            <a:r>
-              <a:rPr lang="de-DE" sz="2800" dirty="0" smtClean="0">
-                <a:latin typeface="Arial Narrow" charset="0"/>
-              </a:rPr>
-              <a:t> </a:t>
-            </a:r>
-            <a:r>
-              <a:rPr lang="de-DE" sz="2800" dirty="0" err="1" smtClean="0">
-                <a:latin typeface="Arial Narrow" charset="0"/>
-              </a:rPr>
-              <a:t>amet</a:t>
-            </a:r>
-            <a:r>
-              <a:rPr lang="de-DE" sz="2800" dirty="0" smtClean="0">
-                <a:latin typeface="Arial Narrow" charset="0"/>
-              </a:rPr>
-              <a:t>. </a:t>
-            </a:r>
-            <a:r>
-              <a:rPr lang="de-DE" sz="2800" dirty="0" err="1" smtClean="0">
-                <a:latin typeface="Arial Narrow" charset="0"/>
-              </a:rPr>
-              <a:t>Lorem</a:t>
-            </a:r>
-            <a:r>
-              <a:rPr lang="de-DE" sz="2800" dirty="0" smtClean="0">
-                <a:latin typeface="Arial Narrow" charset="0"/>
-              </a:rPr>
-              <a:t> </a:t>
-            </a:r>
-            <a:r>
-              <a:rPr lang="de-DE" sz="2800" dirty="0" err="1" smtClean="0">
-                <a:latin typeface="Arial Narrow" charset="0"/>
-              </a:rPr>
-              <a:t>ipsum</a:t>
-            </a:r>
-            <a:r>
-              <a:rPr lang="de-DE" sz="2800" dirty="0" smtClean="0">
-                <a:latin typeface="Arial Narrow" charset="0"/>
-              </a:rPr>
-              <a:t> </a:t>
-            </a:r>
-            <a:r>
-              <a:rPr lang="de-DE" sz="2800" dirty="0" err="1" smtClean="0">
-                <a:latin typeface="Arial Narrow" charset="0"/>
-              </a:rPr>
-              <a:t>dolor</a:t>
-            </a:r>
-            <a:r>
-              <a:rPr lang="de-DE" sz="2800" dirty="0" smtClean="0">
-                <a:latin typeface="Arial Narrow" charset="0"/>
-              </a:rPr>
-              <a:t> </a:t>
-            </a:r>
-            <a:r>
-              <a:rPr lang="de-DE" sz="2800" dirty="0" err="1" smtClean="0">
-                <a:latin typeface="Arial Narrow" charset="0"/>
-              </a:rPr>
-              <a:t>sit</a:t>
-            </a:r>
-            <a:r>
-              <a:rPr lang="de-DE" sz="2800" dirty="0" smtClean="0">
-                <a:latin typeface="Arial Narrow" charset="0"/>
-              </a:rPr>
-              <a:t> </a:t>
-            </a:r>
-            <a:r>
-              <a:rPr lang="de-DE" sz="2800" dirty="0" err="1" smtClean="0">
-                <a:latin typeface="Arial Narrow" charset="0"/>
-              </a:rPr>
-              <a:t>amet</a:t>
-            </a:r>
-            <a:r>
-              <a:rPr lang="de-DE" sz="2800" dirty="0" smtClean="0">
-                <a:latin typeface="Arial Narrow" charset="0"/>
-              </a:rPr>
-              <a:t>, </a:t>
-            </a:r>
-            <a:r>
-              <a:rPr lang="de-DE" sz="2800" dirty="0" err="1" smtClean="0">
-                <a:latin typeface="Arial Narrow" charset="0"/>
-              </a:rPr>
-              <a:t>consetetur</a:t>
-            </a:r>
-            <a:r>
-              <a:rPr lang="de-DE" sz="2800" dirty="0" smtClean="0">
-                <a:latin typeface="Arial Narrow" charset="0"/>
-              </a:rPr>
-              <a:t> </a:t>
-            </a:r>
-            <a:r>
-              <a:rPr lang="de-DE" sz="2800" dirty="0" err="1" smtClean="0">
-                <a:latin typeface="Arial Narrow" charset="0"/>
-              </a:rPr>
-              <a:t>sadipscing</a:t>
-            </a:r>
-            <a:r>
-              <a:rPr lang="de-DE" sz="2800" dirty="0" smtClean="0">
-                <a:latin typeface="Arial Narrow" charset="0"/>
-              </a:rPr>
-              <a:t> </a:t>
-            </a:r>
-            <a:r>
-              <a:rPr lang="de-DE" sz="2800" dirty="0" err="1" smtClean="0">
-                <a:latin typeface="Arial Narrow" charset="0"/>
-              </a:rPr>
-              <a:t>elitr</a:t>
-            </a:r>
-            <a:r>
-              <a:rPr lang="de-DE" sz="2800" dirty="0" smtClean="0">
-                <a:latin typeface="Arial Narrow" charset="0"/>
-              </a:rPr>
-              <a:t>, </a:t>
-            </a:r>
-            <a:r>
-              <a:rPr lang="de-DE" sz="2800" dirty="0" err="1" smtClean="0">
-                <a:latin typeface="Arial Narrow" charset="0"/>
-              </a:rPr>
-              <a:t>sed</a:t>
-            </a:r>
-            <a:r>
-              <a:rPr lang="de-DE" sz="2800" dirty="0" smtClean="0">
-                <a:latin typeface="Arial Narrow" charset="0"/>
-              </a:rPr>
-              <a:t> </a:t>
-            </a:r>
-            <a:r>
-              <a:rPr lang="de-DE" sz="2800" dirty="0" err="1" smtClean="0">
-                <a:latin typeface="Arial Narrow" charset="0"/>
-              </a:rPr>
-              <a:t>diam</a:t>
-            </a:r>
-            <a:r>
-              <a:rPr lang="de-DE" sz="2800" dirty="0" smtClean="0">
-                <a:latin typeface="Arial Narrow" charset="0"/>
-              </a:rPr>
-              <a:t> </a:t>
-            </a:r>
-            <a:r>
-              <a:rPr lang="de-DE" sz="2800" dirty="0" smtClean="0">
-                <a:latin typeface="Arial Narrow" charset="0"/>
-              </a:rPr>
-              <a:t>non	</a:t>
-            </a:r>
-            <a:r>
-              <a:rPr lang="de-DE" sz="2800" dirty="0" err="1" smtClean="0">
-                <a:latin typeface="Arial Narrow" charset="0"/>
-              </a:rPr>
-              <a:t>umy</a:t>
-            </a:r>
-            <a:r>
-              <a:rPr lang="de-DE" sz="2800" dirty="0" smtClean="0">
-                <a:latin typeface="Arial Narrow" charset="0"/>
-              </a:rPr>
-              <a:t> </a:t>
-            </a:r>
-            <a:r>
-              <a:rPr lang="de-DE" sz="2800" dirty="0" err="1" smtClean="0">
-                <a:latin typeface="Arial Narrow" charset="0"/>
-              </a:rPr>
-              <a:t>eirmod</a:t>
-            </a:r>
-            <a:r>
-              <a:rPr lang="de-DE" sz="2800" dirty="0" smtClean="0">
-                <a:latin typeface="Arial Narrow" charset="0"/>
-              </a:rPr>
-              <a:t> </a:t>
-            </a:r>
-            <a:r>
-              <a:rPr lang="de-DE" sz="2800" dirty="0" err="1" smtClean="0">
-                <a:latin typeface="Arial Narrow" charset="0"/>
-              </a:rPr>
-              <a:t>tempor</a:t>
-            </a:r>
-            <a:r>
-              <a:rPr lang="de-DE" sz="2800" dirty="0" smtClean="0">
-                <a:latin typeface="Arial Narrow" charset="0"/>
-              </a:rPr>
-              <a:t> </a:t>
-            </a:r>
-            <a:r>
-              <a:rPr lang="de-DE" sz="2800" dirty="0" err="1" smtClean="0">
-                <a:latin typeface="Arial Narrow" charset="0"/>
-              </a:rPr>
-              <a:t>invidunt</a:t>
-            </a:r>
-            <a:r>
-              <a:rPr lang="de-DE" sz="2800" dirty="0" smtClean="0">
-                <a:latin typeface="Arial Narrow" charset="0"/>
-              </a:rPr>
-              <a:t> </a:t>
-            </a:r>
-            <a:r>
-              <a:rPr lang="de-DE" sz="2800" dirty="0" err="1" smtClean="0">
-                <a:latin typeface="Arial Narrow" charset="0"/>
-              </a:rPr>
-              <a:t>ut</a:t>
-            </a:r>
-            <a:r>
-              <a:rPr lang="de-DE" sz="2800" dirty="0" smtClean="0">
-                <a:latin typeface="Arial Narrow" charset="0"/>
-              </a:rPr>
-              <a:t> </a:t>
-            </a:r>
-            <a:r>
-              <a:rPr lang="de-DE" sz="2800" dirty="0" err="1" smtClean="0">
-                <a:latin typeface="Arial Narrow" charset="0"/>
-              </a:rPr>
-              <a:t>labore</a:t>
-            </a:r>
-            <a:r>
-              <a:rPr lang="de-DE" sz="2800" dirty="0" smtClean="0">
-                <a:latin typeface="Arial Narrow" charset="0"/>
-              </a:rPr>
-              <a:t> et </a:t>
-            </a:r>
-            <a:r>
-              <a:rPr lang="de-DE" sz="2800" dirty="0" err="1" smtClean="0">
-                <a:latin typeface="Arial Narrow" charset="0"/>
-              </a:rPr>
-              <a:t>dolore</a:t>
-            </a:r>
-            <a:r>
-              <a:rPr lang="de-DE" sz="2800" dirty="0" smtClean="0">
-                <a:latin typeface="Arial Narrow" charset="0"/>
-              </a:rPr>
-              <a:t> magna </a:t>
-            </a:r>
-            <a:r>
-              <a:rPr lang="de-DE" sz="2800" dirty="0" err="1" smtClean="0">
-                <a:latin typeface="Arial Narrow" charset="0"/>
-              </a:rPr>
-              <a:t>aliquyam</a:t>
-            </a:r>
-            <a:r>
-              <a:rPr lang="de-DE" sz="2800" dirty="0" smtClean="0">
-                <a:latin typeface="Arial Narrow" charset="0"/>
-              </a:rPr>
-              <a:t> </a:t>
-            </a:r>
-            <a:r>
-              <a:rPr lang="de-DE" sz="2800" dirty="0" err="1" smtClean="0">
-                <a:latin typeface="Arial Narrow" charset="0"/>
-              </a:rPr>
-              <a:t>erat</a:t>
-            </a:r>
-            <a:r>
-              <a:rPr lang="de-DE" sz="2800" dirty="0" smtClean="0">
-                <a:latin typeface="Arial Narrow" charset="0"/>
-              </a:rPr>
-              <a:t>, </a:t>
-            </a:r>
-            <a:r>
-              <a:rPr lang="de-DE" sz="2800" dirty="0" err="1" smtClean="0">
-                <a:latin typeface="Arial Narrow" charset="0"/>
-              </a:rPr>
-              <a:t>sed</a:t>
-            </a:r>
-            <a:r>
-              <a:rPr lang="de-DE" sz="2800" dirty="0" smtClean="0">
-                <a:latin typeface="Arial Narrow" charset="0"/>
-              </a:rPr>
-              <a:t> </a:t>
-            </a:r>
-            <a:r>
-              <a:rPr lang="de-DE" sz="2800" dirty="0" err="1" smtClean="0">
-                <a:latin typeface="Arial Narrow" charset="0"/>
-              </a:rPr>
-              <a:t>diam</a:t>
-            </a:r>
-            <a:r>
-              <a:rPr lang="de-DE" sz="2800" dirty="0" smtClean="0">
-                <a:latin typeface="Arial Narrow" charset="0"/>
-              </a:rPr>
-              <a:t> </a:t>
-            </a:r>
-            <a:r>
-              <a:rPr lang="de-DE" sz="2800" dirty="0" err="1" smtClean="0">
-                <a:latin typeface="Arial Narrow" charset="0"/>
-              </a:rPr>
-              <a:t>voluptua</a:t>
-            </a:r>
-            <a:r>
-              <a:rPr lang="de-DE" sz="2800" dirty="0" smtClean="0">
-                <a:latin typeface="Arial Narrow" charset="0"/>
-              </a:rPr>
-              <a:t>. </a:t>
-            </a:r>
-            <a:r>
-              <a:rPr lang="de-DE" sz="2800" dirty="0" err="1" smtClean="0">
-                <a:latin typeface="Arial Narrow" charset="0"/>
-              </a:rPr>
-              <a:t>At</a:t>
-            </a:r>
-            <a:r>
-              <a:rPr lang="de-DE" sz="2800" dirty="0" smtClean="0">
-                <a:latin typeface="Arial Narrow" charset="0"/>
-              </a:rPr>
-              <a:t> </a:t>
-            </a:r>
-            <a:r>
-              <a:rPr lang="de-DE" sz="2800" dirty="0" err="1" smtClean="0">
-                <a:latin typeface="Arial Narrow" charset="0"/>
-              </a:rPr>
-              <a:t>vero</a:t>
-            </a:r>
-            <a:r>
-              <a:rPr lang="de-DE" sz="2800" dirty="0" smtClean="0">
-                <a:latin typeface="Arial Narrow" charset="0"/>
-              </a:rPr>
-              <a:t> </a:t>
-            </a:r>
-            <a:r>
-              <a:rPr lang="de-DE" sz="2800" dirty="0" err="1" smtClean="0">
-                <a:latin typeface="Arial Narrow" charset="0"/>
-              </a:rPr>
-              <a:t>eos</a:t>
-            </a:r>
-            <a:r>
-              <a:rPr lang="de-DE" sz="2800" dirty="0" smtClean="0">
-                <a:latin typeface="Arial Narrow" charset="0"/>
-              </a:rPr>
-              <a:t> et </a:t>
-            </a:r>
-            <a:r>
-              <a:rPr lang="de-DE" sz="2800" dirty="0" err="1" smtClean="0">
-                <a:latin typeface="Arial Narrow" charset="0"/>
-              </a:rPr>
-              <a:t>accusam</a:t>
-            </a:r>
-            <a:r>
-              <a:rPr lang="de-DE" sz="2800" dirty="0" smtClean="0">
-                <a:latin typeface="Arial Narrow" charset="0"/>
-              </a:rPr>
-              <a:t> et </a:t>
-            </a:r>
-            <a:r>
-              <a:rPr lang="de-DE" sz="2800" dirty="0" err="1" smtClean="0">
-                <a:latin typeface="Arial Narrow" charset="0"/>
-              </a:rPr>
-              <a:t>justo</a:t>
-            </a:r>
-            <a:r>
-              <a:rPr lang="de-DE" sz="2800" dirty="0" smtClean="0">
-                <a:latin typeface="Arial Narrow" charset="0"/>
-              </a:rPr>
-              <a:t> </a:t>
-            </a:r>
-            <a:r>
-              <a:rPr lang="de-DE" sz="2800" dirty="0" err="1" smtClean="0">
-                <a:latin typeface="Arial Narrow" charset="0"/>
-              </a:rPr>
-              <a:t>duo</a:t>
-            </a:r>
-            <a:r>
-              <a:rPr lang="de-DE" sz="2800" dirty="0" smtClean="0">
-                <a:latin typeface="Arial Narrow" charset="0"/>
-              </a:rPr>
-              <a:t> </a:t>
-            </a:r>
-            <a:r>
-              <a:rPr lang="de-DE" sz="2800" dirty="0" err="1" smtClean="0">
-                <a:latin typeface="Arial Narrow" charset="0"/>
-              </a:rPr>
-              <a:t>dolores</a:t>
-            </a:r>
-            <a:r>
-              <a:rPr lang="de-DE" sz="2800" dirty="0" smtClean="0">
-                <a:latin typeface="Arial Narrow" charset="0"/>
-              </a:rPr>
-              <a:t> et </a:t>
-            </a:r>
-            <a:r>
-              <a:rPr lang="de-DE" sz="2800" dirty="0" err="1" smtClean="0">
-                <a:latin typeface="Arial Narrow" charset="0"/>
-              </a:rPr>
-              <a:t>ea</a:t>
-            </a:r>
-            <a:r>
-              <a:rPr lang="de-DE" sz="2800" dirty="0" smtClean="0">
-                <a:latin typeface="Arial Narrow" charset="0"/>
-              </a:rPr>
-              <a:t> </a:t>
-            </a:r>
-            <a:r>
-              <a:rPr lang="de-DE" sz="2800" dirty="0" err="1" smtClean="0">
-                <a:latin typeface="Arial Narrow" charset="0"/>
-              </a:rPr>
-              <a:t>rebum</a:t>
-            </a:r>
-            <a:r>
-              <a:rPr lang="de-DE" sz="2800" dirty="0" smtClean="0">
-                <a:latin typeface="Arial Narrow" charset="0"/>
-              </a:rPr>
-              <a:t>. Stet </a:t>
-            </a:r>
-            <a:r>
-              <a:rPr lang="de-DE" sz="2800" dirty="0" err="1" smtClean="0">
-                <a:latin typeface="Arial Narrow" charset="0"/>
-              </a:rPr>
-              <a:t>clita</a:t>
-            </a:r>
-            <a:r>
-              <a:rPr lang="de-DE" sz="2800" dirty="0" smtClean="0">
-                <a:latin typeface="Arial Narrow" charset="0"/>
-              </a:rPr>
-              <a:t> </a:t>
-            </a:r>
-            <a:r>
-              <a:rPr lang="de-DE" sz="2800" dirty="0" err="1" smtClean="0">
-                <a:latin typeface="Arial Narrow" charset="0"/>
-              </a:rPr>
-              <a:t>kasd</a:t>
-            </a:r>
-            <a:r>
-              <a:rPr lang="de-DE" sz="2800" dirty="0" smtClean="0">
-                <a:latin typeface="Arial Narrow" charset="0"/>
-              </a:rPr>
-              <a:t> </a:t>
-            </a:r>
-            <a:r>
-              <a:rPr lang="de-DE" sz="2800" dirty="0" err="1" smtClean="0">
-                <a:latin typeface="Arial Narrow" charset="0"/>
-              </a:rPr>
-              <a:t>gubergren</a:t>
-            </a:r>
-            <a:r>
-              <a:rPr lang="de-DE" sz="2800" dirty="0" smtClean="0">
-                <a:latin typeface="Arial Narrow" charset="0"/>
-              </a:rPr>
-              <a:t>, </a:t>
-            </a:r>
-            <a:r>
-              <a:rPr lang="de-DE" sz="2800" dirty="0" err="1" smtClean="0">
-                <a:latin typeface="Arial Narrow" charset="0"/>
-              </a:rPr>
-              <a:t>no</a:t>
-            </a:r>
-            <a:r>
-              <a:rPr lang="de-DE" sz="2800" dirty="0" smtClean="0">
-                <a:latin typeface="Arial Narrow" charset="0"/>
-              </a:rPr>
-              <a:t> </a:t>
-            </a:r>
-            <a:r>
-              <a:rPr lang="de-DE" sz="2800" dirty="0" err="1" smtClean="0">
-                <a:latin typeface="Arial Narrow" charset="0"/>
-              </a:rPr>
-              <a:t>sea</a:t>
-            </a:r>
-            <a:r>
-              <a:rPr lang="de-DE" sz="2800" dirty="0" smtClean="0">
-                <a:latin typeface="Arial Narrow" charset="0"/>
-              </a:rPr>
-              <a:t> </a:t>
-            </a:r>
-            <a:r>
-              <a:rPr lang="de-DE" sz="2800" dirty="0" err="1" smtClean="0">
-                <a:latin typeface="Arial Narrow" charset="0"/>
-              </a:rPr>
-              <a:t>takimata</a:t>
-            </a:r>
-            <a:r>
-              <a:rPr lang="de-DE" sz="2800" dirty="0" smtClean="0">
-                <a:latin typeface="Arial Narrow" charset="0"/>
-              </a:rPr>
-              <a:t> sanctus </a:t>
-            </a:r>
-            <a:r>
-              <a:rPr lang="de-DE" sz="2800" dirty="0" err="1" smtClean="0">
-                <a:latin typeface="Arial Narrow" charset="0"/>
-              </a:rPr>
-              <a:t>est</a:t>
-            </a:r>
-            <a:r>
-              <a:rPr lang="de-DE" sz="2800" dirty="0" smtClean="0">
-                <a:latin typeface="Arial Narrow" charset="0"/>
-              </a:rPr>
-              <a:t> </a:t>
-            </a:r>
-            <a:r>
-              <a:rPr lang="de-DE" sz="2800" dirty="0" err="1" smtClean="0">
-                <a:latin typeface="Arial Narrow" charset="0"/>
-              </a:rPr>
-              <a:t>Lorem</a:t>
-            </a:r>
-            <a:r>
-              <a:rPr lang="de-DE" sz="2800" dirty="0" smtClean="0">
-                <a:latin typeface="Arial Narrow" charset="0"/>
-              </a:rPr>
-              <a:t> </a:t>
-            </a:r>
-            <a:r>
-              <a:rPr lang="de-DE" sz="2800" dirty="0" err="1" smtClean="0">
-                <a:latin typeface="Arial Narrow" charset="0"/>
-              </a:rPr>
-              <a:t>ipsum</a:t>
-            </a:r>
-            <a:r>
-              <a:rPr lang="de-DE" sz="2800" dirty="0" smtClean="0">
-                <a:latin typeface="Arial Narrow" charset="0"/>
-              </a:rPr>
-              <a:t> </a:t>
-            </a:r>
-            <a:r>
-              <a:rPr lang="de-DE" sz="2800" dirty="0" err="1" smtClean="0">
-                <a:latin typeface="Arial Narrow" charset="0"/>
-              </a:rPr>
-              <a:t>dolor</a:t>
-            </a:r>
-            <a:r>
-              <a:rPr lang="de-DE" sz="2800" dirty="0" smtClean="0">
-                <a:latin typeface="Arial Narrow" charset="0"/>
-              </a:rPr>
-              <a:t> </a:t>
-            </a:r>
-            <a:r>
-              <a:rPr lang="de-DE" sz="2800" dirty="0" err="1" smtClean="0">
-                <a:latin typeface="Arial Narrow" charset="0"/>
-              </a:rPr>
-              <a:t>sit</a:t>
-            </a:r>
-            <a:r>
-              <a:rPr lang="de-DE" sz="2800" dirty="0" smtClean="0">
-                <a:latin typeface="Arial Narrow" charset="0"/>
-              </a:rPr>
-              <a:t> </a:t>
-            </a:r>
-            <a:r>
-              <a:rPr lang="de-DE" sz="2800" dirty="0" err="1" smtClean="0">
-                <a:latin typeface="Arial Narrow" charset="0"/>
-              </a:rPr>
-              <a:t>amet</a:t>
-            </a:r>
-            <a:r>
-              <a:rPr lang="de-DE" sz="2800" dirty="0" smtClean="0">
-                <a:latin typeface="Arial Narrow" charset="0"/>
-              </a:rPr>
-              <a:t>.</a:t>
-            </a:r>
-          </a:p>
-        </p:txBody>
-      </p:sp>
-      <p:sp>
-        <p:nvSpPr>
-          <p:cNvPr id="3086" name="Rectangle 710"/>
-          <p:cNvSpPr>
-            <a:spLocks noChangeArrowheads="1"/>
-          </p:cNvSpPr>
-          <p:nvPr/>
-        </p:nvSpPr>
-        <p:spPr bwMode="auto">
-          <a:xfrm>
-            <a:off x="8561388" y="9972675"/>
-            <a:ext cx="12536487" cy="9556750"/>
-          </a:xfrm>
-          <a:prstGeom prst="rect">
-            <a:avLst/>
-          </a:prstGeom>
-          <a:solidFill>
-            <a:srgbClr val="EAEAEA"/>
-          </a:solidFill>
-          <a:ln>
-            <a:noFill/>
-          </a:ln>
-          <a:effectLst/>
-          <a:extLst>
-            <a:ext uri="{91240B29-F687-4f45-9708-019B960494DF}">
-              <a14:hiddenLine xmlns:a14="http://schemas.microsoft.com/office/drawing/2010/main" w="12700">
-                <a:solidFill>
-                  <a:schemeClr val="tx1"/>
-                </a:solidFill>
-                <a:miter lim="800000"/>
-                <a:headEnd type="none" w="sm" len="sm"/>
-                <a:tailEnd type="none" w="sm" len="sm"/>
-              </a14:hiddenLine>
-            </a:ext>
-            <a:ext uri="{AF507438-7753-43e0-B8FC-AC1667EBCBE1}">
-              <a14:hiddenEffects xmlns:a14="http://schemas.microsoft.com/office/drawing/2010/main">
-                <a:effectLst>
-                  <a:outerShdw blurRad="63500" dist="38099" dir="2700000" algn="ctr" rotWithShape="0">
-                    <a:schemeClr val="bg2">
-                      <a:alpha val="74998"/>
-                    </a:schemeClr>
-                  </a:outerShdw>
-                </a:effectLst>
-              </a14:hiddenEffects>
-            </a:ext>
-          </a:extLst>
-        </p:spPr>
-        <p:txBody>
-          <a:bodyPr wrap="none" lIns="86402" tIns="43201" rIns="86402" bIns="43201" anchor="ctr"/>
-          <a:lstStyle/>
-          <a:p>
-            <a:pPr algn="ctr" defTabSz="863600">
+          </a:p>
+          <a:p>
+            <a:pPr algn="just">
+              <a:spcBef>
+                <a:spcPct val="25000"/>
+              </a:spcBef>
               <a:defRPr/>
             </a:pPr>
-            <a:endParaRPr lang="en-US" sz="2300">
-              <a:latin typeface="Times New Roman" charset="0"/>
-              <a:cs typeface="Arial" charset="0"/>
+            <a:endParaRPr lang="de-DE" sz="2800" dirty="0">
+              <a:latin typeface="Arial"/>
+              <a:cs typeface="Arial"/>
+            </a:endParaRPr>
+          </a:p>
+          <a:p>
+            <a:pPr marL="457200" indent="-457200" algn="just">
+              <a:spcBef>
+                <a:spcPct val="25000"/>
+              </a:spcBef>
+              <a:buFont typeface="Arial" panose="020B0604020202020204" pitchFamily="34" charset="0"/>
+              <a:buChar char="•"/>
+              <a:defRPr/>
+            </a:pPr>
+            <a:r>
+              <a:rPr lang="de-DE" sz="2800" dirty="0">
+                <a:latin typeface="Arial"/>
+                <a:cs typeface="Arial"/>
+              </a:rPr>
+              <a:t>Cloud-Datenhaltung</a:t>
+            </a:r>
+          </a:p>
+          <a:p>
+            <a:pPr marL="457200" indent="-457200" algn="just">
+              <a:spcBef>
+                <a:spcPct val="25000"/>
+              </a:spcBef>
+              <a:buFont typeface="Arial" panose="020B0604020202020204" pitchFamily="34" charset="0"/>
+              <a:buChar char="•"/>
+              <a:defRPr/>
+            </a:pPr>
+            <a:r>
+              <a:rPr lang="de-DE" sz="2800" dirty="0">
+                <a:latin typeface="Arial"/>
+                <a:cs typeface="Arial"/>
+              </a:rPr>
+              <a:t>Verteilte Daten - Beispiel Diaspora</a:t>
+            </a:r>
+          </a:p>
+          <a:p>
+            <a:pPr marL="457200" indent="-457200" algn="just">
+              <a:spcBef>
+                <a:spcPct val="25000"/>
+              </a:spcBef>
+              <a:buFont typeface="Arial" panose="020B0604020202020204" pitchFamily="34" charset="0"/>
+              <a:buChar char="•"/>
+              <a:defRPr/>
+            </a:pPr>
+            <a:r>
+              <a:rPr lang="de-DE" sz="2800" dirty="0">
+                <a:latin typeface="Arial"/>
+                <a:cs typeface="Arial"/>
+              </a:rPr>
+              <a:t>Verteilte Datenmodelle - Beispiel GIT</a:t>
+            </a:r>
+          </a:p>
+          <a:p>
+            <a:pPr marL="457200" indent="-457200" algn="just">
+              <a:spcBef>
+                <a:spcPct val="25000"/>
+              </a:spcBef>
+              <a:buFont typeface="Arial" panose="020B0604020202020204" pitchFamily="34" charset="0"/>
+              <a:buChar char="•"/>
+              <a:defRPr/>
+            </a:pPr>
+            <a:r>
+              <a:rPr lang="de-DE" sz="2800" dirty="0">
+                <a:latin typeface="Arial"/>
+                <a:cs typeface="Arial"/>
+              </a:rPr>
+              <a:t>Verteilte Dateisysteme</a:t>
+            </a:r>
+          </a:p>
+          <a:p>
+            <a:pPr marL="457200" indent="-457200" algn="just">
+              <a:spcBef>
+                <a:spcPct val="25000"/>
+              </a:spcBef>
+              <a:buFont typeface="Arial" panose="020B0604020202020204" pitchFamily="34" charset="0"/>
+              <a:buChar char="•"/>
+              <a:defRPr/>
+            </a:pPr>
+            <a:r>
+              <a:rPr lang="de-DE" sz="2800" dirty="0">
+                <a:latin typeface="Arial"/>
+                <a:cs typeface="Arial"/>
+              </a:rPr>
+              <a:t>Objekt-Speicherdienste </a:t>
+            </a:r>
+          </a:p>
+          <a:p>
+            <a:pPr marL="457200" indent="-457200" algn="just">
+              <a:spcBef>
+                <a:spcPct val="25000"/>
+              </a:spcBef>
+              <a:buFont typeface="Arial" panose="020B0604020202020204" pitchFamily="34" charset="0"/>
+              <a:buChar char="•"/>
+              <a:defRPr/>
+            </a:pPr>
+            <a:r>
+              <a:rPr lang="de-DE" sz="2800" dirty="0">
+                <a:latin typeface="Arial"/>
+                <a:cs typeface="Arial"/>
+              </a:rPr>
+              <a:t>Verteilte Dateisysteme  </a:t>
+            </a:r>
+          </a:p>
+          <a:p>
+            <a:pPr marL="457200" indent="-457200" algn="just">
+              <a:spcBef>
+                <a:spcPct val="25000"/>
+              </a:spcBef>
+              <a:buFont typeface="Arial" panose="020B0604020202020204" pitchFamily="34" charset="0"/>
+              <a:buChar char="•"/>
+              <a:defRPr/>
+            </a:pPr>
+            <a:r>
+              <a:rPr lang="de-DE" sz="2800" dirty="0">
+                <a:latin typeface="Arial"/>
+                <a:cs typeface="Arial"/>
+              </a:rPr>
+              <a:t>Datenbankgestützte Dateiverwaltung</a:t>
+            </a:r>
+            <a:endParaRPr lang="de-DE" sz="2800" dirty="0">
+              <a:solidFill>
+                <a:srgbClr val="000000"/>
+              </a:solidFill>
+              <a:latin typeface="Arial"/>
+              <a:cs typeface="Arial"/>
             </a:endParaRPr>
           </a:p>
         </p:txBody>
@@ -6969,8 +5943,8 @@
         </p:nvSpPr>
         <p:spPr bwMode="auto">
           <a:xfrm>
-            <a:off x="8664575" y="10010775"/>
-            <a:ext cx="12326938" cy="3534344"/>
+            <a:off x="8664575" y="10056233"/>
+            <a:ext cx="12284075" cy="3965230"/>
           </a:xfrm>
           <a:prstGeom prst="rect">
             <a:avLst/>
@@ -7007,7 +5981,7 @@
           </a:extLst>
         </p:spPr>
         <p:txBody>
-          <a:bodyPr lIns="86402" tIns="43201" rIns="86402" bIns="43201">
+          <a:bodyPr wrap="square" lIns="86402" tIns="43201" rIns="86402" bIns="43201" anchor="t">
             <a:spAutoFit/>
           </a:bodyPr>
           <a:lstStyle>
@@ -7127,404 +6101,25 @@
             </a:lvl9pPr>
           </a:lstStyle>
           <a:p>
+            <a:pPr algn="just"/>
             <a:r>
               <a:rPr lang="de-DE" sz="2800" dirty="0"/>
-              <a:t>Das Ergebnis dieser Arbeit ist ein Konzept </a:t>
+              <a:t>Das Ergebnis dieser Arbeit ist ein Konzept für eine verteilte Datenhaltung. Diese Speicherlösung ist unabhängig von der Anwendung, in der sie integriert ist. In einem Prototypen wurden die wichtigsten Aspekte implementiert.</a:t>
             </a:r>
-            <a:r>
-              <a:rPr lang="de-DE" sz="2800" dirty="0" smtClean="0"/>
-              <a:t>für </a:t>
-            </a:r>
+          </a:p>
+          <a:p>
+            <a:pPr algn="just"/>
+            <a:endParaRPr lang="de-DE" sz="2800" dirty="0"/>
+          </a:p>
+          <a:p>
+            <a:pPr algn="just"/>
             <a:r>
               <a:rPr lang="de-DE" sz="2800" dirty="0"/>
-              <a:t>eine verteilte Datenhaltung. Diese </a:t>
-            </a:r>
-            <a:r>
-              <a:rPr lang="de-DE" sz="2800" dirty="0" smtClean="0"/>
-              <a:t>Speicherlösung </a:t>
-            </a:r>
-            <a:r>
-              <a:rPr lang="de-DE" sz="2800" dirty="0"/>
-              <a:t>ist </a:t>
-            </a:r>
-            <a:r>
-              <a:rPr lang="de-DE" sz="2800" dirty="0" smtClean="0"/>
-              <a:t>unabhängig </a:t>
-            </a:r>
-            <a:r>
-              <a:rPr lang="de-DE" sz="2800" dirty="0"/>
-              <a:t>von der Anwendung, in der sie integriert ist. Als Beweis </a:t>
-            </a:r>
-            <a:r>
-              <a:rPr lang="de-DE" sz="2800" dirty="0" smtClean="0"/>
-              <a:t>für </a:t>
-            </a:r>
-            <a:r>
-              <a:rPr lang="de-DE" sz="2800" dirty="0"/>
-              <a:t>die </a:t>
-            </a:r>
-            <a:r>
-              <a:rPr lang="de-DE" sz="2800" dirty="0" smtClean="0"/>
-              <a:t>Funktionstüchtigkeit </a:t>
-            </a:r>
-            <a:r>
-              <a:rPr lang="de-DE" sz="2800" dirty="0"/>
-              <a:t>dieses Konzeptes, wurde ein einfacher Prototyp entwickelt. Er implementiert neben den wichtigsten Komponenten des Konzeptes, auch eine Plattform und einen Client, um Dateien aus einem lokalen Ordner mit der Plattform zu </a:t>
-            </a:r>
-            <a:r>
-              <a:rPr lang="de-DE" sz="2800" dirty="0" smtClean="0"/>
-              <a:t>synchronisieren. Über </a:t>
-            </a:r>
-            <a:r>
-              <a:rPr lang="de-DE" sz="2800" dirty="0"/>
-              <a:t>definierte Schnittstellen werden diese Daten auf den vorher konfigurierten Servern verteilt. </a:t>
+              <a:t>Einer dieser Aspekte ist das Protokoll, das die Daten in einem konfigurierbaren Netzwerk verteilt. Es ist eine Abwandlung des von XtreemFS verwendeten Primärbasierten Protokoll. Es wird verwendet um die Datensätze zu replizieren.</a:t>
             </a:r>
           </a:p>
         </p:txBody>
       </p:sp>
-      <p:sp>
-        <p:nvSpPr>
-          <p:cNvPr id="3089" name="Rectangle 710"/>
-          <p:cNvSpPr>
-            <a:spLocks noChangeArrowheads="1"/>
-          </p:cNvSpPr>
-          <p:nvPr/>
-        </p:nvSpPr>
-        <p:spPr bwMode="auto">
-          <a:xfrm>
-            <a:off x="8561388" y="20756563"/>
-            <a:ext cx="12536487" cy="4681537"/>
-          </a:xfrm>
-          <a:prstGeom prst="rect">
-            <a:avLst/>
-          </a:prstGeom>
-          <a:solidFill>
-            <a:srgbClr val="EAEAEA"/>
-          </a:solidFill>
-          <a:ln>
-            <a:noFill/>
-          </a:ln>
-          <a:effectLst/>
-          <a:extLst>
-            <a:ext uri="{91240B29-F687-4f45-9708-019B960494DF}">
-              <a14:hiddenLine xmlns:a14="http://schemas.microsoft.com/office/drawing/2010/main" w="12700">
-                <a:solidFill>
-                  <a:schemeClr val="tx1"/>
-                </a:solidFill>
-                <a:miter lim="800000"/>
-                <a:headEnd type="none" w="sm" len="sm"/>
-                <a:tailEnd type="none" w="sm" len="sm"/>
-              </a14:hiddenLine>
-            </a:ext>
-            <a:ext uri="{AF507438-7753-43e0-B8FC-AC1667EBCBE1}">
-              <a14:hiddenEffects xmlns:a14="http://schemas.microsoft.com/office/drawing/2010/main">
-                <a:effectLst>
-                  <a:outerShdw blurRad="63500" dist="38099" dir="2700000" algn="ctr" rotWithShape="0">
-                    <a:schemeClr val="bg2">
-                      <a:alpha val="74998"/>
-                    </a:schemeClr>
-                  </a:outerShdw>
-                </a:effectLst>
-              </a14:hiddenEffects>
-            </a:ext>
-          </a:extLst>
-        </p:spPr>
-        <p:txBody>
-          <a:bodyPr wrap="none" lIns="86402" tIns="43201" rIns="86402" bIns="43201" anchor="ctr"/>
-          <a:lstStyle/>
-          <a:p>
-            <a:pPr algn="ctr" defTabSz="863600">
-              <a:defRPr/>
-            </a:pPr>
-            <a:endParaRPr lang="en-US" sz="2300">
-              <a:latin typeface="Times New Roman" charset="0"/>
-              <a:cs typeface="Arial" charset="0"/>
-            </a:endParaRPr>
-          </a:p>
-        </p:txBody>
-      </p:sp>
-      <p:grpSp>
-        <p:nvGrpSpPr>
-          <p:cNvPr id="2" name="Group 799"/>
-          <p:cNvGrpSpPr>
-            <a:grpSpLocks/>
-          </p:cNvGrpSpPr>
-          <p:nvPr/>
-        </p:nvGrpSpPr>
-        <p:grpSpPr bwMode="auto">
-          <a:xfrm>
-            <a:off x="8553450" y="19677063"/>
-            <a:ext cx="12546013" cy="1828800"/>
-            <a:chOff x="606" y="5216"/>
-            <a:chExt cx="7026" cy="1234"/>
-          </a:xfrm>
-        </p:grpSpPr>
-        <p:sp>
-          <p:nvSpPr>
-            <p:cNvPr id="3095" name="Rectangle 718"/>
-            <p:cNvSpPr>
-              <a:spLocks noChangeArrowheads="1"/>
-            </p:cNvSpPr>
-            <p:nvPr/>
-          </p:nvSpPr>
-          <p:spPr bwMode="auto">
-            <a:xfrm>
-              <a:off x="606" y="5216"/>
-              <a:ext cx="7026" cy="680"/>
-            </a:xfrm>
-            <a:prstGeom prst="rect">
-              <a:avLst/>
-            </a:prstGeom>
-            <a:solidFill>
-              <a:srgbClr val="00B0F0"/>
-            </a:solidFill>
-            <a:ln>
-              <a:noFill/>
-            </a:ln>
-            <a:effectLst/>
-            <a:extLst>
-              <a:ext uri="{91240B29-F687-4f45-9708-019B960494DF}">
-                <a14:hiddenLine xmlns:a14="http://schemas.microsoft.com/office/drawing/2010/main" w="12700">
-                  <a:solidFill>
-                    <a:schemeClr val="tx1"/>
-                  </a:solidFill>
-                  <a:miter lim="800000"/>
-                  <a:headEnd type="none" w="sm" len="sm"/>
-                  <a:tailEnd type="none" w="sm" len="sm"/>
-                </a14:hiddenLine>
-              </a:ext>
-              <a:ext uri="{AF507438-7753-43e0-B8FC-AC1667EBCBE1}">
-                <a14:hiddenEffects xmlns:a14="http://schemas.microsoft.com/office/drawing/2010/main">
-                  <a:effectLst>
-                    <a:outerShdw blurRad="63500" dist="38099" dir="2700000" algn="ctr" rotWithShape="0">
-                      <a:schemeClr val="bg2">
-                        <a:alpha val="74998"/>
-                      </a:schemeClr>
-                    </a:outerShdw>
-                  </a:effectLst>
-                </a14:hiddenEffects>
-              </a:ext>
-            </a:extLst>
-          </p:spPr>
-          <p:txBody>
-            <a:bodyPr wrap="none" anchor="ctr"/>
-            <a:lstStyle/>
-            <a:p>
-              <a:pPr>
-                <a:defRPr/>
-              </a:pPr>
-              <a:endParaRPr lang="de-DE">
-                <a:cs typeface="Arial" charset="0"/>
-              </a:endParaRPr>
-            </a:p>
-          </p:txBody>
-        </p:sp>
-        <p:sp>
-          <p:nvSpPr>
-            <p:cNvPr id="3096" name="Text Box 719"/>
-            <p:cNvSpPr txBox="1">
-              <a:spLocks noChangeArrowheads="1"/>
-            </p:cNvSpPr>
-            <p:nvPr/>
-          </p:nvSpPr>
-          <p:spPr bwMode="auto">
-            <a:xfrm>
-              <a:off x="834" y="5352"/>
-              <a:ext cx="6486" cy="1098"/>
-            </a:xfrm>
-            <a:prstGeom prst="rect">
-              <a:avLst/>
-            </a:prstGeom>
-            <a:noFill/>
-            <a:ln>
-              <a:noFill/>
-            </a:ln>
-            <a:effectLst/>
-            <a:extLst>
-              <a:ext uri="{909E8E84-426E-40dd-AFC4-6F175D3DCCD1}">
-                <a14:hiddenFill xmlns:a14="http://schemas.microsoft.com/office/drawing/2010/main">
-                  <a:solidFill>
-                    <a:schemeClr val="tx1"/>
-                  </a:solidFill>
-                </a14:hiddenFill>
-              </a:ext>
-              <a:ext uri="{91240B29-F687-4f45-9708-019B960494DF}">
-                <a14:hiddenLine xmlns:a14="http://schemas.microsoft.com/office/drawing/2010/main" w="12700">
-                  <a:solidFill>
-                    <a:schemeClr val="tx1"/>
-                  </a:solidFill>
-                  <a:miter lim="800000"/>
-                  <a:headEnd type="none" w="sm" len="sm"/>
-                  <a:tailEnd type="none" w="sm" len="sm"/>
-                </a14:hiddenLine>
-              </a:ext>
-              <a:ext uri="{AF507438-7753-43e0-B8FC-AC1667EBCBE1}">
-                <a14:hiddenEffects xmlns:a14="http://schemas.microsoft.com/office/drawing/2010/main">
-                  <a:effectLst>
-                    <a:outerShdw blurRad="63500" dist="38099" dir="2700000" algn="ctr" rotWithShape="0">
-                      <a:schemeClr val="bg2">
-                        <a:alpha val="74998"/>
-                      </a:schemeClr>
-                    </a:outerShdw>
-                  </a:effectLst>
-                </a14:hiddenEffects>
-              </a:ext>
-            </a:extLst>
-          </p:spPr>
-          <p:txBody>
-            <a:bodyPr lIns="86402" tIns="43201" rIns="86402" bIns="43201">
-              <a:spAutoFit/>
-            </a:bodyPr>
-            <a:lstStyle>
-              <a:lvl1pPr defTabSz="863600">
-                <a:defRPr sz="2400">
-                  <a:solidFill>
-                    <a:schemeClr val="tx1"/>
-                  </a:solidFill>
-                  <a:latin typeface="Arial" charset="0"/>
-                  <a:ea typeface="ＭＳ Ｐゴシック" charset="0"/>
-                  <a:cs typeface="Arial" charset="0"/>
-                </a:defRPr>
-              </a:lvl1pPr>
-              <a:lvl2pPr marL="742950" indent="-285750" defTabSz="863600">
-                <a:defRPr sz="2400">
-                  <a:solidFill>
-                    <a:schemeClr val="tx1"/>
-                  </a:solidFill>
-                  <a:latin typeface="Arial" charset="0"/>
-                  <a:ea typeface="Arial" charset="0"/>
-                  <a:cs typeface="Arial" charset="0"/>
-                </a:defRPr>
-              </a:lvl2pPr>
-              <a:lvl3pPr marL="1143000" indent="-228600" defTabSz="863600">
-                <a:defRPr sz="2400">
-                  <a:solidFill>
-                    <a:schemeClr val="tx1"/>
-                  </a:solidFill>
-                  <a:latin typeface="Arial" charset="0"/>
-                  <a:ea typeface="Arial" charset="0"/>
-                  <a:cs typeface="Arial" charset="0"/>
-                </a:defRPr>
-              </a:lvl3pPr>
-              <a:lvl4pPr marL="1600200" indent="-228600" defTabSz="863600">
-                <a:defRPr sz="2400">
-                  <a:solidFill>
-                    <a:schemeClr val="tx1"/>
-                  </a:solidFill>
-                  <a:latin typeface="Arial" charset="0"/>
-                  <a:ea typeface="Arial" charset="0"/>
-                  <a:cs typeface="Arial" charset="0"/>
-                </a:defRPr>
-              </a:lvl4pPr>
-              <a:lvl5pPr marL="2057400" indent="-228600" defTabSz="863600">
-                <a:defRPr sz="2400">
-                  <a:solidFill>
-                    <a:schemeClr val="tx1"/>
-                  </a:solidFill>
-                  <a:latin typeface="Arial" charset="0"/>
-                  <a:ea typeface="Arial" charset="0"/>
-                  <a:cs typeface="Arial" charset="0"/>
-                </a:defRPr>
-              </a:lvl5pPr>
-              <a:lvl6pPr marL="2514600" indent="-228600" defTabSz="863600" eaLnBrk="0" fontAlgn="base" hangingPunct="0">
-                <a:spcBef>
-                  <a:spcPct val="0"/>
-                </a:spcBef>
-                <a:spcAft>
-                  <a:spcPct val="0"/>
-                </a:spcAft>
-                <a:defRPr sz="2400">
-                  <a:solidFill>
-                    <a:schemeClr val="tx1"/>
-                  </a:solidFill>
-                  <a:latin typeface="Arial" charset="0"/>
-                  <a:ea typeface="Arial" charset="0"/>
-                  <a:cs typeface="Arial" charset="0"/>
-                </a:defRPr>
-              </a:lvl6pPr>
-              <a:lvl7pPr marL="2971800" indent="-228600" defTabSz="863600" eaLnBrk="0" fontAlgn="base" hangingPunct="0">
-                <a:spcBef>
-                  <a:spcPct val="0"/>
-                </a:spcBef>
-                <a:spcAft>
-                  <a:spcPct val="0"/>
-                </a:spcAft>
-                <a:defRPr sz="2400">
-                  <a:solidFill>
-                    <a:schemeClr val="tx1"/>
-                  </a:solidFill>
-                  <a:latin typeface="Arial" charset="0"/>
-                  <a:ea typeface="Arial" charset="0"/>
-                  <a:cs typeface="Arial" charset="0"/>
-                </a:defRPr>
-              </a:lvl7pPr>
-              <a:lvl8pPr marL="3429000" indent="-228600" defTabSz="863600" eaLnBrk="0" fontAlgn="base" hangingPunct="0">
-                <a:spcBef>
-                  <a:spcPct val="0"/>
-                </a:spcBef>
-                <a:spcAft>
-                  <a:spcPct val="0"/>
-                </a:spcAft>
-                <a:defRPr sz="2400">
-                  <a:solidFill>
-                    <a:schemeClr val="tx1"/>
-                  </a:solidFill>
-                  <a:latin typeface="Arial" charset="0"/>
-                  <a:ea typeface="Arial" charset="0"/>
-                  <a:cs typeface="Arial" charset="0"/>
-                </a:defRPr>
-              </a:lvl8pPr>
-              <a:lvl9pPr marL="3886200" indent="-228600" defTabSz="863600" eaLnBrk="0" fontAlgn="base" hangingPunct="0">
-                <a:spcBef>
-                  <a:spcPct val="0"/>
-                </a:spcBef>
-                <a:spcAft>
-                  <a:spcPct val="0"/>
-                </a:spcAft>
-                <a:defRPr sz="2400">
-                  <a:solidFill>
-                    <a:schemeClr val="tx1"/>
-                  </a:solidFill>
-                  <a:latin typeface="Arial" charset="0"/>
-                  <a:ea typeface="Arial" charset="0"/>
-                  <a:cs typeface="Arial" charset="0"/>
-                </a:defRPr>
-              </a:lvl9pPr>
-            </a:lstStyle>
-            <a:p>
-              <a:pPr algn="ctr">
-                <a:spcBef>
-                  <a:spcPct val="50000"/>
-                </a:spcBef>
-                <a:defRPr/>
-              </a:pPr>
-              <a:r>
-                <a:rPr lang="de-DE" sz="4000" b="1" smtClean="0">
-                  <a:solidFill>
-                    <a:schemeClr val="bg1"/>
-                  </a:solidFill>
-                  <a:latin typeface="Helvetica" charset="0"/>
-                </a:rPr>
-                <a:t>Diskussion der Ergebnisse / Ausblick</a:t>
-              </a:r>
-            </a:p>
-            <a:p>
-              <a:pPr algn="ctr">
-                <a:spcBef>
-                  <a:spcPct val="50000"/>
-                </a:spcBef>
-                <a:defRPr/>
-              </a:pPr>
-              <a:endParaRPr lang="de-DE" sz="4000" b="1" smtClean="0">
-                <a:solidFill>
-                  <a:schemeClr val="bg1"/>
-                </a:solidFill>
-                <a:latin typeface="Helvetica" charset="0"/>
-              </a:endParaRPr>
-            </a:p>
-          </p:txBody>
-        </p:sp>
-      </p:grpSp>
       <p:sp>
         <p:nvSpPr>
           <p:cNvPr id="3091" name="Rectangle 710"/>
@@ -7830,372 +6425,6 @@
           </p:txBody>
         </p:sp>
       </p:grpSp>
-      <p:sp>
-        <p:nvSpPr>
-          <p:cNvPr id="3093" name="Text Box 720"/>
-          <p:cNvSpPr txBox="1">
-            <a:spLocks noChangeArrowheads="1"/>
-          </p:cNvSpPr>
-          <p:nvPr/>
-        </p:nvSpPr>
-        <p:spPr bwMode="auto">
-          <a:xfrm>
-            <a:off x="8677275" y="20826413"/>
-            <a:ext cx="12326938" cy="3103562"/>
-          </a:xfrm>
-          <a:prstGeom prst="rect">
-            <a:avLst/>
-          </a:prstGeom>
-          <a:solidFill>
-            <a:srgbClr val="FFFFFF"/>
-          </a:solidFill>
-          <a:ln>
-            <a:noFill/>
-          </a:ln>
-          <a:effectLst/>
-          <a:extLst>
-            <a:ext uri="{91240B29-F687-4f45-9708-019B960494DF}">
-              <a14:hiddenLine xmlns:a14="http://schemas.microsoft.com/office/drawing/2010/main" w="12700">
-                <a:solidFill>
-                  <a:schemeClr val="tx1"/>
-                </a:solidFill>
-                <a:miter lim="800000"/>
-                <a:headEnd type="none" w="sm" len="sm"/>
-                <a:tailEnd type="none" w="sm" len="sm"/>
-              </a14:hiddenLine>
-            </a:ext>
-            <a:ext uri="{AF507438-7753-43e0-B8FC-AC1667EBCBE1}">
-              <a14:hiddenEffects xmlns:a14="http://schemas.microsoft.com/office/drawing/2010/main">
-                <a:effectLst>
-                  <a:outerShdw blurRad="63500" dist="38099" dir="2700000" algn="ctr" rotWithShape="0">
-                    <a:schemeClr val="bg2">
-                      <a:alpha val="74998"/>
-                    </a:schemeClr>
-                  </a:outerShdw>
-                </a:effectLst>
-              </a14:hiddenEffects>
-            </a:ext>
-          </a:extLst>
-        </p:spPr>
-        <p:txBody>
-          <a:bodyPr lIns="86402" tIns="43201" rIns="86402" bIns="43201">
-            <a:spAutoFit/>
-          </a:bodyPr>
-          <a:lstStyle>
-            <a:lvl1pPr defTabSz="863600">
-              <a:defRPr sz="2400">
-                <a:solidFill>
-                  <a:schemeClr val="tx1"/>
-                </a:solidFill>
-                <a:latin typeface="Arial" charset="0"/>
-                <a:ea typeface="ＭＳ Ｐゴシック" charset="0"/>
-                <a:cs typeface="Arial" charset="0"/>
-              </a:defRPr>
-            </a:lvl1pPr>
-            <a:lvl2pPr marL="742950" indent="-285750" defTabSz="863600">
-              <a:defRPr sz="2400">
-                <a:solidFill>
-                  <a:schemeClr val="tx1"/>
-                </a:solidFill>
-                <a:latin typeface="Arial" charset="0"/>
-                <a:ea typeface="Arial" charset="0"/>
-                <a:cs typeface="Arial" charset="0"/>
-              </a:defRPr>
-            </a:lvl2pPr>
-            <a:lvl3pPr marL="1143000" indent="-228600" defTabSz="863600">
-              <a:defRPr sz="2400">
-                <a:solidFill>
-                  <a:schemeClr val="tx1"/>
-                </a:solidFill>
-                <a:latin typeface="Arial" charset="0"/>
-                <a:ea typeface="Arial" charset="0"/>
-                <a:cs typeface="Arial" charset="0"/>
-              </a:defRPr>
-            </a:lvl3pPr>
-            <a:lvl4pPr marL="1600200" indent="-228600" defTabSz="863600">
-              <a:defRPr sz="2400">
-                <a:solidFill>
-                  <a:schemeClr val="tx1"/>
-                </a:solidFill>
-                <a:latin typeface="Arial" charset="0"/>
-                <a:ea typeface="Arial" charset="0"/>
-                <a:cs typeface="Arial" charset="0"/>
-              </a:defRPr>
-            </a:lvl4pPr>
-            <a:lvl5pPr marL="2057400" indent="-228600" defTabSz="863600">
-              <a:defRPr sz="2400">
-                <a:solidFill>
-                  <a:schemeClr val="tx1"/>
-                </a:solidFill>
-                <a:latin typeface="Arial" charset="0"/>
-                <a:ea typeface="Arial" charset="0"/>
-                <a:cs typeface="Arial" charset="0"/>
-              </a:defRPr>
-            </a:lvl5pPr>
-            <a:lvl6pPr marL="2514600" indent="-228600" defTabSz="863600" eaLnBrk="0" fontAlgn="base" hangingPunct="0">
-              <a:spcBef>
-                <a:spcPct val="0"/>
-              </a:spcBef>
-              <a:spcAft>
-                <a:spcPct val="0"/>
-              </a:spcAft>
-              <a:defRPr sz="2400">
-                <a:solidFill>
-                  <a:schemeClr val="tx1"/>
-                </a:solidFill>
-                <a:latin typeface="Arial" charset="0"/>
-                <a:ea typeface="Arial" charset="0"/>
-                <a:cs typeface="Arial" charset="0"/>
-              </a:defRPr>
-            </a:lvl6pPr>
-            <a:lvl7pPr marL="2971800" indent="-228600" defTabSz="863600" eaLnBrk="0" fontAlgn="base" hangingPunct="0">
-              <a:spcBef>
-                <a:spcPct val="0"/>
-              </a:spcBef>
-              <a:spcAft>
-                <a:spcPct val="0"/>
-              </a:spcAft>
-              <a:defRPr sz="2400">
-                <a:solidFill>
-                  <a:schemeClr val="tx1"/>
-                </a:solidFill>
-                <a:latin typeface="Arial" charset="0"/>
-                <a:ea typeface="Arial" charset="0"/>
-                <a:cs typeface="Arial" charset="0"/>
-              </a:defRPr>
-            </a:lvl7pPr>
-            <a:lvl8pPr marL="3429000" indent="-228600" defTabSz="863600" eaLnBrk="0" fontAlgn="base" hangingPunct="0">
-              <a:spcBef>
-                <a:spcPct val="0"/>
-              </a:spcBef>
-              <a:spcAft>
-                <a:spcPct val="0"/>
-              </a:spcAft>
-              <a:defRPr sz="2400">
-                <a:solidFill>
-                  <a:schemeClr val="tx1"/>
-                </a:solidFill>
-                <a:latin typeface="Arial" charset="0"/>
-                <a:ea typeface="Arial" charset="0"/>
-                <a:cs typeface="Arial" charset="0"/>
-              </a:defRPr>
-            </a:lvl8pPr>
-            <a:lvl9pPr marL="3886200" indent="-228600" defTabSz="863600" eaLnBrk="0" fontAlgn="base" hangingPunct="0">
-              <a:spcBef>
-                <a:spcPct val="0"/>
-              </a:spcBef>
-              <a:spcAft>
-                <a:spcPct val="0"/>
-              </a:spcAft>
-              <a:defRPr sz="2400">
-                <a:solidFill>
-                  <a:schemeClr val="tx1"/>
-                </a:solidFill>
-                <a:latin typeface="Arial" charset="0"/>
-                <a:ea typeface="Arial" charset="0"/>
-                <a:cs typeface="Arial" charset="0"/>
-              </a:defRPr>
-            </a:lvl9pPr>
-          </a:lstStyle>
-          <a:p>
-            <a:pPr algn="just">
-              <a:spcBef>
-                <a:spcPct val="25000"/>
-              </a:spcBef>
-              <a:defRPr/>
-            </a:pPr>
-            <a:r>
-              <a:rPr lang="de-DE" sz="2800" smtClean="0">
-                <a:latin typeface="Arial Narrow" charset="0"/>
-              </a:rPr>
-              <a:t>Lorem ipsum dolor sit amet, consetetur sadipscing elitr, sed diam nonumy eirmod tempor invidunt ut labore et dolore magna aliquyam erat, sed diam voluptua. At vero eos et accusam et justo duo dolores et ea rebum. Stet clita kasd gubergren, no sea takimata sanctus est Lorem ipsum dolor sit amet. Lorem ipsum dolor sit amet, consetetur sadipscing elitr, sed diam nonumy eirmod tempor invidunt ut labore et dolore magna aliquyam erat, sed diam voluptua. At vero eos et accusam et justo duo dolores et ea rebum. Stet clita kasd gubergren, no sea takimata sanctus est Lorem ipsum dolor sit amet.</a:t>
-            </a:r>
-          </a:p>
-        </p:txBody>
-      </p:sp>
-      <p:sp>
-        <p:nvSpPr>
-          <p:cNvPr id="3094" name="Text Box 720"/>
-          <p:cNvSpPr txBox="1">
-            <a:spLocks noChangeArrowheads="1"/>
-          </p:cNvSpPr>
-          <p:nvPr/>
-        </p:nvSpPr>
-        <p:spPr bwMode="auto">
-          <a:xfrm>
-            <a:off x="8677275" y="26833513"/>
-            <a:ext cx="12326938" cy="517525"/>
-          </a:xfrm>
-          <a:prstGeom prst="rect">
-            <a:avLst/>
-          </a:prstGeom>
-          <a:solidFill>
-            <a:srgbClr val="FFFFFF"/>
-          </a:solidFill>
-          <a:ln>
-            <a:noFill/>
-          </a:ln>
-          <a:effectLst/>
-          <a:extLst>
-            <a:ext uri="{91240B29-F687-4f45-9708-019B960494DF}">
-              <a14:hiddenLine xmlns:a14="http://schemas.microsoft.com/office/drawing/2010/main" w="12700">
-                <a:solidFill>
-                  <a:schemeClr val="tx1"/>
-                </a:solidFill>
-                <a:miter lim="800000"/>
-                <a:headEnd type="none" w="sm" len="sm"/>
-                <a:tailEnd type="none" w="sm" len="sm"/>
-              </a14:hiddenLine>
-            </a:ext>
-            <a:ext uri="{AF507438-7753-43e0-B8FC-AC1667EBCBE1}">
-              <a14:hiddenEffects xmlns:a14="http://schemas.microsoft.com/office/drawing/2010/main">
-                <a:effectLst>
-                  <a:outerShdw blurRad="63500" dist="38099" dir="2700000" algn="ctr" rotWithShape="0">
-                    <a:schemeClr val="bg2">
-                      <a:alpha val="74998"/>
-                    </a:schemeClr>
-                  </a:outerShdw>
-                </a:effectLst>
-              </a14:hiddenEffects>
-            </a:ext>
-          </a:extLst>
-        </p:spPr>
-        <p:txBody>
-          <a:bodyPr lIns="86402" tIns="43201" rIns="86402" bIns="43201">
-            <a:spAutoFit/>
-          </a:bodyPr>
-          <a:lstStyle>
-            <a:lvl1pPr defTabSz="863600">
-              <a:defRPr sz="2400">
-                <a:solidFill>
-                  <a:schemeClr val="tx1"/>
-                </a:solidFill>
-                <a:latin typeface="Arial" charset="0"/>
-                <a:ea typeface="ＭＳ Ｐゴシック" charset="0"/>
-                <a:cs typeface="Arial" charset="0"/>
-              </a:defRPr>
-            </a:lvl1pPr>
-            <a:lvl2pPr marL="742950" indent="-285750" defTabSz="863600">
-              <a:defRPr sz="2400">
-                <a:solidFill>
-                  <a:schemeClr val="tx1"/>
-                </a:solidFill>
-                <a:latin typeface="Arial" charset="0"/>
-                <a:ea typeface="Arial" charset="0"/>
-                <a:cs typeface="Arial" charset="0"/>
-              </a:defRPr>
-            </a:lvl2pPr>
-            <a:lvl3pPr marL="1143000" indent="-228600" defTabSz="863600">
-              <a:defRPr sz="2400">
-                <a:solidFill>
-                  <a:schemeClr val="tx1"/>
-                </a:solidFill>
-                <a:latin typeface="Arial" charset="0"/>
-                <a:ea typeface="Arial" charset="0"/>
-                <a:cs typeface="Arial" charset="0"/>
-              </a:defRPr>
-            </a:lvl3pPr>
-            <a:lvl4pPr marL="1600200" indent="-228600" defTabSz="863600">
-              <a:defRPr sz="2400">
-                <a:solidFill>
-                  <a:schemeClr val="tx1"/>
-                </a:solidFill>
-                <a:latin typeface="Arial" charset="0"/>
-                <a:ea typeface="Arial" charset="0"/>
-                <a:cs typeface="Arial" charset="0"/>
-              </a:defRPr>
-            </a:lvl4pPr>
-            <a:lvl5pPr marL="2057400" indent="-228600" defTabSz="863600">
-              <a:defRPr sz="2400">
-                <a:solidFill>
-                  <a:schemeClr val="tx1"/>
-                </a:solidFill>
-                <a:latin typeface="Arial" charset="0"/>
-                <a:ea typeface="Arial" charset="0"/>
-                <a:cs typeface="Arial" charset="0"/>
-              </a:defRPr>
-            </a:lvl5pPr>
-            <a:lvl6pPr marL="2514600" indent="-228600" defTabSz="863600" eaLnBrk="0" fontAlgn="base" hangingPunct="0">
-              <a:spcBef>
-                <a:spcPct val="0"/>
-              </a:spcBef>
-              <a:spcAft>
-                <a:spcPct val="0"/>
-              </a:spcAft>
-              <a:defRPr sz="2400">
-                <a:solidFill>
-                  <a:schemeClr val="tx1"/>
-                </a:solidFill>
-                <a:latin typeface="Arial" charset="0"/>
-                <a:ea typeface="Arial" charset="0"/>
-                <a:cs typeface="Arial" charset="0"/>
-              </a:defRPr>
-            </a:lvl6pPr>
-            <a:lvl7pPr marL="2971800" indent="-228600" defTabSz="863600" eaLnBrk="0" fontAlgn="base" hangingPunct="0">
-              <a:spcBef>
-                <a:spcPct val="0"/>
-              </a:spcBef>
-              <a:spcAft>
-                <a:spcPct val="0"/>
-              </a:spcAft>
-              <a:defRPr sz="2400">
-                <a:solidFill>
-                  <a:schemeClr val="tx1"/>
-                </a:solidFill>
-                <a:latin typeface="Arial" charset="0"/>
-                <a:ea typeface="Arial" charset="0"/>
-                <a:cs typeface="Arial" charset="0"/>
-              </a:defRPr>
-            </a:lvl7pPr>
-            <a:lvl8pPr marL="3429000" indent="-228600" defTabSz="863600" eaLnBrk="0" fontAlgn="base" hangingPunct="0">
-              <a:spcBef>
-                <a:spcPct val="0"/>
-              </a:spcBef>
-              <a:spcAft>
-                <a:spcPct val="0"/>
-              </a:spcAft>
-              <a:defRPr sz="2400">
-                <a:solidFill>
-                  <a:schemeClr val="tx1"/>
-                </a:solidFill>
-                <a:latin typeface="Arial" charset="0"/>
-                <a:ea typeface="Arial" charset="0"/>
-                <a:cs typeface="Arial" charset="0"/>
-              </a:defRPr>
-            </a:lvl8pPr>
-            <a:lvl9pPr marL="3886200" indent="-228600" defTabSz="863600" eaLnBrk="0" fontAlgn="base" hangingPunct="0">
-              <a:spcBef>
-                <a:spcPct val="0"/>
-              </a:spcBef>
-              <a:spcAft>
-                <a:spcPct val="0"/>
-              </a:spcAft>
-              <a:defRPr sz="2400">
-                <a:solidFill>
-                  <a:schemeClr val="tx1"/>
-                </a:solidFill>
-                <a:latin typeface="Arial" charset="0"/>
-                <a:ea typeface="Arial" charset="0"/>
-                <a:cs typeface="Arial" charset="0"/>
-              </a:defRPr>
-            </a:lvl9pPr>
-          </a:lstStyle>
-          <a:p>
-            <a:pPr algn="just">
-              <a:spcBef>
-                <a:spcPct val="25000"/>
-              </a:spcBef>
-              <a:defRPr/>
-            </a:pPr>
-            <a:r>
-              <a:rPr lang="de-DE" sz="2800" smtClean="0">
-                <a:latin typeface="Arial Narrow" charset="0"/>
-              </a:rPr>
-              <a:t>Literatur</a:t>
-            </a:r>
-          </a:p>
-        </p:txBody>
-      </p:sp>
       <p:pic>
         <p:nvPicPr>
           <p:cNvPr id="3" name="Bild 2" descr="1398886670_519841-53_Cloud_Reload.png"/>
@@ -8248,6 +6477,1063 @@
               </a14:hiddenLine>
             </a:ext>
           </a:extLst>
+        </p:spPr>
+      </p:pic>
+      <p:pic>
+        <p:nvPicPr>
+          <p:cNvPr id="8" name="Grafik 7" descr="rw_repl_3.png"/>
+          <p:cNvPicPr>
+            <a:picLocks noChangeAspect="1"/>
+          </p:cNvPicPr>
+          <p:nvPr/>
+        </p:nvPicPr>
+        <p:blipFill>
+          <a:blip r:embed="rId5"/>
+          <a:stretch>
+            <a:fillRect/>
+          </a:stretch>
+        </p:blipFill>
+        <p:spPr>
+          <a:xfrm>
+            <a:off x="8998268" y="14133514"/>
+            <a:ext cx="2820426" cy="2279371"/>
+          </a:xfrm>
+          <a:prstGeom prst="rect">
+            <a:avLst/>
+          </a:prstGeom>
+        </p:spPr>
+      </p:pic>
+      <p:pic>
+        <p:nvPicPr>
+          <p:cNvPr id="9" name="Grafik 8" descr="rw_repl_4.png"/>
+          <p:cNvPicPr>
+            <a:picLocks noChangeAspect="1"/>
+          </p:cNvPicPr>
+          <p:nvPr/>
+        </p:nvPicPr>
+        <p:blipFill>
+          <a:blip r:embed="rId6"/>
+          <a:stretch>
+            <a:fillRect/>
+          </a:stretch>
+        </p:blipFill>
+        <p:spPr>
+          <a:xfrm>
+            <a:off x="8995954" y="16671660"/>
+            <a:ext cx="2879667" cy="2328308"/>
+          </a:xfrm>
+          <a:prstGeom prst="rect">
+            <a:avLst/>
+          </a:prstGeom>
+        </p:spPr>
+      </p:pic>
+      <p:sp>
+        <p:nvSpPr>
+          <p:cNvPr id="45" name="Text Box 720"/>
+          <p:cNvSpPr txBox="1">
+            <a:spLocks noChangeArrowheads="1"/>
+          </p:cNvSpPr>
+          <p:nvPr/>
+        </p:nvSpPr>
+        <p:spPr bwMode="auto">
+          <a:xfrm>
+            <a:off x="12084050" y="14332448"/>
+            <a:ext cx="8824855" cy="1810795"/>
+          </a:xfrm>
+          <a:prstGeom prst="rect">
+            <a:avLst/>
+          </a:prstGeom>
+          <a:solidFill>
+            <a:srgbClr val="FFFFFF"/>
+          </a:solidFill>
+          <a:ln>
+            <a:noFill/>
+          </a:ln>
+          <a:effectLst/>
+          <a:extLst>
+            <a:ext uri="{91240B29-F687-4f45-9708-019B960494DF}">
+              <a14:hiddenLine xmlns:a14="http://schemas.microsoft.com/office/drawing/2010/main" w="12700">
+                <a:solidFill>
+                  <a:schemeClr val="tx1"/>
+                </a:solidFill>
+                <a:miter lim="800000"/>
+                <a:headEnd type="none" w="sm" len="sm"/>
+                <a:tailEnd type="none" w="sm" len="sm"/>
+              </a14:hiddenLine>
+            </a:ext>
+            <a:ext uri="{AF507438-7753-43e0-B8FC-AC1667EBCBE1}">
+              <a14:hiddenEffects xmlns:a14="http://schemas.microsoft.com/office/drawing/2010/main">
+                <a:effectLst>
+                  <a:outerShdw blurRad="63500" dist="38099" dir="2700000" algn="ctr" rotWithShape="0">
+                    <a:schemeClr val="bg2">
+                      <a:alpha val="74998"/>
+                    </a:schemeClr>
+                  </a:outerShdw>
+                </a:effectLst>
+              </a14:hiddenEffects>
+            </a:ext>
+          </a:extLst>
+        </p:spPr>
+        <p:txBody>
+          <a:bodyPr wrap="square" lIns="86402" tIns="43201" rIns="86402" bIns="43201" anchor="t">
+            <a:spAutoFit/>
+          </a:bodyPr>
+          <a:lstStyle>
+            <a:lvl1pPr defTabSz="863600">
+              <a:defRPr sz="2400">
+                <a:solidFill>
+                  <a:schemeClr val="tx1"/>
+                </a:solidFill>
+                <a:latin typeface="Arial" charset="0"/>
+                <a:ea typeface="ＭＳ Ｐゴシック" charset="0"/>
+                <a:cs typeface="Arial" charset="0"/>
+              </a:defRPr>
+            </a:lvl1pPr>
+            <a:lvl2pPr marL="742950" indent="-285750" defTabSz="863600">
+              <a:defRPr sz="2400">
+                <a:solidFill>
+                  <a:schemeClr val="tx1"/>
+                </a:solidFill>
+                <a:latin typeface="Arial" charset="0"/>
+                <a:ea typeface="Arial" charset="0"/>
+                <a:cs typeface="Arial" charset="0"/>
+              </a:defRPr>
+            </a:lvl2pPr>
+            <a:lvl3pPr marL="1143000" indent="-228600" defTabSz="863600">
+              <a:defRPr sz="2400">
+                <a:solidFill>
+                  <a:schemeClr val="tx1"/>
+                </a:solidFill>
+                <a:latin typeface="Arial" charset="0"/>
+                <a:ea typeface="Arial" charset="0"/>
+                <a:cs typeface="Arial" charset="0"/>
+              </a:defRPr>
+            </a:lvl3pPr>
+            <a:lvl4pPr marL="1600200" indent="-228600" defTabSz="863600">
+              <a:defRPr sz="2400">
+                <a:solidFill>
+                  <a:schemeClr val="tx1"/>
+                </a:solidFill>
+                <a:latin typeface="Arial" charset="0"/>
+                <a:ea typeface="Arial" charset="0"/>
+                <a:cs typeface="Arial" charset="0"/>
+              </a:defRPr>
+            </a:lvl4pPr>
+            <a:lvl5pPr marL="2057400" indent="-228600" defTabSz="863600">
+              <a:defRPr sz="2400">
+                <a:solidFill>
+                  <a:schemeClr val="tx1"/>
+                </a:solidFill>
+                <a:latin typeface="Arial" charset="0"/>
+                <a:ea typeface="Arial" charset="0"/>
+                <a:cs typeface="Arial" charset="0"/>
+              </a:defRPr>
+            </a:lvl5pPr>
+            <a:lvl6pPr marL="2514600" indent="-228600" defTabSz="863600" eaLnBrk="0" fontAlgn="base" hangingPunct="0">
+              <a:spcBef>
+                <a:spcPct val="0"/>
+              </a:spcBef>
+              <a:spcAft>
+                <a:spcPct val="0"/>
+              </a:spcAft>
+              <a:defRPr sz="2400">
+                <a:solidFill>
+                  <a:schemeClr val="tx1"/>
+                </a:solidFill>
+                <a:latin typeface="Arial" charset="0"/>
+                <a:ea typeface="Arial" charset="0"/>
+                <a:cs typeface="Arial" charset="0"/>
+              </a:defRPr>
+            </a:lvl6pPr>
+            <a:lvl7pPr marL="2971800" indent="-228600" defTabSz="863600" eaLnBrk="0" fontAlgn="base" hangingPunct="0">
+              <a:spcBef>
+                <a:spcPct val="0"/>
+              </a:spcBef>
+              <a:spcAft>
+                <a:spcPct val="0"/>
+              </a:spcAft>
+              <a:defRPr sz="2400">
+                <a:solidFill>
+                  <a:schemeClr val="tx1"/>
+                </a:solidFill>
+                <a:latin typeface="Arial" charset="0"/>
+                <a:ea typeface="Arial" charset="0"/>
+                <a:cs typeface="Arial" charset="0"/>
+              </a:defRPr>
+            </a:lvl7pPr>
+            <a:lvl8pPr marL="3429000" indent="-228600" defTabSz="863600" eaLnBrk="0" fontAlgn="base" hangingPunct="0">
+              <a:spcBef>
+                <a:spcPct val="0"/>
+              </a:spcBef>
+              <a:spcAft>
+                <a:spcPct val="0"/>
+              </a:spcAft>
+              <a:defRPr sz="2400">
+                <a:solidFill>
+                  <a:schemeClr val="tx1"/>
+                </a:solidFill>
+                <a:latin typeface="Arial" charset="0"/>
+                <a:ea typeface="Arial" charset="0"/>
+                <a:cs typeface="Arial" charset="0"/>
+              </a:defRPr>
+            </a:lvl8pPr>
+            <a:lvl9pPr marL="3886200" indent="-228600" defTabSz="863600" eaLnBrk="0" fontAlgn="base" hangingPunct="0">
+              <a:spcBef>
+                <a:spcPct val="0"/>
+              </a:spcBef>
+              <a:spcAft>
+                <a:spcPct val="0"/>
+              </a:spcAft>
+              <a:defRPr sz="2400">
+                <a:solidFill>
+                  <a:schemeClr val="tx1"/>
+                </a:solidFill>
+                <a:latin typeface="Arial" charset="0"/>
+                <a:ea typeface="Arial" charset="0"/>
+                <a:cs typeface="Arial" charset="0"/>
+              </a:defRPr>
+            </a:lvl9pPr>
+          </a:lstStyle>
+          <a:p>
+            <a:pPr algn="just">
+              <a:defRPr/>
+            </a:pPr>
+            <a:r>
+              <a:rPr lang="de-DE" sz="2800" dirty="0"/>
+              <a:t>Der Client kontaktiert seinen Server und tauscht Daten mit ihn aus. Bei einem lesenden Zugriff wird kein Kontakt zu anderen Servern aufgenommen solange die Daten in der lokalen Datenbank vorhanden sind.</a:t>
+            </a:r>
+          </a:p>
+        </p:txBody>
+      </p:sp>
+      <p:sp>
+        <p:nvSpPr>
+          <p:cNvPr id="40" name="Text Box 720"/>
+          <p:cNvSpPr txBox="1">
+            <a:spLocks noChangeArrowheads="1"/>
+          </p:cNvSpPr>
+          <p:nvPr/>
+        </p:nvSpPr>
+        <p:spPr bwMode="auto">
+          <a:xfrm>
+            <a:off x="12077700" y="16774198"/>
+            <a:ext cx="8824913" cy="2241682"/>
+          </a:xfrm>
+          <a:prstGeom prst="rect">
+            <a:avLst/>
+          </a:prstGeom>
+          <a:solidFill>
+            <a:srgbClr val="FFFFFF"/>
+          </a:solidFill>
+          <a:ln>
+            <a:noFill/>
+          </a:ln>
+          <a:effectLst/>
+          <a:extLst>
+            <a:ext uri="{91240B29-F687-4f45-9708-019B960494DF}">
+              <a14:hiddenLine xmlns:a14="http://schemas.microsoft.com/office/drawing/2010/main" w="12700">
+                <a:solidFill>
+                  <a:schemeClr val="tx1"/>
+                </a:solidFill>
+                <a:miter lim="800000"/>
+                <a:headEnd type="none" w="sm" len="sm"/>
+                <a:tailEnd type="none" w="sm" len="sm"/>
+              </a14:hiddenLine>
+            </a:ext>
+            <a:ext uri="{AF507438-7753-43e0-B8FC-AC1667EBCBE1}">
+              <a14:hiddenEffects xmlns:a14="http://schemas.microsoft.com/office/drawing/2010/main">
+                <a:effectLst>
+                  <a:outerShdw blurRad="63500" dist="38099" dir="2700000" algn="ctr" rotWithShape="0">
+                    <a:schemeClr val="bg2">
+                      <a:alpha val="74998"/>
+                    </a:schemeClr>
+                  </a:outerShdw>
+                </a:effectLst>
+              </a14:hiddenEffects>
+            </a:ext>
+          </a:extLst>
+        </p:spPr>
+        <p:txBody>
+          <a:bodyPr wrap="square" lIns="86402" tIns="43201" rIns="86402" bIns="43201" anchor="t">
+            <a:spAutoFit/>
+          </a:bodyPr>
+          <a:lstStyle>
+            <a:lvl1pPr defTabSz="863600">
+              <a:defRPr sz="2400">
+                <a:solidFill>
+                  <a:schemeClr val="tx1"/>
+                </a:solidFill>
+                <a:latin typeface="Arial" charset="0"/>
+                <a:ea typeface="ＭＳ Ｐゴシック" charset="0"/>
+                <a:cs typeface="Arial" charset="0"/>
+              </a:defRPr>
+            </a:lvl1pPr>
+            <a:lvl2pPr marL="742950" indent="-285750" defTabSz="863600">
+              <a:defRPr sz="2400">
+                <a:solidFill>
+                  <a:schemeClr val="tx1"/>
+                </a:solidFill>
+                <a:latin typeface="Arial" charset="0"/>
+                <a:ea typeface="Arial" charset="0"/>
+                <a:cs typeface="Arial" charset="0"/>
+              </a:defRPr>
+            </a:lvl2pPr>
+            <a:lvl3pPr marL="1143000" indent="-228600" defTabSz="863600">
+              <a:defRPr sz="2400">
+                <a:solidFill>
+                  <a:schemeClr val="tx1"/>
+                </a:solidFill>
+                <a:latin typeface="Arial" charset="0"/>
+                <a:ea typeface="Arial" charset="0"/>
+                <a:cs typeface="Arial" charset="0"/>
+              </a:defRPr>
+            </a:lvl3pPr>
+            <a:lvl4pPr marL="1600200" indent="-228600" defTabSz="863600">
+              <a:defRPr sz="2400">
+                <a:solidFill>
+                  <a:schemeClr val="tx1"/>
+                </a:solidFill>
+                <a:latin typeface="Arial" charset="0"/>
+                <a:ea typeface="Arial" charset="0"/>
+                <a:cs typeface="Arial" charset="0"/>
+              </a:defRPr>
+            </a:lvl4pPr>
+            <a:lvl5pPr marL="2057400" indent="-228600" defTabSz="863600">
+              <a:defRPr sz="2400">
+                <a:solidFill>
+                  <a:schemeClr val="tx1"/>
+                </a:solidFill>
+                <a:latin typeface="Arial" charset="0"/>
+                <a:ea typeface="Arial" charset="0"/>
+                <a:cs typeface="Arial" charset="0"/>
+              </a:defRPr>
+            </a:lvl5pPr>
+            <a:lvl6pPr marL="2514600" indent="-228600" defTabSz="863600" eaLnBrk="0" fontAlgn="base" hangingPunct="0">
+              <a:spcBef>
+                <a:spcPct val="0"/>
+              </a:spcBef>
+              <a:spcAft>
+                <a:spcPct val="0"/>
+              </a:spcAft>
+              <a:defRPr sz="2400">
+                <a:solidFill>
+                  <a:schemeClr val="tx1"/>
+                </a:solidFill>
+                <a:latin typeface="Arial" charset="0"/>
+                <a:ea typeface="Arial" charset="0"/>
+                <a:cs typeface="Arial" charset="0"/>
+              </a:defRPr>
+            </a:lvl6pPr>
+            <a:lvl7pPr marL="2971800" indent="-228600" defTabSz="863600" eaLnBrk="0" fontAlgn="base" hangingPunct="0">
+              <a:spcBef>
+                <a:spcPct val="0"/>
+              </a:spcBef>
+              <a:spcAft>
+                <a:spcPct val="0"/>
+              </a:spcAft>
+              <a:defRPr sz="2400">
+                <a:solidFill>
+                  <a:schemeClr val="tx1"/>
+                </a:solidFill>
+                <a:latin typeface="Arial" charset="0"/>
+                <a:ea typeface="Arial" charset="0"/>
+                <a:cs typeface="Arial" charset="0"/>
+              </a:defRPr>
+            </a:lvl7pPr>
+            <a:lvl8pPr marL="3429000" indent="-228600" defTabSz="863600" eaLnBrk="0" fontAlgn="base" hangingPunct="0">
+              <a:spcBef>
+                <a:spcPct val="0"/>
+              </a:spcBef>
+              <a:spcAft>
+                <a:spcPct val="0"/>
+              </a:spcAft>
+              <a:defRPr sz="2400">
+                <a:solidFill>
+                  <a:schemeClr val="tx1"/>
+                </a:solidFill>
+                <a:latin typeface="Arial" charset="0"/>
+                <a:ea typeface="Arial" charset="0"/>
+                <a:cs typeface="Arial" charset="0"/>
+              </a:defRPr>
+            </a:lvl8pPr>
+            <a:lvl9pPr marL="3886200" indent="-228600" defTabSz="863600" eaLnBrk="0" fontAlgn="base" hangingPunct="0">
+              <a:spcBef>
+                <a:spcPct val="0"/>
+              </a:spcBef>
+              <a:spcAft>
+                <a:spcPct val="0"/>
+              </a:spcAft>
+              <a:defRPr sz="2400">
+                <a:solidFill>
+                  <a:schemeClr val="tx1"/>
+                </a:solidFill>
+                <a:latin typeface="Arial" charset="0"/>
+                <a:ea typeface="Arial" charset="0"/>
+                <a:cs typeface="Arial" charset="0"/>
+              </a:defRPr>
+            </a:lvl9pPr>
+          </a:lstStyle>
+          <a:p>
+            <a:pPr algn="just">
+              <a:defRPr/>
+            </a:pPr>
+            <a:r>
+              <a:rPr lang="de-DE" sz="2800" dirty="0"/>
+              <a:t>Erzeugt der Client neue Daten werden diese automatisch auf die verbundenen Server verteilt. Als zentraler Bestandteil werden Backupserver für die Daten ausgewählt, auf denen die Daten angelegt werden.</a:t>
+            </a:r>
+          </a:p>
+        </p:txBody>
+      </p:sp>
+      <p:grpSp>
+        <p:nvGrpSpPr>
+          <p:cNvPr id="41" name="Group 799"/>
+          <p:cNvGrpSpPr>
+            <a:grpSpLocks/>
+          </p:cNvGrpSpPr>
+          <p:nvPr/>
+        </p:nvGrpSpPr>
+        <p:grpSpPr bwMode="auto">
+          <a:xfrm>
+            <a:off x="8555355" y="19306578"/>
+            <a:ext cx="12546522" cy="1007492"/>
+            <a:chOff x="606" y="5216"/>
+            <a:chExt cx="7026" cy="680"/>
+          </a:xfrm>
+          <a:solidFill>
+            <a:srgbClr val="00B0F0"/>
+          </a:solidFill>
+        </p:grpSpPr>
+        <p:sp>
+          <p:nvSpPr>
+            <p:cNvPr id="42" name="Rectangle 718"/>
+            <p:cNvSpPr>
+              <a:spLocks noChangeArrowheads="1"/>
+            </p:cNvSpPr>
+            <p:nvPr/>
+          </p:nvSpPr>
+          <p:spPr bwMode="auto">
+            <a:xfrm>
+              <a:off x="606" y="5216"/>
+              <a:ext cx="7026" cy="680"/>
+            </a:xfrm>
+            <a:prstGeom prst="rect">
+              <a:avLst/>
+            </a:prstGeom>
+            <a:grpFill/>
+            <a:ln>
+              <a:noFill/>
+            </a:ln>
+            <a:effectLst/>
+            <a:extLst>
+              <a:ext uri="{91240B29-F687-4f45-9708-019B960494DF}">
+                <a14:hiddenLine xmlns:a14="http://schemas.microsoft.com/office/drawing/2010/main" w="12700">
+                  <a:solidFill>
+                    <a:schemeClr val="tx1"/>
+                  </a:solidFill>
+                  <a:miter lim="800000"/>
+                  <a:headEnd type="none" w="sm" len="sm"/>
+                  <a:tailEnd type="none" w="sm" len="sm"/>
+                </a14:hiddenLine>
+              </a:ext>
+              <a:ext uri="{AF507438-7753-43e0-B8FC-AC1667EBCBE1}">
+                <a14:hiddenEffects xmlns:a14="http://schemas.microsoft.com/office/drawing/2010/main">
+                  <a:effectLst>
+                    <a:outerShdw dist="35921" dir="2700000" algn="ctr" rotWithShape="0">
+                      <a:schemeClr val="bg2"/>
+                    </a:outerShdw>
+                  </a:effectLst>
+                </a14:hiddenEffects>
+              </a:ext>
+            </a:extLst>
+          </p:spPr>
+          <p:txBody>
+            <a:bodyPr wrap="none" anchor="ctr"/>
+            <a:lstStyle/>
+            <a:p>
+              <a:pPr>
+                <a:defRPr/>
+              </a:pPr>
+              <a:endParaRPr lang="de-DE">
+                <a:latin typeface="Arial" panose="020B0604020202020204" pitchFamily="34" charset="0"/>
+                <a:ea typeface="+mn-ea"/>
+                <a:cs typeface="Arial" panose="020B0604020202020204" pitchFamily="34" charset="0"/>
+              </a:endParaRPr>
+            </a:p>
+          </p:txBody>
+        </p:sp>
+        <p:sp>
+          <p:nvSpPr>
+            <p:cNvPr id="43" name="Text Box 719"/>
+            <p:cNvSpPr txBox="1">
+              <a:spLocks noChangeArrowheads="1"/>
+            </p:cNvSpPr>
+            <p:nvPr/>
+          </p:nvSpPr>
+          <p:spPr bwMode="auto">
+            <a:xfrm>
+              <a:off x="834" y="5352"/>
+              <a:ext cx="6486" cy="474"/>
+            </a:xfrm>
+            <a:prstGeom prst="rect">
+              <a:avLst/>
+            </a:prstGeom>
+            <a:grpFill/>
+            <a:ln>
+              <a:noFill/>
+            </a:ln>
+            <a:effectLst/>
+            <a:extLst>
+              <a:ext uri="{91240B29-F687-4f45-9708-019B960494DF}">
+                <a14:hiddenLine xmlns:a14="http://schemas.microsoft.com/office/drawing/2010/main" w="12700">
+                  <a:solidFill>
+                    <a:schemeClr val="tx1"/>
+                  </a:solidFill>
+                  <a:miter lim="800000"/>
+                  <a:headEnd type="none" w="sm" len="sm"/>
+                  <a:tailEnd type="none" w="sm" len="sm"/>
+                </a14:hiddenLine>
+              </a:ext>
+              <a:ext uri="{AF507438-7753-43e0-B8FC-AC1667EBCBE1}">
+                <a14:hiddenEffects xmlns:a14="http://schemas.microsoft.com/office/drawing/2010/main">
+                  <a:effectLst>
+                    <a:outerShdw dist="35921" dir="2700000" algn="ctr" rotWithShape="0">
+                      <a:schemeClr val="bg2"/>
+                    </a:outerShdw>
+                  </a:effectLst>
+                </a14:hiddenEffects>
+              </a:ext>
+            </a:extLst>
+          </p:spPr>
+          <p:txBody>
+            <a:bodyPr lIns="86402" tIns="43201" rIns="86402" bIns="43201">
+              <a:spAutoFit/>
+            </a:bodyPr>
+            <a:lstStyle>
+              <a:lvl1pPr defTabSz="863600">
+                <a:defRPr sz="2400">
+                  <a:solidFill>
+                    <a:schemeClr val="tx1"/>
+                  </a:solidFill>
+                  <a:latin typeface="Times New Roman" panose="02020603050405020304" pitchFamily="18" charset="0"/>
+                </a:defRPr>
+              </a:lvl1pPr>
+              <a:lvl2pPr marL="431800" defTabSz="863600">
+                <a:defRPr sz="2400">
+                  <a:solidFill>
+                    <a:schemeClr val="tx1"/>
+                  </a:solidFill>
+                  <a:latin typeface="Times New Roman" panose="02020603050405020304" pitchFamily="18" charset="0"/>
+                </a:defRPr>
+              </a:lvl2pPr>
+              <a:lvl3pPr marL="863600" defTabSz="863600">
+                <a:defRPr sz="2400">
+                  <a:solidFill>
+                    <a:schemeClr val="tx1"/>
+                  </a:solidFill>
+                  <a:latin typeface="Times New Roman" panose="02020603050405020304" pitchFamily="18" charset="0"/>
+                </a:defRPr>
+              </a:lvl3pPr>
+              <a:lvl4pPr marL="1295400" defTabSz="863600">
+                <a:defRPr sz="2400">
+                  <a:solidFill>
+                    <a:schemeClr val="tx1"/>
+                  </a:solidFill>
+                  <a:latin typeface="Times New Roman" panose="02020603050405020304" pitchFamily="18" charset="0"/>
+                </a:defRPr>
+              </a:lvl4pPr>
+              <a:lvl5pPr marL="1728788" defTabSz="863600">
+                <a:defRPr sz="2400">
+                  <a:solidFill>
+                    <a:schemeClr val="tx1"/>
+                  </a:solidFill>
+                  <a:latin typeface="Times New Roman" panose="02020603050405020304" pitchFamily="18" charset="0"/>
+                </a:defRPr>
+              </a:lvl5pPr>
+              <a:lvl6pPr marL="2185988" defTabSz="863600" eaLnBrk="0" fontAlgn="base" hangingPunct="0">
+                <a:spcBef>
+                  <a:spcPct val="0"/>
+                </a:spcBef>
+                <a:spcAft>
+                  <a:spcPct val="0"/>
+                </a:spcAft>
+                <a:defRPr sz="2400">
+                  <a:solidFill>
+                    <a:schemeClr val="tx1"/>
+                  </a:solidFill>
+                  <a:latin typeface="Times New Roman" panose="02020603050405020304" pitchFamily="18" charset="0"/>
+                </a:defRPr>
+              </a:lvl6pPr>
+              <a:lvl7pPr marL="2643188" defTabSz="863600" eaLnBrk="0" fontAlgn="base" hangingPunct="0">
+                <a:spcBef>
+                  <a:spcPct val="0"/>
+                </a:spcBef>
+                <a:spcAft>
+                  <a:spcPct val="0"/>
+                </a:spcAft>
+                <a:defRPr sz="2400">
+                  <a:solidFill>
+                    <a:schemeClr val="tx1"/>
+                  </a:solidFill>
+                  <a:latin typeface="Times New Roman" panose="02020603050405020304" pitchFamily="18" charset="0"/>
+                </a:defRPr>
+              </a:lvl7pPr>
+              <a:lvl8pPr marL="3100388" defTabSz="863600" eaLnBrk="0" fontAlgn="base" hangingPunct="0">
+                <a:spcBef>
+                  <a:spcPct val="0"/>
+                </a:spcBef>
+                <a:spcAft>
+                  <a:spcPct val="0"/>
+                </a:spcAft>
+                <a:defRPr sz="2400">
+                  <a:solidFill>
+                    <a:schemeClr val="tx1"/>
+                  </a:solidFill>
+                  <a:latin typeface="Times New Roman" panose="02020603050405020304" pitchFamily="18" charset="0"/>
+                </a:defRPr>
+              </a:lvl8pPr>
+              <a:lvl9pPr marL="3557588" defTabSz="863600" eaLnBrk="0" fontAlgn="base" hangingPunct="0">
+                <a:spcBef>
+                  <a:spcPct val="0"/>
+                </a:spcBef>
+                <a:spcAft>
+                  <a:spcPct val="0"/>
+                </a:spcAft>
+                <a:defRPr sz="2400">
+                  <a:solidFill>
+                    <a:schemeClr val="tx1"/>
+                  </a:solidFill>
+                  <a:latin typeface="Times New Roman" panose="02020603050405020304" pitchFamily="18" charset="0"/>
+                </a:defRPr>
+              </a:lvl9pPr>
+            </a:lstStyle>
+            <a:p>
+              <a:pPr algn="ctr">
+                <a:spcBef>
+                  <a:spcPct val="50000"/>
+                </a:spcBef>
+                <a:defRPr/>
+              </a:pPr>
+              <a:r>
+                <a:rPr lang="de-DE" altLang="de-DE" sz="4000" b="1" dirty="0" smtClean="0">
+                  <a:solidFill>
+                    <a:schemeClr val="bg1"/>
+                  </a:solidFill>
+                  <a:latin typeface="Helvetica" panose="020B0604020202020204" pitchFamily="34" charset="0"/>
+                  <a:ea typeface="+mn-ea"/>
+                  <a:cs typeface="Arial" panose="020B0604020202020204" pitchFamily="34" charset="0"/>
+                </a:rPr>
+                <a:t>Weiterführende Themen</a:t>
+              </a:r>
+              <a:endParaRPr lang="de-DE" altLang="de-DE" sz="4000" b="1" dirty="0" smtClean="0">
+                <a:solidFill>
+                  <a:schemeClr val="bg1"/>
+                </a:solidFill>
+                <a:latin typeface="Helvetica" panose="020B0604020202020204" pitchFamily="34" charset="0"/>
+                <a:ea typeface="+mn-ea"/>
+                <a:cs typeface="Arial" panose="020B0604020202020204" pitchFamily="34" charset="0"/>
+              </a:endParaRPr>
+            </a:p>
+          </p:txBody>
+        </p:sp>
+      </p:grpSp>
+      <p:sp>
+        <p:nvSpPr>
+          <p:cNvPr id="44" name="Text Box 720"/>
+          <p:cNvSpPr txBox="1">
+            <a:spLocks noChangeArrowheads="1"/>
+          </p:cNvSpPr>
+          <p:nvPr/>
+        </p:nvSpPr>
+        <p:spPr bwMode="auto">
+          <a:xfrm>
+            <a:off x="8555355" y="20421278"/>
+            <a:ext cx="12284075" cy="4827005"/>
+          </a:xfrm>
+          <a:prstGeom prst="rect">
+            <a:avLst/>
+          </a:prstGeom>
+          <a:solidFill>
+            <a:srgbClr val="FFFFFF"/>
+          </a:solidFill>
+          <a:ln>
+            <a:noFill/>
+          </a:ln>
+          <a:effectLst/>
+          <a:extLst>
+            <a:ext uri="{91240B29-F687-4f45-9708-019B960494DF}">
+              <a14:hiddenLine xmlns:a14="http://schemas.microsoft.com/office/drawing/2010/main" w="12700">
+                <a:solidFill>
+                  <a:schemeClr val="tx1"/>
+                </a:solidFill>
+                <a:miter lim="800000"/>
+                <a:headEnd type="none" w="sm" len="sm"/>
+                <a:tailEnd type="none" w="sm" len="sm"/>
+              </a14:hiddenLine>
+            </a:ext>
+            <a:ext uri="{AF507438-7753-43e0-B8FC-AC1667EBCBE1}">
+              <a14:hiddenEffects xmlns:a14="http://schemas.microsoft.com/office/drawing/2010/main">
+                <a:effectLst>
+                  <a:outerShdw blurRad="63500" dist="38099" dir="2700000" algn="ctr" rotWithShape="0">
+                    <a:schemeClr val="bg2">
+                      <a:alpha val="74998"/>
+                    </a:schemeClr>
+                  </a:outerShdw>
+                </a:effectLst>
+              </a14:hiddenEffects>
+            </a:ext>
+          </a:extLst>
+        </p:spPr>
+        <p:txBody>
+          <a:bodyPr wrap="square" lIns="86402" tIns="43201" rIns="86402" bIns="43201" anchor="t">
+            <a:spAutoFit/>
+          </a:bodyPr>
+          <a:lstStyle>
+            <a:lvl1pPr defTabSz="863600">
+              <a:defRPr sz="2400">
+                <a:solidFill>
+                  <a:schemeClr val="tx1"/>
+                </a:solidFill>
+                <a:latin typeface="Arial" charset="0"/>
+                <a:ea typeface="ＭＳ Ｐゴシック" charset="0"/>
+                <a:cs typeface="Arial" charset="0"/>
+              </a:defRPr>
+            </a:lvl1pPr>
+            <a:lvl2pPr marL="742950" indent="-285750" defTabSz="863600">
+              <a:defRPr sz="2400">
+                <a:solidFill>
+                  <a:schemeClr val="tx1"/>
+                </a:solidFill>
+                <a:latin typeface="Arial" charset="0"/>
+                <a:ea typeface="Arial" charset="0"/>
+                <a:cs typeface="Arial" charset="0"/>
+              </a:defRPr>
+            </a:lvl2pPr>
+            <a:lvl3pPr marL="1143000" indent="-228600" defTabSz="863600">
+              <a:defRPr sz="2400">
+                <a:solidFill>
+                  <a:schemeClr val="tx1"/>
+                </a:solidFill>
+                <a:latin typeface="Arial" charset="0"/>
+                <a:ea typeface="Arial" charset="0"/>
+                <a:cs typeface="Arial" charset="0"/>
+              </a:defRPr>
+            </a:lvl3pPr>
+            <a:lvl4pPr marL="1600200" indent="-228600" defTabSz="863600">
+              <a:defRPr sz="2400">
+                <a:solidFill>
+                  <a:schemeClr val="tx1"/>
+                </a:solidFill>
+                <a:latin typeface="Arial" charset="0"/>
+                <a:ea typeface="Arial" charset="0"/>
+                <a:cs typeface="Arial" charset="0"/>
+              </a:defRPr>
+            </a:lvl4pPr>
+            <a:lvl5pPr marL="2057400" indent="-228600" defTabSz="863600">
+              <a:defRPr sz="2400">
+                <a:solidFill>
+                  <a:schemeClr val="tx1"/>
+                </a:solidFill>
+                <a:latin typeface="Arial" charset="0"/>
+                <a:ea typeface="Arial" charset="0"/>
+                <a:cs typeface="Arial" charset="0"/>
+              </a:defRPr>
+            </a:lvl5pPr>
+            <a:lvl6pPr marL="2514600" indent="-228600" defTabSz="863600" eaLnBrk="0" fontAlgn="base" hangingPunct="0">
+              <a:spcBef>
+                <a:spcPct val="0"/>
+              </a:spcBef>
+              <a:spcAft>
+                <a:spcPct val="0"/>
+              </a:spcAft>
+              <a:defRPr sz="2400">
+                <a:solidFill>
+                  <a:schemeClr val="tx1"/>
+                </a:solidFill>
+                <a:latin typeface="Arial" charset="0"/>
+                <a:ea typeface="Arial" charset="0"/>
+                <a:cs typeface="Arial" charset="0"/>
+              </a:defRPr>
+            </a:lvl6pPr>
+            <a:lvl7pPr marL="2971800" indent="-228600" defTabSz="863600" eaLnBrk="0" fontAlgn="base" hangingPunct="0">
+              <a:spcBef>
+                <a:spcPct val="0"/>
+              </a:spcBef>
+              <a:spcAft>
+                <a:spcPct val="0"/>
+              </a:spcAft>
+              <a:defRPr sz="2400">
+                <a:solidFill>
+                  <a:schemeClr val="tx1"/>
+                </a:solidFill>
+                <a:latin typeface="Arial" charset="0"/>
+                <a:ea typeface="Arial" charset="0"/>
+                <a:cs typeface="Arial" charset="0"/>
+              </a:defRPr>
+            </a:lvl7pPr>
+            <a:lvl8pPr marL="3429000" indent="-228600" defTabSz="863600" eaLnBrk="0" fontAlgn="base" hangingPunct="0">
+              <a:spcBef>
+                <a:spcPct val="0"/>
+              </a:spcBef>
+              <a:spcAft>
+                <a:spcPct val="0"/>
+              </a:spcAft>
+              <a:defRPr sz="2400">
+                <a:solidFill>
+                  <a:schemeClr val="tx1"/>
+                </a:solidFill>
+                <a:latin typeface="Arial" charset="0"/>
+                <a:ea typeface="Arial" charset="0"/>
+                <a:cs typeface="Arial" charset="0"/>
+              </a:defRPr>
+            </a:lvl8pPr>
+            <a:lvl9pPr marL="3886200" indent="-228600" defTabSz="863600" eaLnBrk="0" fontAlgn="base" hangingPunct="0">
+              <a:spcBef>
+                <a:spcPct val="0"/>
+              </a:spcBef>
+              <a:spcAft>
+                <a:spcPct val="0"/>
+              </a:spcAft>
+              <a:defRPr sz="2400">
+                <a:solidFill>
+                  <a:schemeClr val="tx1"/>
+                </a:solidFill>
+                <a:latin typeface="Arial" charset="0"/>
+                <a:ea typeface="Arial" charset="0"/>
+                <a:cs typeface="Arial" charset="0"/>
+              </a:defRPr>
+            </a:lvl9pPr>
+          </a:lstStyle>
+          <a:p>
+            <a:pPr algn="just"/>
+            <a:endParaRPr lang="de-DE" sz="2800" dirty="0"/>
+          </a:p>
+          <a:p>
+            <a:pPr marL="1200150" lvl="1" indent="-457200" algn="just">
+              <a:buFont typeface="Arial" panose="020B0604020202020204" pitchFamily="34" charset="0"/>
+              <a:buChar char="•"/>
+            </a:pPr>
+            <a:r>
+              <a:rPr lang="de-DE" sz="2800" b="1" dirty="0"/>
+              <a:t>Performance des Replika Protokolls: </a:t>
+            </a:r>
+            <a:r>
+              <a:rPr lang="de-DE" sz="2800" dirty="0"/>
+              <a:t>Durch verschiedene Mechanismen könnte die Performance verbessert werden.</a:t>
+            </a:r>
+          </a:p>
+          <a:p>
+            <a:pPr marL="1200150" lvl="1" indent="-457200" algn="just">
+              <a:buFont typeface="Arial" panose="020B0604020202020204" pitchFamily="34" charset="0"/>
+              <a:buChar char="•"/>
+            </a:pPr>
+            <a:r>
+              <a:rPr lang="de-DE" sz="2800" b="1" dirty="0"/>
+              <a:t>Rsync-Algorithmus:</a:t>
+            </a:r>
+            <a:r>
+              <a:rPr lang="de-DE" sz="2800" dirty="0"/>
+              <a:t> Durch die Übertragung ausschließlich der Dateiteile die sich geändert haben, könnte ebendiese beschleunigt und beschleunigt werden.</a:t>
+            </a:r>
+          </a:p>
+          <a:p>
+            <a:pPr marL="1200150" lvl="1" indent="-457200" algn="just">
+              <a:buFont typeface="Arial" panose="020B0604020202020204" pitchFamily="34" charset="0"/>
+              <a:buChar char="•"/>
+            </a:pPr>
+            <a:r>
+              <a:rPr lang="de-DE" sz="2800" b="1" dirty="0"/>
+              <a:t>Konfliktbehandlung: </a:t>
+            </a:r>
+            <a:r>
+              <a:rPr lang="de-DE" sz="2800" dirty="0"/>
+              <a:t>Sowohl die Erkennung von Konflikten als auch die sinnvolle Lösung des Konflikts ist eine wichtige Aufgabe.</a:t>
+            </a:r>
+            <a:r>
+              <a:rPr lang="de-DE" sz="2800" b="1" dirty="0"/>
+              <a:t> </a:t>
+            </a:r>
+          </a:p>
+          <a:p>
+            <a:pPr marL="1200150" lvl="1" indent="-457200" algn="just">
+              <a:buFont typeface="Arial" panose="020B0604020202020204" pitchFamily="34" charset="0"/>
+              <a:buChar char="•"/>
+            </a:pPr>
+            <a:r>
+              <a:rPr lang="de-DE" sz="2800" b="1" dirty="0"/>
+              <a:t>Protokolle: </a:t>
+            </a:r>
+            <a:r>
+              <a:rPr lang="de-DE" sz="2800" dirty="0"/>
+              <a:t>Durch die Protokolle "Webfinger" und "PubSubHubbub" würde zum einen die Interoperabilität und zum anderen die Zuverlässigkeit gesteigert werden.</a:t>
+            </a:r>
+          </a:p>
+        </p:txBody>
+      </p:sp>
+      <p:pic>
+        <p:nvPicPr>
+          <p:cNvPr id="4" name="Grafik 3" descr="dropbox-logo.png"/>
+          <p:cNvPicPr>
+            <a:picLocks noChangeAspect="1"/>
+          </p:cNvPicPr>
+          <p:nvPr/>
+        </p:nvPicPr>
+        <p:blipFill>
+          <a:blip r:embed="rId7"/>
+          <a:stretch>
+            <a:fillRect/>
+          </a:stretch>
+        </p:blipFill>
+        <p:spPr>
+          <a:xfrm>
+            <a:off x="603250" y="25056560"/>
+            <a:ext cx="3124373" cy="1195396"/>
+          </a:xfrm>
+          <a:prstGeom prst="rect">
+            <a:avLst/>
+          </a:prstGeom>
+        </p:spPr>
+      </p:pic>
+      <p:pic>
+        <p:nvPicPr>
+          <p:cNvPr id="5" name="Grafik 4" descr="gridfs-logo.jpeg"/>
+          <p:cNvPicPr>
+            <a:picLocks noChangeAspect="1"/>
+          </p:cNvPicPr>
+          <p:nvPr/>
+        </p:nvPicPr>
+        <p:blipFill>
+          <a:blip r:embed="rId8"/>
+          <a:stretch>
+            <a:fillRect/>
+          </a:stretch>
+        </p:blipFill>
+        <p:spPr>
+          <a:xfrm>
+            <a:off x="3859213" y="25113711"/>
+            <a:ext cx="4327798" cy="1027270"/>
+          </a:xfrm>
+          <a:prstGeom prst="rect">
+            <a:avLst/>
+          </a:prstGeom>
+        </p:spPr>
+      </p:pic>
+      <p:pic>
+        <p:nvPicPr>
+          <p:cNvPr id="6" name="Grafik 5" descr="owncloud-logo.png"/>
+          <p:cNvPicPr>
+            <a:picLocks noChangeAspect="1"/>
+          </p:cNvPicPr>
+          <p:nvPr/>
+        </p:nvPicPr>
+        <p:blipFill>
+          <a:blip r:embed="rId9"/>
+          <a:stretch>
+            <a:fillRect/>
+          </a:stretch>
+        </p:blipFill>
+        <p:spPr>
+          <a:xfrm>
+            <a:off x="5310638" y="23506618"/>
+            <a:ext cx="2286000" cy="1285875"/>
+          </a:xfrm>
+          <a:prstGeom prst="rect">
+            <a:avLst/>
+          </a:prstGeom>
+        </p:spPr>
+      </p:pic>
+      <p:pic>
+        <p:nvPicPr>
+          <p:cNvPr id="7" name="Grafik 6" descr="xanadu-logo.png"/>
+          <p:cNvPicPr>
+            <a:picLocks noChangeAspect="1"/>
+          </p:cNvPicPr>
+          <p:nvPr/>
+        </p:nvPicPr>
+        <p:blipFill>
+          <a:blip r:embed="rId10"/>
+          <a:stretch>
+            <a:fillRect/>
+          </a:stretch>
+        </p:blipFill>
+        <p:spPr>
+          <a:xfrm>
+            <a:off x="889000" y="23421435"/>
+            <a:ext cx="3901377" cy="1265029"/>
+          </a:xfrm>
+          <a:prstGeom prst="rect">
+            <a:avLst/>
+          </a:prstGeom>
+        </p:spPr>
+      </p:pic>
+      <p:pic>
+        <p:nvPicPr>
+          <p:cNvPr id="16" name="Grafik 15" descr="xtreemfs-logo.jpg"/>
+          <p:cNvPicPr>
+            <a:picLocks noChangeAspect="1"/>
+          </p:cNvPicPr>
+          <p:nvPr/>
+        </p:nvPicPr>
+        <p:blipFill>
+          <a:blip r:embed="rId11"/>
+          <a:stretch>
+            <a:fillRect/>
+          </a:stretch>
+        </p:blipFill>
+        <p:spPr>
+          <a:xfrm>
+            <a:off x="841375" y="22105398"/>
+            <a:ext cx="4267894" cy="1169218"/>
+          </a:xfrm>
+          <a:prstGeom prst="rect">
+            <a:avLst/>
+          </a:prstGeom>
+        </p:spPr>
+      </p:pic>
+      <p:pic>
+        <p:nvPicPr>
+          <p:cNvPr id="20" name="Grafik 19" descr="git-logo.png"/>
+          <p:cNvPicPr>
+            <a:picLocks noChangeAspect="1"/>
+          </p:cNvPicPr>
+          <p:nvPr/>
+        </p:nvPicPr>
+        <p:blipFill>
+          <a:blip r:embed="rId12"/>
+          <a:stretch>
+            <a:fillRect/>
+          </a:stretch>
+        </p:blipFill>
+        <p:spPr>
+          <a:xfrm>
+            <a:off x="5501181" y="22281081"/>
+            <a:ext cx="2095500" cy="876300"/>
+          </a:xfrm>
+          <a:prstGeom prst="rect">
+            <a:avLst/>
+          </a:prstGeom>
+        </p:spPr>
+      </p:pic>
+      <p:pic>
+        <p:nvPicPr>
+          <p:cNvPr id="26" name="Grafik 25" descr="diaspora-logo.png"/>
+          <p:cNvPicPr>
+            <a:picLocks noChangeAspect="1"/>
+          </p:cNvPicPr>
+          <p:nvPr/>
+        </p:nvPicPr>
+        <p:blipFill>
+          <a:blip r:embed="rId13"/>
+          <a:stretch>
+            <a:fillRect/>
+          </a:stretch>
+        </p:blipFill>
+        <p:spPr>
+          <a:xfrm>
+            <a:off x="2699702" y="26357348"/>
+            <a:ext cx="2743200" cy="733586"/>
+          </a:xfrm>
+          <a:prstGeom prst="rect">
+            <a:avLst/>
+          </a:prstGeom>
         </p:spPr>
       </p:pic>
     </p:spTree>

--- a/poster.pptx
+++ b/poster.pptx
@@ -139,7 +139,7 @@
   </p:defaultTextStyle>
   <p:extLst>
     <p:ext uri="{EFAFB233-063F-42B5-8137-9DF3F51BA10A}">
-      <p15:sldGuideLst xmlns:p15="http://schemas.microsoft.com/office/powerpoint/2012/main" xmlns="">
+      <p15:sldGuideLst xmlns:p15="http://schemas.microsoft.com/office/powerpoint/2012/main">
         <p15:guide id="1" orient="horz" pos="9535">
           <p15:clr>
             <a:srgbClr val="A4A3A4"/>
@@ -205,14 +205,14 @@
           </a:ln>
           <a:extLst>
             <a:ext uri="{909E8E84-426E-40dd-AFC4-6F175D3DCCD1}">
-              <a14:hiddenFill xmlns:a14="http://schemas.microsoft.com/office/drawing/2010/main">
+              <a14:hiddenFill xmlns="" xmlns:a14="http://schemas.microsoft.com/office/drawing/2010/main">
                 <a:solidFill>
                   <a:schemeClr val="accent1"/>
                 </a:solidFill>
               </a14:hiddenFill>
             </a:ext>
             <a:ext uri="{91240B29-F687-4f45-9708-019B960494DF}">
-              <a14:hiddenLine xmlns:a14="http://schemas.microsoft.com/office/drawing/2010/main" w="9525">
+              <a14:hiddenLine xmlns="" xmlns:a14="http://schemas.microsoft.com/office/drawing/2010/main" w="9525">
                 <a:solidFill>
                   <a:schemeClr val="tx1"/>
                 </a:solidFill>
@@ -270,14 +270,14 @@
           </a:ln>
           <a:extLst>
             <a:ext uri="{909E8E84-426E-40dd-AFC4-6F175D3DCCD1}">
-              <a14:hiddenFill xmlns:a14="http://schemas.microsoft.com/office/drawing/2010/main">
+              <a14:hiddenFill xmlns="" xmlns:a14="http://schemas.microsoft.com/office/drawing/2010/main">
                 <a:solidFill>
                   <a:schemeClr val="accent1"/>
                 </a:solidFill>
               </a14:hiddenFill>
             </a:ext>
             <a:ext uri="{91240B29-F687-4f45-9708-019B960494DF}">
-              <a14:hiddenLine xmlns:a14="http://schemas.microsoft.com/office/drawing/2010/main" w="9525">
+              <a14:hiddenLine xmlns="" xmlns:a14="http://schemas.microsoft.com/office/drawing/2010/main" w="9525">
                 <a:solidFill>
                   <a:schemeClr val="tx1"/>
                 </a:solidFill>
@@ -341,14 +341,14 @@
           <a:effectLst/>
           <a:extLst>
             <a:ext uri="{909E8E84-426E-40dd-AFC4-6F175D3DCCD1}">
-              <a14:hiddenFill xmlns:a14="http://schemas.microsoft.com/office/drawing/2010/main">
+              <a14:hiddenFill xmlns="" xmlns:a14="http://schemas.microsoft.com/office/drawing/2010/main">
                 <a:solidFill>
                   <a:srgbClr val="FFFFFF"/>
                 </a:solidFill>
               </a14:hiddenFill>
             </a:ext>
             <a:ext uri="{AF507438-7753-43e0-B8FC-AC1667EBCBE1}">
-              <a14:hiddenEffects xmlns:a14="http://schemas.microsoft.com/office/drawing/2010/main">
+              <a14:hiddenEffects xmlns="" xmlns:a14="http://schemas.microsoft.com/office/drawing/2010/main">
                 <a:effectLst>
                   <a:outerShdw blurRad="63500" dist="38099" dir="2700000" algn="ctr" rotWithShape="0">
                     <a:srgbClr val="000000">
@@ -359,10 +359,10 @@
               </a14:hiddenEffects>
             </a:ext>
             <a:ext uri="{53640926-AAD7-44d8-BBD7-CCE9431645EC}">
-              <a14:shadowObscured xmlns:a14="http://schemas.microsoft.com/office/drawing/2010/main" val="1"/>
+              <a14:shadowObscured xmlns="" xmlns:a14="http://schemas.microsoft.com/office/drawing/2010/main" val="1"/>
             </a:ext>
             <a:ext uri="{FAA26D3D-D897-4be2-8F04-BA451C77F1D7}">
-              <ma14:placeholderFlag xmlns:ma14="http://schemas.microsoft.com/office/mac/drawingml/2011/main" val="1"/>
+              <ma14:placeholderFlag xmlns="" xmlns:ma14="http://schemas.microsoft.com/office/mac/drawingml/2011/main" val="1"/>
             </a:ext>
           </a:extLst>
         </p:spPr>
@@ -391,14 +391,14 @@
           </a:ln>
           <a:extLst>
             <a:ext uri="{909E8E84-426E-40dd-AFC4-6F175D3DCCD1}">
-              <a14:hiddenFill xmlns:a14="http://schemas.microsoft.com/office/drawing/2010/main">
+              <a14:hiddenFill xmlns="" xmlns:a14="http://schemas.microsoft.com/office/drawing/2010/main">
                 <a:solidFill>
                   <a:schemeClr val="accent1"/>
                 </a:solidFill>
               </a14:hiddenFill>
             </a:ext>
             <a:ext uri="{91240B29-F687-4f45-9708-019B960494DF}">
-              <a14:hiddenLine xmlns:a14="http://schemas.microsoft.com/office/drawing/2010/main" w="9525">
+              <a14:hiddenLine xmlns="" xmlns:a14="http://schemas.microsoft.com/office/drawing/2010/main" w="9525">
                 <a:solidFill>
                   <a:schemeClr val="tx1"/>
                 </a:solidFill>
@@ -477,14 +477,14 @@
           </a:ln>
           <a:extLst>
             <a:ext uri="{909E8E84-426E-40dd-AFC4-6F175D3DCCD1}">
-              <a14:hiddenFill xmlns:a14="http://schemas.microsoft.com/office/drawing/2010/main">
+              <a14:hiddenFill xmlns="" xmlns:a14="http://schemas.microsoft.com/office/drawing/2010/main">
                 <a:solidFill>
                   <a:schemeClr val="accent1"/>
                 </a:solidFill>
               </a14:hiddenFill>
             </a:ext>
             <a:ext uri="{91240B29-F687-4f45-9708-019B960494DF}">
-              <a14:hiddenLine xmlns:a14="http://schemas.microsoft.com/office/drawing/2010/main" w="9525">
+              <a14:hiddenLine xmlns="" xmlns:a14="http://schemas.microsoft.com/office/drawing/2010/main" w="9525">
                 <a:solidFill>
                   <a:schemeClr val="tx1"/>
                 </a:solidFill>
@@ -542,14 +542,14 @@
           </a:ln>
           <a:extLst>
             <a:ext uri="{909E8E84-426E-40dd-AFC4-6F175D3DCCD1}">
-              <a14:hiddenFill xmlns:a14="http://schemas.microsoft.com/office/drawing/2010/main">
+              <a14:hiddenFill xmlns="" xmlns:a14="http://schemas.microsoft.com/office/drawing/2010/main">
                 <a:solidFill>
                   <a:schemeClr val="accent1"/>
                 </a:solidFill>
               </a14:hiddenFill>
             </a:ext>
             <a:ext uri="{91240B29-F687-4f45-9708-019B960494DF}">
-              <a14:hiddenLine xmlns:a14="http://schemas.microsoft.com/office/drawing/2010/main" w="9525">
+              <a14:hiddenLine xmlns="" xmlns:a14="http://schemas.microsoft.com/office/drawing/2010/main" w="9525">
                 <a:solidFill>
                   <a:schemeClr val="tx1"/>
                 </a:solidFill>
@@ -899,7 +899,7 @@
           <a:noFill/>
           <a:extLst>
             <a:ext uri="{FAA26D3D-D897-4be2-8F04-BA451C77F1D7}">
-              <ma14:placeholderFlag xmlns:ma14="http://schemas.microsoft.com/office/mac/drawingml/2011/main" val="1"/>
+              <ma14:placeholderFlag xmlns="" xmlns:ma14="http://schemas.microsoft.com/office/mac/drawingml/2011/main" val="1"/>
             </a:ext>
           </a:extLst>
         </p:spPr>
@@ -2734,14 +2734,14 @@
           </a:ln>
           <a:extLst>
             <a:ext uri="{909E8E84-426E-40dd-AFC4-6F175D3DCCD1}">
-              <a14:hiddenFill xmlns:a14="http://schemas.microsoft.com/office/drawing/2010/main">
+              <a14:hiddenFill xmlns="" xmlns:a14="http://schemas.microsoft.com/office/drawing/2010/main">
                 <a:solidFill>
                   <a:srgbClr val="FFFFFF"/>
                 </a:solidFill>
               </a14:hiddenFill>
             </a:ext>
             <a:ext uri="{91240B29-F687-4f45-9708-019B960494DF}">
-              <a14:hiddenLine xmlns:a14="http://schemas.microsoft.com/office/drawing/2010/main" w="9525">
+              <a14:hiddenLine xmlns="" xmlns:a14="http://schemas.microsoft.com/office/drawing/2010/main" w="9525">
                 <a:solidFill>
                   <a:srgbClr val="000000"/>
                 </a:solidFill>
@@ -2788,14 +2788,14 @@
           </a:ln>
           <a:extLst>
             <a:ext uri="{909E8E84-426E-40dd-AFC4-6F175D3DCCD1}">
-              <a14:hiddenFill xmlns:a14="http://schemas.microsoft.com/office/drawing/2010/main">
+              <a14:hiddenFill xmlns="" xmlns:a14="http://schemas.microsoft.com/office/drawing/2010/main">
                 <a:solidFill>
                   <a:srgbClr val="FFFFFF"/>
                 </a:solidFill>
               </a14:hiddenFill>
             </a:ext>
             <a:ext uri="{91240B29-F687-4f45-9708-019B960494DF}">
-              <a14:hiddenLine xmlns:a14="http://schemas.microsoft.com/office/drawing/2010/main" w="9525">
+              <a14:hiddenLine xmlns="" xmlns:a14="http://schemas.microsoft.com/office/drawing/2010/main" w="9525">
                 <a:solidFill>
                   <a:srgbClr val="000000"/>
                 </a:solidFill>
@@ -3268,14 +3268,14 @@
           </a:ln>
           <a:extLst>
             <a:ext uri="{909E8E84-426E-40dd-AFC4-6F175D3DCCD1}">
-              <a14:hiddenFill xmlns:a14="http://schemas.microsoft.com/office/drawing/2010/main">
+              <a14:hiddenFill xmlns="" xmlns:a14="http://schemas.microsoft.com/office/drawing/2010/main">
                 <a:solidFill>
                   <a:srgbClr val="FFFFFF"/>
                 </a:solidFill>
               </a14:hiddenFill>
             </a:ext>
             <a:ext uri="{91240B29-F687-4f45-9708-019B960494DF}">
-              <a14:hiddenLine xmlns:a14="http://schemas.microsoft.com/office/drawing/2010/main" w="9525">
+              <a14:hiddenLine xmlns="" xmlns:a14="http://schemas.microsoft.com/office/drawing/2010/main" w="9525">
                 <a:solidFill>
                   <a:srgbClr val="000000"/>
                 </a:solidFill>
@@ -3309,14 +3309,14 @@
           </a:ln>
           <a:extLst>
             <a:ext uri="{909E8E84-426E-40dd-AFC4-6F175D3DCCD1}">
-              <a14:hiddenFill xmlns:a14="http://schemas.microsoft.com/office/drawing/2010/main">
+              <a14:hiddenFill xmlns="" xmlns:a14="http://schemas.microsoft.com/office/drawing/2010/main">
                 <a:solidFill>
                   <a:schemeClr val="bg1"/>
                 </a:solidFill>
               </a14:hiddenFill>
             </a:ext>
             <a:ext uri="{91240B29-F687-4f45-9708-019B960494DF}">
-              <a14:hiddenLine xmlns:a14="http://schemas.microsoft.com/office/drawing/2010/main" w="9525">
+              <a14:hiddenLine xmlns="" xmlns:a14="http://schemas.microsoft.com/office/drawing/2010/main" w="9525">
                 <a:solidFill>
                   <a:schemeClr val="tx1"/>
                 </a:solidFill>
@@ -3477,14 +3477,14 @@
           </a:ln>
           <a:extLst>
             <a:ext uri="{909E8E84-426E-40dd-AFC4-6F175D3DCCD1}">
-              <a14:hiddenFill xmlns:a14="http://schemas.microsoft.com/office/drawing/2010/main">
+              <a14:hiddenFill xmlns="" xmlns:a14="http://schemas.microsoft.com/office/drawing/2010/main">
                 <a:solidFill>
                   <a:schemeClr val="bg1"/>
                 </a:solidFill>
               </a14:hiddenFill>
             </a:ext>
             <a:ext uri="{91240B29-F687-4f45-9708-019B960494DF}">
-              <a14:hiddenLine xmlns:a14="http://schemas.microsoft.com/office/drawing/2010/main" w="9525">
+              <a14:hiddenLine xmlns="" xmlns:a14="http://schemas.microsoft.com/office/drawing/2010/main" w="9525">
                 <a:solidFill>
                   <a:schemeClr val="tx1"/>
                 </a:solidFill>
@@ -3645,14 +3645,14 @@
           </a:ln>
           <a:extLst>
             <a:ext uri="{909E8E84-426E-40dd-AFC4-6F175D3DCCD1}">
-              <a14:hiddenFill xmlns:a14="http://schemas.microsoft.com/office/drawing/2010/main">
+              <a14:hiddenFill xmlns="" xmlns:a14="http://schemas.microsoft.com/office/drawing/2010/main">
                 <a:solidFill>
                   <a:schemeClr val="bg1"/>
                 </a:solidFill>
               </a14:hiddenFill>
             </a:ext>
             <a:ext uri="{91240B29-F687-4f45-9708-019B960494DF}">
-              <a14:hiddenLine xmlns:a14="http://schemas.microsoft.com/office/drawing/2010/main" w="9525">
+              <a14:hiddenLine xmlns="" xmlns:a14="http://schemas.microsoft.com/office/drawing/2010/main" w="9525">
                 <a:solidFill>
                   <a:schemeClr val="tx1"/>
                 </a:solidFill>
@@ -3815,7 +3815,7 @@
           </a:ln>
           <a:extLst>
             <a:ext uri="{91240B29-F687-4f45-9708-019B960494DF}">
-              <a14:hiddenLine xmlns:a14="http://schemas.microsoft.com/office/drawing/2010/main" w="12700">
+              <a14:hiddenLine xmlns="" xmlns:a14="http://schemas.microsoft.com/office/drawing/2010/main" w="12700">
                 <a:solidFill>
                   <a:srgbClr val="000000"/>
                 </a:solidFill>
@@ -3896,7 +3896,7 @@
               <a:effectLst/>
               <a:extLst>
                 <a:ext uri="{AF507438-7753-43e0-B8FC-AC1667EBCBE1}">
-                  <a14:hiddenEffects xmlns:a14="http://schemas.microsoft.com/office/drawing/2010/main">
+                  <a14:hiddenEffects xmlns="" xmlns:a14="http://schemas.microsoft.com/office/drawing/2010/main">
                     <a:effectLst>
                       <a:outerShdw dist="35921" dir="2700000" algn="ctr" rotWithShape="0">
                         <a:srgbClr val="B2B2B2"/>
@@ -4050,7 +4050,7 @@
               <a:effectLst/>
               <a:extLst>
                 <a:ext uri="{AF507438-7753-43e0-B8FC-AC1667EBCBE1}">
-                  <a14:hiddenEffects xmlns:a14="http://schemas.microsoft.com/office/drawing/2010/main">
+                  <a14:hiddenEffects xmlns="" xmlns:a14="http://schemas.microsoft.com/office/drawing/2010/main">
                     <a:effectLst>
                       <a:outerShdw dist="35921" dir="2700000" algn="ctr" rotWithShape="0">
                         <a:srgbClr val="B2B2B2"/>
@@ -4211,7 +4211,7 @@
               <a:effectLst/>
               <a:extLst>
                 <a:ext uri="{AF507438-7753-43e0-B8FC-AC1667EBCBE1}">
-                  <a14:hiddenEffects xmlns:a14="http://schemas.microsoft.com/office/drawing/2010/main">
+                  <a14:hiddenEffects xmlns="" xmlns:a14="http://schemas.microsoft.com/office/drawing/2010/main">
                     <a:effectLst>
                       <a:outerShdw dist="35921" dir="2700000" algn="ctr" rotWithShape="0">
                         <a:srgbClr val="B2B2B2"/>
@@ -4444,7 +4444,7 @@
             <a:effectLst/>
             <a:extLst>
               <a:ext uri="{AF507438-7753-43e0-B8FC-AC1667EBCBE1}">
-                <a14:hiddenEffects xmlns:a14="http://schemas.microsoft.com/office/drawing/2010/main">
+                <a14:hiddenEffects xmlns="" xmlns:a14="http://schemas.microsoft.com/office/drawing/2010/main">
                   <a:effectLst>
                     <a:outerShdw dist="35921" dir="2700000" algn="ctr" rotWithShape="0">
                       <a:schemeClr val="bg2"/>
@@ -4671,21 +4671,7 @@
                   <a:latin typeface="Arial"/>
                   <a:cs typeface="Arial"/>
                 </a:rPr>
-                <a:t>Lösungen </a:t>
-              </a:r>
-              <a:r>
-                <a:rPr lang="de-DE" sz="2800" dirty="0" smtClean="0">
-                  <a:latin typeface="Arial"/>
-                  <a:cs typeface="Arial"/>
-                </a:rPr>
-                <a:t>den Einstieg in diesen Markt. Die vorliegende </a:t>
-              </a:r>
-              <a:r>
-                <a:rPr lang="de-DE" sz="2800" dirty="0" smtClean="0">
-                  <a:latin typeface="Arial"/>
-                  <a:cs typeface="Arial"/>
-                </a:rPr>
-                <a:t>Arbeit beschäftigt sich mit der Konzeption einer Speicherlösung für eine derartige Software.</a:t>
+                <a:t>Lösungen den Einstieg in diesen Markt. Die vorliegende Arbeit beschäftigt sich mit der Konzeption einer Speicherlösung für eine derartige Software.</a:t>
               </a:r>
               <a:endParaRPr lang="de-DE" sz="2800" dirty="0">
                 <a:latin typeface="Arial"/>
@@ -4711,7 +4697,7 @@
             <a:chExt cx="7026" cy="680"/>
           </a:xfrm>
           <a:solidFill>
-            <a:srgbClr val="00B0F0"/>
+            <a:srgbClr val="0070C0"/>
           </a:solidFill>
         </p:grpSpPr>
         <p:sp>
@@ -4737,7 +4723,7 @@
             <a:effectLst/>
             <a:extLst>
               <a:ext uri="{91240B29-F687-4f45-9708-019B960494DF}">
-                <a14:hiddenLine xmlns:a14="http://schemas.microsoft.com/office/drawing/2010/main" w="12700">
+                <a14:hiddenLine xmlns="" xmlns:a14="http://schemas.microsoft.com/office/drawing/2010/main" w="12700">
                   <a:solidFill>
                     <a:schemeClr val="tx1"/>
                   </a:solidFill>
@@ -4747,7 +4733,7 @@
                 </a14:hiddenLine>
               </a:ext>
               <a:ext uri="{AF507438-7753-43e0-B8FC-AC1667EBCBE1}">
-                <a14:hiddenEffects xmlns:a14="http://schemas.microsoft.com/office/drawing/2010/main">
+                <a14:hiddenEffects xmlns="" xmlns:a14="http://schemas.microsoft.com/office/drawing/2010/main">
                   <a:effectLst>
                     <a:outerShdw dist="35921" dir="2700000" algn="ctr" rotWithShape="0">
                       <a:schemeClr val="bg2"/>
@@ -4795,7 +4781,7 @@
             <a:effectLst/>
             <a:extLst>
               <a:ext uri="{91240B29-F687-4f45-9708-019B960494DF}">
-                <a14:hiddenLine xmlns:a14="http://schemas.microsoft.com/office/drawing/2010/main" w="12700">
+                <a14:hiddenLine xmlns="" xmlns:a14="http://schemas.microsoft.com/office/drawing/2010/main" w="12700">
                   <a:solidFill>
                     <a:schemeClr val="tx1"/>
                   </a:solidFill>
@@ -4805,7 +4791,7 @@
                 </a14:hiddenLine>
               </a:ext>
               <a:ext uri="{AF507438-7753-43e0-B8FC-AC1667EBCBE1}">
-                <a14:hiddenEffects xmlns:a14="http://schemas.microsoft.com/office/drawing/2010/main">
+                <a14:hiddenEffects xmlns="" xmlns:a14="http://schemas.microsoft.com/office/drawing/2010/main">
                   <a:effectLst>
                     <a:outerShdw dist="35921" dir="2700000" algn="ctr" rotWithShape="0">
                       <a:schemeClr val="bg2"/>
@@ -4964,7 +4950,7 @@
           <a:effectLst/>
           <a:extLst>
             <a:ext uri="{91240B29-F687-4f45-9708-019B960494DF}">
-              <a14:hiddenLine xmlns:a14="http://schemas.microsoft.com/office/drawing/2010/main" w="12700">
+              <a14:hiddenLine xmlns="" xmlns:a14="http://schemas.microsoft.com/office/drawing/2010/main" w="12700">
                 <a:solidFill>
                   <a:schemeClr val="tx1"/>
                 </a:solidFill>
@@ -4974,7 +4960,7 @@
               </a14:hiddenLine>
             </a:ext>
             <a:ext uri="{AF507438-7753-43e0-B8FC-AC1667EBCBE1}">
-              <a14:hiddenEffects xmlns:a14="http://schemas.microsoft.com/office/drawing/2010/main">
+              <a14:hiddenEffects xmlns="" xmlns:a14="http://schemas.microsoft.com/office/drawing/2010/main">
                 <a:effectLst>
                   <a:outerShdw blurRad="63500" dist="38099" dir="2700000" algn="ctr" rotWithShape="0">
                     <a:schemeClr val="bg2">
@@ -5112,7 +5098,7 @@
             </a:pPr>
             <a:r>
               <a:rPr lang="de-DE" sz="2800" dirty="0"/>
-              <a:t>Das Ziel der Arbeit ist die Entwicklung eines Speicherkonzeptes für eine neue Filehostingplatform. Diese Plattform nennt sich symCloud und ist eine neue Software, die Ideen aus verschiedenen Applikationen und Technologien kombiniert, um eine optimale Lösung für den Anwender zu schaffen.</a:t>
+              <a:t>Das Ziel der Arbeit ist die Entwicklung eines Speicherkonzeptes für eine neue Filehostingplattform. Diese Plattform nennt sich symCloud und ist eine neue Software, die Ideen aus verschiedenen Applikationen und Technologien kombiniert, um eine optimale Lösung für den Anwender zu schaffen.</a:t>
             </a:r>
           </a:p>
           <a:p>
@@ -5139,7 +5125,7 @@
             <a:chExt cx="7026" cy="680"/>
           </a:xfrm>
           <a:solidFill>
-            <a:srgbClr val="00B0F0"/>
+            <a:srgbClr val="0070C0"/>
           </a:solidFill>
         </p:grpSpPr>
         <p:sp>
@@ -5165,7 +5151,7 @@
             <a:effectLst/>
             <a:extLst>
               <a:ext uri="{91240B29-F687-4f45-9708-019B960494DF}">
-                <a14:hiddenLine xmlns:a14="http://schemas.microsoft.com/office/drawing/2010/main" w="12700">
+                <a14:hiddenLine xmlns="" xmlns:a14="http://schemas.microsoft.com/office/drawing/2010/main" w="12700">
                   <a:solidFill>
                     <a:schemeClr val="tx1"/>
                   </a:solidFill>
@@ -5175,7 +5161,7 @@
                 </a14:hiddenLine>
               </a:ext>
               <a:ext uri="{AF507438-7753-43e0-B8FC-AC1667EBCBE1}">
-                <a14:hiddenEffects xmlns:a14="http://schemas.microsoft.com/office/drawing/2010/main">
+                <a14:hiddenEffects xmlns="" xmlns:a14="http://schemas.microsoft.com/office/drawing/2010/main">
                   <a:effectLst>
                     <a:outerShdw dist="35921" dir="2700000" algn="ctr" rotWithShape="0">
                       <a:schemeClr val="bg2"/>
@@ -5223,7 +5209,7 @@
             <a:effectLst/>
             <a:extLst>
               <a:ext uri="{91240B29-F687-4f45-9708-019B960494DF}">
-                <a14:hiddenLine xmlns:a14="http://schemas.microsoft.com/office/drawing/2010/main" w="12700">
+                <a14:hiddenLine xmlns="" xmlns:a14="http://schemas.microsoft.com/office/drawing/2010/main" w="12700">
                   <a:solidFill>
                     <a:schemeClr val="tx1"/>
                   </a:solidFill>
@@ -5233,7 +5219,7 @@
                 </a14:hiddenLine>
               </a:ext>
               <a:ext uri="{AF507438-7753-43e0-B8FC-AC1667EBCBE1}">
-                <a14:hiddenEffects xmlns:a14="http://schemas.microsoft.com/office/drawing/2010/main">
+                <a14:hiddenEffects xmlns="" xmlns:a14="http://schemas.microsoft.com/office/drawing/2010/main">
                   <a:effectLst>
                     <a:outerShdw dist="35921" dir="2700000" algn="ctr" rotWithShape="0">
                       <a:schemeClr val="bg2"/>
@@ -5378,7 +5364,7 @@
         <p:spPr bwMode="auto">
           <a:xfrm>
             <a:off x="701404" y="15123765"/>
-            <a:ext cx="7544518" cy="6119666"/>
+            <a:ext cx="7544518" cy="5581057"/>
           </a:xfrm>
           <a:prstGeom prst="rect">
             <a:avLst/>
@@ -5392,7 +5378,7 @@
           <a:effectLst/>
           <a:extLst>
             <a:ext uri="{91240B29-F687-4f45-9708-019B960494DF}">
-              <a14:hiddenLine xmlns:a14="http://schemas.microsoft.com/office/drawing/2010/main" w="12700">
+              <a14:hiddenLine xmlns="" xmlns:a14="http://schemas.microsoft.com/office/drawing/2010/main" w="12700">
                 <a:solidFill>
                   <a:schemeClr val="tx1"/>
                 </a:solidFill>
@@ -5402,7 +5388,7 @@
               </a14:hiddenLine>
             </a:ext>
             <a:ext uri="{AF507438-7753-43e0-B8FC-AC1667EBCBE1}">
-              <a14:hiddenEffects xmlns:a14="http://schemas.microsoft.com/office/drawing/2010/main">
+              <a14:hiddenEffects xmlns="" xmlns:a14="http://schemas.microsoft.com/office/drawing/2010/main">
                 <a:effectLst>
                   <a:outerShdw blurRad="63500" dist="38099" dir="2700000" algn="ctr" rotWithShape="0">
                     <a:schemeClr val="bg2">
@@ -5626,24 +5612,7 @@
                 <a:latin typeface="Arial"/>
                 <a:cs typeface="Arial"/>
               </a:rPr>
-              <a:t>Verteilte Dateisysteme</a:t>
-            </a:r>
-          </a:p>
-          <a:p>
-            <a:pPr marL="457200" indent="-457200" algn="just">
-              <a:spcBef>
-                <a:spcPct val="25000"/>
-              </a:spcBef>
-              <a:buFont typeface="Arial" panose="020B0604020202020204" pitchFamily="34" charset="0"/>
-              <a:buChar char="•"/>
-              <a:defRPr/>
-            </a:pPr>
-            <a:r>
-              <a:rPr lang="de-DE" sz="2800" dirty="0">
-                <a:latin typeface="Arial"/>
-                <a:cs typeface="Arial"/>
-              </a:rPr>
-              <a:t>Objekt-Speicherdienste </a:t>
+              <a:t>Objekt - Speicherdienste </a:t>
             </a:r>
           </a:p>
           <a:p>
@@ -5705,7 +5674,7 @@
             <a:chExt cx="7026" cy="680"/>
           </a:xfrm>
           <a:solidFill>
-            <a:srgbClr val="00B0F0"/>
+            <a:srgbClr val="0070C0"/>
           </a:solidFill>
         </p:grpSpPr>
         <p:sp>
@@ -5731,7 +5700,7 @@
             <a:effectLst/>
             <a:extLst>
               <a:ext uri="{91240B29-F687-4f45-9708-019B960494DF}">
-                <a14:hiddenLine xmlns:a14="http://schemas.microsoft.com/office/drawing/2010/main" w="12700">
+                <a14:hiddenLine xmlns="" xmlns:a14="http://schemas.microsoft.com/office/drawing/2010/main" w="12700">
                   <a:solidFill>
                     <a:schemeClr val="tx1"/>
                   </a:solidFill>
@@ -5741,7 +5710,7 @@
                 </a14:hiddenLine>
               </a:ext>
               <a:ext uri="{AF507438-7753-43e0-B8FC-AC1667EBCBE1}">
-                <a14:hiddenEffects xmlns:a14="http://schemas.microsoft.com/office/drawing/2010/main">
+                <a14:hiddenEffects xmlns="" xmlns:a14="http://schemas.microsoft.com/office/drawing/2010/main">
                   <a:effectLst>
                     <a:outerShdw dist="35921" dir="2700000" algn="ctr" rotWithShape="0">
                       <a:schemeClr val="bg2"/>
@@ -5789,7 +5758,7 @@
             <a:effectLst/>
             <a:extLst>
               <a:ext uri="{91240B29-F687-4f45-9708-019B960494DF}">
-                <a14:hiddenLine xmlns:a14="http://schemas.microsoft.com/office/drawing/2010/main" w="12700">
+                <a14:hiddenLine xmlns="" xmlns:a14="http://schemas.microsoft.com/office/drawing/2010/main" w="12700">
                   <a:solidFill>
                     <a:schemeClr val="tx1"/>
                   </a:solidFill>
@@ -5799,7 +5768,7 @@
                 </a14:hiddenLine>
               </a:ext>
               <a:ext uri="{AF507438-7753-43e0-B8FC-AC1667EBCBE1}">
-                <a14:hiddenEffects xmlns:a14="http://schemas.microsoft.com/office/drawing/2010/main">
+                <a14:hiddenEffects xmlns="" xmlns:a14="http://schemas.microsoft.com/office/drawing/2010/main">
                   <a:effectLst>
                     <a:outerShdw dist="35921" dir="2700000" algn="ctr" rotWithShape="0">
                       <a:schemeClr val="bg2"/>
@@ -5958,7 +5927,7 @@
           <a:effectLst/>
           <a:extLst>
             <a:ext uri="{91240B29-F687-4f45-9708-019B960494DF}">
-              <a14:hiddenLine xmlns:a14="http://schemas.microsoft.com/office/drawing/2010/main" w="12700">
+              <a14:hiddenLine xmlns="" xmlns:a14="http://schemas.microsoft.com/office/drawing/2010/main" w="12700">
                 <a:solidFill>
                   <a:schemeClr val="tx1"/>
                 </a:solidFill>
@@ -5968,7 +5937,7 @@
               </a14:hiddenLine>
             </a:ext>
             <a:ext uri="{AF507438-7753-43e0-B8FC-AC1667EBCBE1}">
-              <a14:hiddenEffects xmlns:a14="http://schemas.microsoft.com/office/drawing/2010/main">
+              <a14:hiddenEffects xmlns="" xmlns:a14="http://schemas.microsoft.com/office/drawing/2010/main">
                 <a:effectLst>
                   <a:outerShdw blurRad="63500" dist="38099" dir="2700000" algn="ctr" rotWithShape="0">
                     <a:schemeClr val="bg2">
@@ -6115,69 +6084,8 @@
             <a:pPr algn="just"/>
             <a:r>
               <a:rPr lang="de-DE" sz="2800" dirty="0"/>
-              <a:t>Einer dieser Aspekte ist das Protokoll, das die Daten in einem konfigurierbaren Netzwerk verteilt. Es ist eine Abwandlung des von XtreemFS verwendeten Primärbasierten Protokoll. Es wird verwendet um die Datensätze zu replizieren.</a:t>
-            </a:r>
-          </a:p>
-        </p:txBody>
-      </p:sp>
-      <p:sp>
-        <p:nvSpPr>
-          <p:cNvPr id="3091" name="Rectangle 710"/>
-          <p:cNvSpPr>
-            <a:spLocks noChangeArrowheads="1"/>
-          </p:cNvSpPr>
-          <p:nvPr/>
-        </p:nvSpPr>
-        <p:spPr bwMode="auto">
-          <a:xfrm>
-            <a:off x="8596313" y="26755725"/>
-            <a:ext cx="12538075" cy="1317625"/>
-          </a:xfrm>
-          <a:prstGeom prst="rect">
-            <a:avLst/>
-          </a:prstGeom>
-          <a:solidFill>
-            <a:srgbClr val="EAEAEA"/>
-          </a:solidFill>
-          <a:ln>
-            <a:noFill/>
-          </a:ln>
-          <a:effectLst/>
-          <a:extLst>
-            <a:ext uri="{91240B29-F687-4f45-9708-019B960494DF}">
-              <a14:hiddenLine xmlns:a14="http://schemas.microsoft.com/office/drawing/2010/main" w="12700">
-                <a:solidFill>
-                  <a:schemeClr val="tx1"/>
-                </a:solidFill>
-                <a:miter lim="800000"/>
-                <a:headEnd type="none" w="sm" len="sm"/>
-                <a:tailEnd type="none" w="sm" len="sm"/>
-              </a14:hiddenLine>
-            </a:ext>
-            <a:ext uri="{AF507438-7753-43e0-B8FC-AC1667EBCBE1}">
-              <a14:hiddenEffects xmlns:a14="http://schemas.microsoft.com/office/drawing/2010/main">
-                <a:effectLst>
-                  <a:outerShdw blurRad="63500" dist="38099" dir="2700000" algn="ctr" rotWithShape="0">
-                    <a:schemeClr val="bg2">
-                      <a:alpha val="74998"/>
-                    </a:schemeClr>
-                  </a:outerShdw>
-                </a:effectLst>
-              </a14:hiddenEffects>
-            </a:ext>
-          </a:extLst>
-        </p:spPr>
-        <p:txBody>
-          <a:bodyPr wrap="none" lIns="86402" tIns="43201" rIns="86402" bIns="43201" anchor="ctr"/>
-          <a:lstStyle/>
-          <a:p>
-            <a:pPr algn="ctr" defTabSz="863600">
-              <a:defRPr/>
-            </a:pPr>
-            <a:endParaRPr lang="en-US" sz="2300">
-              <a:latin typeface="Times New Roman" charset="0"/>
-              <a:cs typeface="Arial" charset="0"/>
-            </a:endParaRPr>
+              <a:t>Einer dieser Aspekte ist das Protokoll, das die Daten in einem konfigurierbaren Netzwerk verteilt. Es ist eine Abwandlung des von XtreemFS [XtreemFS 2014] verwendeten primärbasierten Protokoll. Es wird verwendet, um die Datensätze zu replizieren.</a:t>
+            </a:r>
           </a:p>
         </p:txBody>
       </p:sp>
@@ -6197,7 +6105,7 @@
             <a:chExt cx="7026" cy="680"/>
           </a:xfrm>
           <a:solidFill>
-            <a:srgbClr val="00B0F0"/>
+            <a:srgbClr val="0070C0"/>
           </a:solidFill>
         </p:grpSpPr>
         <p:sp>
@@ -6223,7 +6131,7 @@
             <a:effectLst/>
             <a:extLst>
               <a:ext uri="{91240B29-F687-4f45-9708-019B960494DF}">
-                <a14:hiddenLine xmlns:a14="http://schemas.microsoft.com/office/drawing/2010/main" w="12700">
+                <a14:hiddenLine xmlns="" xmlns:a14="http://schemas.microsoft.com/office/drawing/2010/main" w="12700">
                   <a:solidFill>
                     <a:schemeClr val="tx1"/>
                   </a:solidFill>
@@ -6233,7 +6141,7 @@
                 </a14:hiddenLine>
               </a:ext>
               <a:ext uri="{AF507438-7753-43e0-B8FC-AC1667EBCBE1}">
-                <a14:hiddenEffects xmlns:a14="http://schemas.microsoft.com/office/drawing/2010/main">
+                <a14:hiddenEffects xmlns="" xmlns:a14="http://schemas.microsoft.com/office/drawing/2010/main">
                   <a:effectLst>
                     <a:outerShdw dist="35921" dir="2700000" algn="ctr" rotWithShape="0">
                       <a:schemeClr val="bg2"/>
@@ -6281,7 +6189,7 @@
             <a:effectLst/>
             <a:extLst>
               <a:ext uri="{91240B29-F687-4f45-9708-019B960494DF}">
-                <a14:hiddenLine xmlns:a14="http://schemas.microsoft.com/office/drawing/2010/main" w="12700">
+                <a14:hiddenLine xmlns="" xmlns:a14="http://schemas.microsoft.com/office/drawing/2010/main" w="12700">
                   <a:solidFill>
                     <a:schemeClr val="tx1"/>
                   </a:solidFill>
@@ -6291,7 +6199,7 @@
                 </a14:hiddenLine>
               </a:ext>
               <a:ext uri="{AF507438-7753-43e0-B8FC-AC1667EBCBE1}">
-                <a14:hiddenEffects xmlns:a14="http://schemas.microsoft.com/office/drawing/2010/main">
+                <a14:hiddenEffects xmlns="" xmlns:a14="http://schemas.microsoft.com/office/drawing/2010/main">
                   <a:effectLst>
                     <a:outerShdw dist="35921" dir="2700000" algn="ctr" rotWithShape="0">
                       <a:schemeClr val="bg2"/>
@@ -6460,14 +6368,14 @@
           </a:ln>
           <a:extLst>
             <a:ext uri="{909E8E84-426E-40dd-AFC4-6F175D3DCCD1}">
-              <a14:hiddenFill xmlns:a14="http://schemas.microsoft.com/office/drawing/2010/main">
+              <a14:hiddenFill xmlns="" xmlns:a14="http://schemas.microsoft.com/office/drawing/2010/main">
                 <a:solidFill>
                   <a:srgbClr val="FFFFFF"/>
                 </a:solidFill>
               </a14:hiddenFill>
             </a:ext>
             <a:ext uri="{91240B29-F687-4f45-9708-019B960494DF}">
-              <a14:hiddenLine xmlns:a14="http://schemas.microsoft.com/office/drawing/2010/main" w="9525">
+              <a14:hiddenLine xmlns="" xmlns:a14="http://schemas.microsoft.com/office/drawing/2010/main" w="9525">
                 <a:solidFill>
                   <a:srgbClr val="000000"/>
                 </a:solidFill>
@@ -6552,7 +6460,7 @@
           <a:effectLst/>
           <a:extLst>
             <a:ext uri="{91240B29-F687-4f45-9708-019B960494DF}">
-              <a14:hiddenLine xmlns:a14="http://schemas.microsoft.com/office/drawing/2010/main" w="12700">
+              <a14:hiddenLine xmlns="" xmlns:a14="http://schemas.microsoft.com/office/drawing/2010/main" w="12700">
                 <a:solidFill>
                   <a:schemeClr val="tx1"/>
                 </a:solidFill>
@@ -6562,7 +6470,7 @@
               </a14:hiddenLine>
             </a:ext>
             <a:ext uri="{AF507438-7753-43e0-B8FC-AC1667EBCBE1}">
-              <a14:hiddenEffects xmlns:a14="http://schemas.microsoft.com/office/drawing/2010/main">
+              <a14:hiddenEffects xmlns="" xmlns:a14="http://schemas.microsoft.com/office/drawing/2010/main">
                 <a:effectLst>
                   <a:outerShdw blurRad="63500" dist="38099" dir="2700000" algn="ctr" rotWithShape="0">
                     <a:schemeClr val="bg2">
@@ -6700,7 +6608,7 @@
             </a:pPr>
             <a:r>
               <a:rPr lang="de-DE" sz="2800" dirty="0"/>
-              <a:t>Der Client kontaktiert seinen Server und tauscht Daten mit ihn aus. Bei einem lesenden Zugriff wird kein Kontakt zu anderen Servern aufgenommen solange die Daten in der lokalen Datenbank vorhanden sind.</a:t>
+              <a:t>Der Client kontaktiert seinen Server und tauscht Daten mit ihm aus. Bei einem lesenden Zugriff wird kein Kontakt zu anderen Servern aufgenommen, solange die Daten in der lokalen Datenbank vorhanden sind.</a:t>
             </a:r>
           </a:p>
         </p:txBody>
@@ -6730,7 +6638,7 @@
           <a:effectLst/>
           <a:extLst>
             <a:ext uri="{91240B29-F687-4f45-9708-019B960494DF}">
-              <a14:hiddenLine xmlns:a14="http://schemas.microsoft.com/office/drawing/2010/main" w="12700">
+              <a14:hiddenLine xmlns="" xmlns:a14="http://schemas.microsoft.com/office/drawing/2010/main" w="12700">
                 <a:solidFill>
                   <a:schemeClr val="tx1"/>
                 </a:solidFill>
@@ -6740,7 +6648,7 @@
               </a14:hiddenLine>
             </a:ext>
             <a:ext uri="{AF507438-7753-43e0-B8FC-AC1667EBCBE1}">
-              <a14:hiddenEffects xmlns:a14="http://schemas.microsoft.com/office/drawing/2010/main">
+              <a14:hiddenEffects xmlns="" xmlns:a14="http://schemas.microsoft.com/office/drawing/2010/main">
                 <a:effectLst>
                   <a:outerShdw blurRad="63500" dist="38099" dir="2700000" algn="ctr" rotWithShape="0">
                     <a:schemeClr val="bg2">
@@ -6878,7 +6786,7 @@
             </a:pPr>
             <a:r>
               <a:rPr lang="de-DE" sz="2800" dirty="0"/>
-              <a:t>Erzeugt der Client neue Daten werden diese automatisch auf die verbundenen Server verteilt. Als zentraler Bestandteil werden Backupserver für die Daten ausgewählt, auf denen die Daten angelegt werden.</a:t>
+              <a:t>Erzeugt der Client neue Daten werden diese automatisch auf die verbundenen Server verteilt. Diese Verteilung erfolgt aufgrund eines Auswahlerfahrens, mit dem die Backupserver ermittelt werden.</a:t>
             </a:r>
           </a:p>
         </p:txBody>
@@ -6899,7 +6807,7 @@
             <a:chExt cx="7026" cy="680"/>
           </a:xfrm>
           <a:solidFill>
-            <a:srgbClr val="00B0F0"/>
+            <a:srgbClr val="0070C0"/>
           </a:solidFill>
         </p:grpSpPr>
         <p:sp>
@@ -6925,7 +6833,7 @@
             <a:effectLst/>
             <a:extLst>
               <a:ext uri="{91240B29-F687-4f45-9708-019B960494DF}">
-                <a14:hiddenLine xmlns:a14="http://schemas.microsoft.com/office/drawing/2010/main" w="12700">
+                <a14:hiddenLine xmlns="" xmlns:a14="http://schemas.microsoft.com/office/drawing/2010/main" w="12700">
                   <a:solidFill>
                     <a:schemeClr val="tx1"/>
                   </a:solidFill>
@@ -6935,7 +6843,7 @@
                 </a14:hiddenLine>
               </a:ext>
               <a:ext uri="{AF507438-7753-43e0-B8FC-AC1667EBCBE1}">
-                <a14:hiddenEffects xmlns:a14="http://schemas.microsoft.com/office/drawing/2010/main">
+                <a14:hiddenEffects xmlns="" xmlns:a14="http://schemas.microsoft.com/office/drawing/2010/main">
                   <a:effectLst>
                     <a:outerShdw dist="35921" dir="2700000" algn="ctr" rotWithShape="0">
                       <a:schemeClr val="bg2"/>
@@ -6983,7 +6891,7 @@
             <a:effectLst/>
             <a:extLst>
               <a:ext uri="{91240B29-F687-4f45-9708-019B960494DF}">
-                <a14:hiddenLine xmlns:a14="http://schemas.microsoft.com/office/drawing/2010/main" w="12700">
+                <a14:hiddenLine xmlns="" xmlns:a14="http://schemas.microsoft.com/office/drawing/2010/main" w="12700">
                   <a:solidFill>
                     <a:schemeClr val="tx1"/>
                   </a:solidFill>
@@ -6993,7 +6901,7 @@
                 </a14:hiddenLine>
               </a:ext>
               <a:ext uri="{AF507438-7753-43e0-B8FC-AC1667EBCBE1}">
-                <a14:hiddenEffects xmlns:a14="http://schemas.microsoft.com/office/drawing/2010/main">
+                <a14:hiddenEffects xmlns="" xmlns:a14="http://schemas.microsoft.com/office/drawing/2010/main">
                   <a:effectLst>
                     <a:outerShdw dist="35921" dir="2700000" algn="ctr" rotWithShape="0">
                       <a:schemeClr val="bg2"/>
@@ -7123,14 +7031,6 @@
                 </a:rPr>
                 <a:t>Weiterführende Themen</a:t>
               </a:r>
-              <a:endParaRPr lang="de-DE" altLang="de-DE" sz="4000" b="1" dirty="0" smtClean="0">
-                <a:solidFill>
-                  <a:schemeClr val="bg1"/>
-                </a:solidFill>
-                <a:latin typeface="Helvetica" panose="020B0604020202020204" pitchFamily="34" charset="0"/>
-                <a:ea typeface="+mn-ea"/>
-                <a:cs typeface="Arial" panose="020B0604020202020204" pitchFamily="34" charset="0"/>
-              </a:endParaRPr>
             </a:p>
           </p:txBody>
         </p:sp>
@@ -7160,7 +7060,7 @@
           <a:effectLst/>
           <a:extLst>
             <a:ext uri="{91240B29-F687-4f45-9708-019B960494DF}">
-              <a14:hiddenLine xmlns:a14="http://schemas.microsoft.com/office/drawing/2010/main" w="12700">
+              <a14:hiddenLine xmlns="" xmlns:a14="http://schemas.microsoft.com/office/drawing/2010/main" w="12700">
                 <a:solidFill>
                   <a:schemeClr val="tx1"/>
                 </a:solidFill>
@@ -7170,7 +7070,7 @@
               </a14:hiddenLine>
             </a:ext>
             <a:ext uri="{AF507438-7753-43e0-B8FC-AC1667EBCBE1}">
-              <a14:hiddenEffects xmlns:a14="http://schemas.microsoft.com/office/drawing/2010/main">
+              <a14:hiddenEffects xmlns="" xmlns:a14="http://schemas.microsoft.com/office/drawing/2010/main">
                 <a:effectLst>
                   <a:outerShdw blurRad="63500" dist="38099" dir="2700000" algn="ctr" rotWithShape="0">
                     <a:schemeClr val="bg2">
@@ -7327,11 +7227,11 @@
             </a:pPr>
             <a:r>
               <a:rPr lang="de-DE" sz="2800" b="1" dirty="0"/>
-              <a:t>Rsync-Algorithmus:</a:t>
+              <a:t>Rsync - Algorithmus:</a:t>
             </a:r>
             <a:r>
               <a:rPr lang="de-DE" sz="2800" dirty="0"/>
-              <a:t> Durch die Übertragung ausschließlich der Dateiteile die sich geändert haben, könnte ebendiese beschleunigt und beschleunigt werden.</a:t>
+              <a:t> Durch die ausschließliche Übertragung der geänderten Dateiteile, könnte eben diese beschleunigt und der Speicherplatz effizienter verwendet werden.</a:t>
             </a:r>
           </a:p>
           <a:p>
@@ -7384,7 +7284,7 @@
         </p:blipFill>
         <p:spPr>
           <a:xfrm>
-            <a:off x="603250" y="25056560"/>
+            <a:off x="603250" y="24836856"/>
             <a:ext cx="3124373" cy="1195396"/>
           </a:xfrm>
           <a:prstGeom prst="rect">
@@ -7408,7 +7308,7 @@
         </p:blipFill>
         <p:spPr>
           <a:xfrm>
-            <a:off x="3859213" y="25113711"/>
+            <a:off x="3859213" y="24894007"/>
             <a:ext cx="4327798" cy="1027270"/>
           </a:xfrm>
           <a:prstGeom prst="rect">
@@ -7432,7 +7332,7 @@
         </p:blipFill>
         <p:spPr>
           <a:xfrm>
-            <a:off x="5310638" y="23506618"/>
+            <a:off x="5310638" y="23242973"/>
             <a:ext cx="2286000" cy="1285875"/>
           </a:xfrm>
           <a:prstGeom prst="rect">
@@ -7456,7 +7356,7 @@
         </p:blipFill>
         <p:spPr>
           <a:xfrm>
-            <a:off x="889000" y="23421435"/>
+            <a:off x="889000" y="23113850"/>
             <a:ext cx="3901377" cy="1265029"/>
           </a:xfrm>
           <a:prstGeom prst="rect">
@@ -7480,7 +7380,7 @@
         </p:blipFill>
         <p:spPr>
           <a:xfrm>
-            <a:off x="841375" y="22105398"/>
+            <a:off x="841375" y="21525755"/>
             <a:ext cx="4267894" cy="1169218"/>
           </a:xfrm>
           <a:prstGeom prst="rect">
@@ -7504,7 +7404,7 @@
         </p:blipFill>
         <p:spPr>
           <a:xfrm>
-            <a:off x="5501181" y="22281081"/>
+            <a:off x="5501181" y="21665910"/>
             <a:ext cx="2095500" cy="876300"/>
           </a:xfrm>
           <a:prstGeom prst="rect">
@@ -7536,6 +7436,219 @@
           </a:prstGeom>
         </p:spPr>
       </p:pic>
+      <p:sp>
+        <p:nvSpPr>
+          <p:cNvPr id="46" name="Text Box 720"/>
+          <p:cNvSpPr txBox="1">
+            <a:spLocks noChangeArrowheads="1"/>
+          </p:cNvSpPr>
+          <p:nvPr/>
+        </p:nvSpPr>
+        <p:spPr bwMode="auto">
+          <a:xfrm>
+            <a:off x="8599914" y="26752765"/>
+            <a:ext cx="12284075" cy="949020"/>
+          </a:xfrm>
+          <a:prstGeom prst="rect">
+            <a:avLst/>
+          </a:prstGeom>
+          <a:solidFill>
+            <a:srgbClr val="FFFFFF"/>
+          </a:solidFill>
+          <a:ln>
+            <a:noFill/>
+          </a:ln>
+          <a:effectLst/>
+          <a:extLst>
+            <a:ext uri="{91240B29-F687-4f45-9708-019B960494DF}">
+              <a14:hiddenLine xmlns="" xmlns:a14="http://schemas.microsoft.com/office/drawing/2010/main" w="12700">
+                <a:solidFill>
+                  <a:schemeClr val="tx1"/>
+                </a:solidFill>
+                <a:miter lim="800000"/>
+                <a:headEnd type="none" w="sm" len="sm"/>
+                <a:tailEnd type="none" w="sm" len="sm"/>
+              </a14:hiddenLine>
+            </a:ext>
+            <a:ext uri="{AF507438-7753-43e0-B8FC-AC1667EBCBE1}">
+              <a14:hiddenEffects xmlns="" xmlns:a14="http://schemas.microsoft.com/office/drawing/2010/main">
+                <a:effectLst>
+                  <a:outerShdw blurRad="63500" dist="38099" dir="2700000" algn="ctr" rotWithShape="0">
+                    <a:schemeClr val="bg2">
+                      <a:alpha val="74998"/>
+                    </a:schemeClr>
+                  </a:outerShdw>
+                </a:effectLst>
+              </a14:hiddenEffects>
+            </a:ext>
+          </a:extLst>
+        </p:spPr>
+        <p:txBody>
+          <a:bodyPr wrap="square" lIns="86402" tIns="43201" rIns="86402" bIns="43201" anchor="t">
+            <a:spAutoFit/>
+          </a:bodyPr>
+          <a:lstStyle>
+            <a:lvl1pPr defTabSz="863600">
+              <a:defRPr sz="2400">
+                <a:solidFill>
+                  <a:schemeClr val="tx1"/>
+                </a:solidFill>
+                <a:latin typeface="Arial" charset="0"/>
+                <a:ea typeface="ＭＳ Ｐゴシック" charset="0"/>
+                <a:cs typeface="Arial" charset="0"/>
+              </a:defRPr>
+            </a:lvl1pPr>
+            <a:lvl2pPr marL="742950" indent="-285750" defTabSz="863600">
+              <a:defRPr sz="2400">
+                <a:solidFill>
+                  <a:schemeClr val="tx1"/>
+                </a:solidFill>
+                <a:latin typeface="Arial" charset="0"/>
+                <a:ea typeface="Arial" charset="0"/>
+                <a:cs typeface="Arial" charset="0"/>
+              </a:defRPr>
+            </a:lvl2pPr>
+            <a:lvl3pPr marL="1143000" indent="-228600" defTabSz="863600">
+              <a:defRPr sz="2400">
+                <a:solidFill>
+                  <a:schemeClr val="tx1"/>
+                </a:solidFill>
+                <a:latin typeface="Arial" charset="0"/>
+                <a:ea typeface="Arial" charset="0"/>
+                <a:cs typeface="Arial" charset="0"/>
+              </a:defRPr>
+            </a:lvl3pPr>
+            <a:lvl4pPr marL="1600200" indent="-228600" defTabSz="863600">
+              <a:defRPr sz="2400">
+                <a:solidFill>
+                  <a:schemeClr val="tx1"/>
+                </a:solidFill>
+                <a:latin typeface="Arial" charset="0"/>
+                <a:ea typeface="Arial" charset="0"/>
+                <a:cs typeface="Arial" charset="0"/>
+              </a:defRPr>
+            </a:lvl4pPr>
+            <a:lvl5pPr marL="2057400" indent="-228600" defTabSz="863600">
+              <a:defRPr sz="2400">
+                <a:solidFill>
+                  <a:schemeClr val="tx1"/>
+                </a:solidFill>
+                <a:latin typeface="Arial" charset="0"/>
+                <a:ea typeface="Arial" charset="0"/>
+                <a:cs typeface="Arial" charset="0"/>
+              </a:defRPr>
+            </a:lvl5pPr>
+            <a:lvl6pPr marL="2514600" indent="-228600" defTabSz="863600" eaLnBrk="0" fontAlgn="base" hangingPunct="0">
+              <a:spcBef>
+                <a:spcPct val="0"/>
+              </a:spcBef>
+              <a:spcAft>
+                <a:spcPct val="0"/>
+              </a:spcAft>
+              <a:defRPr sz="2400">
+                <a:solidFill>
+                  <a:schemeClr val="tx1"/>
+                </a:solidFill>
+                <a:latin typeface="Arial" charset="0"/>
+                <a:ea typeface="Arial" charset="0"/>
+                <a:cs typeface="Arial" charset="0"/>
+              </a:defRPr>
+            </a:lvl6pPr>
+            <a:lvl7pPr marL="2971800" indent="-228600" defTabSz="863600" eaLnBrk="0" fontAlgn="base" hangingPunct="0">
+              <a:spcBef>
+                <a:spcPct val="0"/>
+              </a:spcBef>
+              <a:spcAft>
+                <a:spcPct val="0"/>
+              </a:spcAft>
+              <a:defRPr sz="2400">
+                <a:solidFill>
+                  <a:schemeClr val="tx1"/>
+                </a:solidFill>
+                <a:latin typeface="Arial" charset="0"/>
+                <a:ea typeface="Arial" charset="0"/>
+                <a:cs typeface="Arial" charset="0"/>
+              </a:defRPr>
+            </a:lvl7pPr>
+            <a:lvl8pPr marL="3429000" indent="-228600" defTabSz="863600" eaLnBrk="0" fontAlgn="base" hangingPunct="0">
+              <a:spcBef>
+                <a:spcPct val="0"/>
+              </a:spcBef>
+              <a:spcAft>
+                <a:spcPct val="0"/>
+              </a:spcAft>
+              <a:defRPr sz="2400">
+                <a:solidFill>
+                  <a:schemeClr val="tx1"/>
+                </a:solidFill>
+                <a:latin typeface="Arial" charset="0"/>
+                <a:ea typeface="Arial" charset="0"/>
+                <a:cs typeface="Arial" charset="0"/>
+              </a:defRPr>
+            </a:lvl8pPr>
+            <a:lvl9pPr marL="3886200" indent="-228600" defTabSz="863600" eaLnBrk="0" fontAlgn="base" hangingPunct="0">
+              <a:spcBef>
+                <a:spcPct val="0"/>
+              </a:spcBef>
+              <a:spcAft>
+                <a:spcPct val="0"/>
+              </a:spcAft>
+              <a:defRPr sz="2400">
+                <a:solidFill>
+                  <a:schemeClr val="tx1"/>
+                </a:solidFill>
+                <a:latin typeface="Arial" charset="0"/>
+                <a:ea typeface="Arial" charset="0"/>
+                <a:cs typeface="Arial" charset="0"/>
+              </a:defRPr>
+            </a:lvl9pPr>
+          </a:lstStyle>
+          <a:p>
+            <a:pPr algn="just"/>
+            <a:r>
+              <a:rPr lang="en-US" sz="2800" dirty="0"/>
+              <a:t>XtreemFS [2014]: Under the Hood: File Replication. Online im Internet</a:t>
+            </a:r>
+            <a:r>
+              <a:rPr lang="en-US" sz="2800" b="1" dirty="0"/>
+              <a:t>:</a:t>
+            </a:r>
+            <a:r>
+              <a:rPr lang="en-US" sz="2800" dirty="0"/>
+              <a:t> </a:t>
+            </a:r>
+            <a:r>
+              <a:rPr lang="de-DE" sz="2800" dirty="0">
+                <a:solidFill>
+                  <a:srgbClr val="000000"/>
+                </a:solidFill>
+              </a:rPr>
+              <a:t>http://xtreemfs.org/how_replication_works.php</a:t>
+            </a:r>
+            <a:r>
+              <a:rPr lang="de-DE" sz="2800" dirty="0">
+                <a:solidFill>
+                  <a:srgbClr val="0000FF"/>
+                </a:solidFill>
+              </a:rPr>
+              <a:t> </a:t>
+            </a:r>
+            <a:r>
+              <a:rPr lang="en-US" sz="2800" dirty="0"/>
+              <a:t>[Zugriff am</a:t>
+            </a:r>
+            <a:r>
+              <a:rPr lang="en-US" sz="2800" b="1" dirty="0"/>
+              <a:t>:</a:t>
+            </a:r>
+            <a:r>
+              <a:rPr lang="en-US" sz="2800" dirty="0"/>
+              <a:t> 20.05.2015].</a:t>
+            </a:r>
+            <a:endParaRPr lang="de-DE" sz="2800" dirty="0"/>
+          </a:p>
+        </p:txBody>
+      </p:sp>
     </p:spTree>
   </p:cSld>
   <p:clrMapOvr>
@@ -7544,7 +7657,7 @@
   <p:timing>
     <p:tnLst>
       <p:par>
-        <p:cTn xmlns:p14="http://schemas.microsoft.com/office/powerpoint/2010/main" id="1" dur="indefinite" restart="never" nodeType="tmRoot"/>
+        <p:cTn id="1" dur="indefinite" restart="never" nodeType="tmRoot"/>
       </p:par>
     </p:tnLst>
   </p:timing>
@@ -7801,7 +7914,7 @@
         <a:effectLst/>
         <a:extLst>
           <a:ext uri="{AF507438-7753-43e0-B8FC-AC1667EBCBE1}">
-            <a14:hiddenEffects xmlns:a14="http://schemas.microsoft.com/office/drawing/2010/main">
+            <a14:hiddenEffects xmlns="" xmlns:a14="http://schemas.microsoft.com/office/drawing/2010/main">
               <a:effectLst>
                 <a:outerShdw dist="35921" dir="2700000" algn="ctr" rotWithShape="0">
                   <a:schemeClr val="bg2"/>
@@ -7875,7 +7988,7 @@
         <a:effectLst/>
         <a:extLst>
           <a:ext uri="{AF507438-7753-43e0-B8FC-AC1667EBCBE1}">
-            <a14:hiddenEffects xmlns:a14="http://schemas.microsoft.com/office/drawing/2010/main">
+            <a14:hiddenEffects xmlns="" xmlns:a14="http://schemas.microsoft.com/office/drawing/2010/main">
               <a:effectLst>
                 <a:outerShdw dist="35921" dir="2700000" algn="ctr" rotWithShape="0">
                   <a:schemeClr val="bg2"/>

--- a/poster.pptx
+++ b/poster.pptx
@@ -205,14 +205,14 @@
           </a:ln>
           <a:extLst>
             <a:ext uri="{909E8E84-426E-40dd-AFC4-6F175D3DCCD1}">
-              <a14:hiddenFill xmlns="" xmlns:a14="http://schemas.microsoft.com/office/drawing/2010/main">
+              <a14:hiddenFill xmlns:a14="http://schemas.microsoft.com/office/drawing/2010/main" xmlns="">
                 <a:solidFill>
                   <a:schemeClr val="accent1"/>
                 </a:solidFill>
               </a14:hiddenFill>
             </a:ext>
             <a:ext uri="{91240B29-F687-4f45-9708-019B960494DF}">
-              <a14:hiddenLine xmlns="" xmlns:a14="http://schemas.microsoft.com/office/drawing/2010/main" w="9525">
+              <a14:hiddenLine xmlns:a14="http://schemas.microsoft.com/office/drawing/2010/main" xmlns="" w="9525">
                 <a:solidFill>
                   <a:schemeClr val="tx1"/>
                 </a:solidFill>
@@ -270,14 +270,14 @@
           </a:ln>
           <a:extLst>
             <a:ext uri="{909E8E84-426E-40dd-AFC4-6F175D3DCCD1}">
-              <a14:hiddenFill xmlns="" xmlns:a14="http://schemas.microsoft.com/office/drawing/2010/main">
+              <a14:hiddenFill xmlns:a14="http://schemas.microsoft.com/office/drawing/2010/main" xmlns="">
                 <a:solidFill>
                   <a:schemeClr val="accent1"/>
                 </a:solidFill>
               </a14:hiddenFill>
             </a:ext>
             <a:ext uri="{91240B29-F687-4f45-9708-019B960494DF}">
-              <a14:hiddenLine xmlns="" xmlns:a14="http://schemas.microsoft.com/office/drawing/2010/main" w="9525">
+              <a14:hiddenLine xmlns:a14="http://schemas.microsoft.com/office/drawing/2010/main" xmlns="" w="9525">
                 <a:solidFill>
                   <a:schemeClr val="tx1"/>
                 </a:solidFill>
@@ -341,14 +341,14 @@
           <a:effectLst/>
           <a:extLst>
             <a:ext uri="{909E8E84-426E-40dd-AFC4-6F175D3DCCD1}">
-              <a14:hiddenFill xmlns="" xmlns:a14="http://schemas.microsoft.com/office/drawing/2010/main">
+              <a14:hiddenFill xmlns:a14="http://schemas.microsoft.com/office/drawing/2010/main" xmlns="">
                 <a:solidFill>
                   <a:srgbClr val="FFFFFF"/>
                 </a:solidFill>
               </a14:hiddenFill>
             </a:ext>
             <a:ext uri="{AF507438-7753-43e0-B8FC-AC1667EBCBE1}">
-              <a14:hiddenEffects xmlns="" xmlns:a14="http://schemas.microsoft.com/office/drawing/2010/main">
+              <a14:hiddenEffects xmlns:a14="http://schemas.microsoft.com/office/drawing/2010/main" xmlns="">
                 <a:effectLst>
                   <a:outerShdw blurRad="63500" dist="38099" dir="2700000" algn="ctr" rotWithShape="0">
                     <a:srgbClr val="000000">
@@ -359,10 +359,10 @@
               </a14:hiddenEffects>
             </a:ext>
             <a:ext uri="{53640926-AAD7-44d8-BBD7-CCE9431645EC}">
-              <a14:shadowObscured xmlns="" xmlns:a14="http://schemas.microsoft.com/office/drawing/2010/main" val="1"/>
+              <a14:shadowObscured xmlns:a14="http://schemas.microsoft.com/office/drawing/2010/main" xmlns="" val="1"/>
             </a:ext>
             <a:ext uri="{FAA26D3D-D897-4be2-8F04-BA451C77F1D7}">
-              <ma14:placeholderFlag xmlns="" xmlns:ma14="http://schemas.microsoft.com/office/mac/drawingml/2011/main" val="1"/>
+              <ma14:placeholderFlag xmlns:ma14="http://schemas.microsoft.com/office/mac/drawingml/2011/main" xmlns="" val="1"/>
             </a:ext>
           </a:extLst>
         </p:spPr>
@@ -391,14 +391,14 @@
           </a:ln>
           <a:extLst>
             <a:ext uri="{909E8E84-426E-40dd-AFC4-6F175D3DCCD1}">
-              <a14:hiddenFill xmlns="" xmlns:a14="http://schemas.microsoft.com/office/drawing/2010/main">
+              <a14:hiddenFill xmlns:a14="http://schemas.microsoft.com/office/drawing/2010/main" xmlns="">
                 <a:solidFill>
                   <a:schemeClr val="accent1"/>
                 </a:solidFill>
               </a14:hiddenFill>
             </a:ext>
             <a:ext uri="{91240B29-F687-4f45-9708-019B960494DF}">
-              <a14:hiddenLine xmlns="" xmlns:a14="http://schemas.microsoft.com/office/drawing/2010/main" w="9525">
+              <a14:hiddenLine xmlns:a14="http://schemas.microsoft.com/office/drawing/2010/main" xmlns="" w="9525">
                 <a:solidFill>
                   <a:schemeClr val="tx1"/>
                 </a:solidFill>
@@ -477,14 +477,14 @@
           </a:ln>
           <a:extLst>
             <a:ext uri="{909E8E84-426E-40dd-AFC4-6F175D3DCCD1}">
-              <a14:hiddenFill xmlns="" xmlns:a14="http://schemas.microsoft.com/office/drawing/2010/main">
+              <a14:hiddenFill xmlns:a14="http://schemas.microsoft.com/office/drawing/2010/main" xmlns="">
                 <a:solidFill>
                   <a:schemeClr val="accent1"/>
                 </a:solidFill>
               </a14:hiddenFill>
             </a:ext>
             <a:ext uri="{91240B29-F687-4f45-9708-019B960494DF}">
-              <a14:hiddenLine xmlns="" xmlns:a14="http://schemas.microsoft.com/office/drawing/2010/main" w="9525">
+              <a14:hiddenLine xmlns:a14="http://schemas.microsoft.com/office/drawing/2010/main" xmlns="" w="9525">
                 <a:solidFill>
                   <a:schemeClr val="tx1"/>
                 </a:solidFill>
@@ -542,14 +542,14 @@
           </a:ln>
           <a:extLst>
             <a:ext uri="{909E8E84-426E-40dd-AFC4-6F175D3DCCD1}">
-              <a14:hiddenFill xmlns="" xmlns:a14="http://schemas.microsoft.com/office/drawing/2010/main">
+              <a14:hiddenFill xmlns:a14="http://schemas.microsoft.com/office/drawing/2010/main" xmlns="">
                 <a:solidFill>
                   <a:schemeClr val="accent1"/>
                 </a:solidFill>
               </a14:hiddenFill>
             </a:ext>
             <a:ext uri="{91240B29-F687-4f45-9708-019B960494DF}">
-              <a14:hiddenLine xmlns="" xmlns:a14="http://schemas.microsoft.com/office/drawing/2010/main" w="9525">
+              <a14:hiddenLine xmlns:a14="http://schemas.microsoft.com/office/drawing/2010/main" xmlns="" w="9525">
                 <a:solidFill>
                   <a:schemeClr val="tx1"/>
                 </a:solidFill>
@@ -899,7 +899,7 @@
           <a:noFill/>
           <a:extLst>
             <a:ext uri="{FAA26D3D-D897-4be2-8F04-BA451C77F1D7}">
-              <ma14:placeholderFlag xmlns="" xmlns:ma14="http://schemas.microsoft.com/office/mac/drawingml/2011/main" val="1"/>
+              <ma14:placeholderFlag xmlns:ma14="http://schemas.microsoft.com/office/mac/drawingml/2011/main" xmlns="" val="1"/>
             </a:ext>
           </a:extLst>
         </p:spPr>
@@ -2734,14 +2734,14 @@
           </a:ln>
           <a:extLst>
             <a:ext uri="{909E8E84-426E-40dd-AFC4-6F175D3DCCD1}">
-              <a14:hiddenFill xmlns="" xmlns:a14="http://schemas.microsoft.com/office/drawing/2010/main">
+              <a14:hiddenFill xmlns:a14="http://schemas.microsoft.com/office/drawing/2010/main" xmlns="">
                 <a:solidFill>
                   <a:srgbClr val="FFFFFF"/>
                 </a:solidFill>
               </a14:hiddenFill>
             </a:ext>
             <a:ext uri="{91240B29-F687-4f45-9708-019B960494DF}">
-              <a14:hiddenLine xmlns="" xmlns:a14="http://schemas.microsoft.com/office/drawing/2010/main" w="9525">
+              <a14:hiddenLine xmlns:a14="http://schemas.microsoft.com/office/drawing/2010/main" xmlns="" w="9525">
                 <a:solidFill>
                   <a:srgbClr val="000000"/>
                 </a:solidFill>
@@ -2788,14 +2788,14 @@
           </a:ln>
           <a:extLst>
             <a:ext uri="{909E8E84-426E-40dd-AFC4-6F175D3DCCD1}">
-              <a14:hiddenFill xmlns="" xmlns:a14="http://schemas.microsoft.com/office/drawing/2010/main">
+              <a14:hiddenFill xmlns:a14="http://schemas.microsoft.com/office/drawing/2010/main" xmlns="">
                 <a:solidFill>
                   <a:srgbClr val="FFFFFF"/>
                 </a:solidFill>
               </a14:hiddenFill>
             </a:ext>
             <a:ext uri="{91240B29-F687-4f45-9708-019B960494DF}">
-              <a14:hiddenLine xmlns="" xmlns:a14="http://schemas.microsoft.com/office/drawing/2010/main" w="9525">
+              <a14:hiddenLine xmlns:a14="http://schemas.microsoft.com/office/drawing/2010/main" xmlns="" w="9525">
                 <a:solidFill>
                   <a:srgbClr val="000000"/>
                 </a:solidFill>
@@ -3268,14 +3268,14 @@
           </a:ln>
           <a:extLst>
             <a:ext uri="{909E8E84-426E-40dd-AFC4-6F175D3DCCD1}">
-              <a14:hiddenFill xmlns="" xmlns:a14="http://schemas.microsoft.com/office/drawing/2010/main">
+              <a14:hiddenFill xmlns:a14="http://schemas.microsoft.com/office/drawing/2010/main" xmlns="">
                 <a:solidFill>
                   <a:srgbClr val="FFFFFF"/>
                 </a:solidFill>
               </a14:hiddenFill>
             </a:ext>
             <a:ext uri="{91240B29-F687-4f45-9708-019B960494DF}">
-              <a14:hiddenLine xmlns="" xmlns:a14="http://schemas.microsoft.com/office/drawing/2010/main" w="9525">
+              <a14:hiddenLine xmlns:a14="http://schemas.microsoft.com/office/drawing/2010/main" xmlns="" w="9525">
                 <a:solidFill>
                   <a:srgbClr val="000000"/>
                 </a:solidFill>
@@ -3309,14 +3309,14 @@
           </a:ln>
           <a:extLst>
             <a:ext uri="{909E8E84-426E-40dd-AFC4-6F175D3DCCD1}">
-              <a14:hiddenFill xmlns="" xmlns:a14="http://schemas.microsoft.com/office/drawing/2010/main">
+              <a14:hiddenFill xmlns:a14="http://schemas.microsoft.com/office/drawing/2010/main" xmlns="">
                 <a:solidFill>
                   <a:schemeClr val="bg1"/>
                 </a:solidFill>
               </a14:hiddenFill>
             </a:ext>
             <a:ext uri="{91240B29-F687-4f45-9708-019B960494DF}">
-              <a14:hiddenLine xmlns="" xmlns:a14="http://schemas.microsoft.com/office/drawing/2010/main" w="9525">
+              <a14:hiddenLine xmlns:a14="http://schemas.microsoft.com/office/drawing/2010/main" xmlns="" w="9525">
                 <a:solidFill>
                   <a:schemeClr val="tx1"/>
                 </a:solidFill>
@@ -3477,14 +3477,14 @@
           </a:ln>
           <a:extLst>
             <a:ext uri="{909E8E84-426E-40dd-AFC4-6F175D3DCCD1}">
-              <a14:hiddenFill xmlns="" xmlns:a14="http://schemas.microsoft.com/office/drawing/2010/main">
+              <a14:hiddenFill xmlns:a14="http://schemas.microsoft.com/office/drawing/2010/main" xmlns="">
                 <a:solidFill>
                   <a:schemeClr val="bg1"/>
                 </a:solidFill>
               </a14:hiddenFill>
             </a:ext>
             <a:ext uri="{91240B29-F687-4f45-9708-019B960494DF}">
-              <a14:hiddenLine xmlns="" xmlns:a14="http://schemas.microsoft.com/office/drawing/2010/main" w="9525">
+              <a14:hiddenLine xmlns:a14="http://schemas.microsoft.com/office/drawing/2010/main" xmlns="" w="9525">
                 <a:solidFill>
                   <a:schemeClr val="tx1"/>
                 </a:solidFill>
@@ -3645,14 +3645,14 @@
           </a:ln>
           <a:extLst>
             <a:ext uri="{909E8E84-426E-40dd-AFC4-6F175D3DCCD1}">
-              <a14:hiddenFill xmlns="" xmlns:a14="http://schemas.microsoft.com/office/drawing/2010/main">
+              <a14:hiddenFill xmlns:a14="http://schemas.microsoft.com/office/drawing/2010/main" xmlns="">
                 <a:solidFill>
                   <a:schemeClr val="bg1"/>
                 </a:solidFill>
               </a14:hiddenFill>
             </a:ext>
             <a:ext uri="{91240B29-F687-4f45-9708-019B960494DF}">
-              <a14:hiddenLine xmlns="" xmlns:a14="http://schemas.microsoft.com/office/drawing/2010/main" w="9525">
+              <a14:hiddenLine xmlns:a14="http://schemas.microsoft.com/office/drawing/2010/main" xmlns="" w="9525">
                 <a:solidFill>
                   <a:schemeClr val="tx1"/>
                 </a:solidFill>
@@ -3815,7 +3815,7 @@
           </a:ln>
           <a:extLst>
             <a:ext uri="{91240B29-F687-4f45-9708-019B960494DF}">
-              <a14:hiddenLine xmlns="" xmlns:a14="http://schemas.microsoft.com/office/drawing/2010/main" w="12700">
+              <a14:hiddenLine xmlns:a14="http://schemas.microsoft.com/office/drawing/2010/main" xmlns="" w="12700">
                 <a:solidFill>
                   <a:srgbClr val="000000"/>
                 </a:solidFill>
@@ -3896,7 +3896,7 @@
               <a:effectLst/>
               <a:extLst>
                 <a:ext uri="{AF507438-7753-43e0-B8FC-AC1667EBCBE1}">
-                  <a14:hiddenEffects xmlns="" xmlns:a14="http://schemas.microsoft.com/office/drawing/2010/main">
+                  <a14:hiddenEffects xmlns:a14="http://schemas.microsoft.com/office/drawing/2010/main" xmlns="">
                     <a:effectLst>
                       <a:outerShdw dist="35921" dir="2700000" algn="ctr" rotWithShape="0">
                         <a:srgbClr val="B2B2B2"/>
@@ -4050,7 +4050,7 @@
               <a:effectLst/>
               <a:extLst>
                 <a:ext uri="{AF507438-7753-43e0-B8FC-AC1667EBCBE1}">
-                  <a14:hiddenEffects xmlns="" xmlns:a14="http://schemas.microsoft.com/office/drawing/2010/main">
+                  <a14:hiddenEffects xmlns:a14="http://schemas.microsoft.com/office/drawing/2010/main" xmlns="">
                     <a:effectLst>
                       <a:outerShdw dist="35921" dir="2700000" algn="ctr" rotWithShape="0">
                         <a:srgbClr val="B2B2B2"/>
@@ -4211,7 +4211,7 @@
               <a:effectLst/>
               <a:extLst>
                 <a:ext uri="{AF507438-7753-43e0-B8FC-AC1667EBCBE1}">
-                  <a14:hiddenEffects xmlns="" xmlns:a14="http://schemas.microsoft.com/office/drawing/2010/main">
+                  <a14:hiddenEffects xmlns:a14="http://schemas.microsoft.com/office/drawing/2010/main" xmlns="">
                     <a:effectLst>
                       <a:outerShdw dist="35921" dir="2700000" algn="ctr" rotWithShape="0">
                         <a:srgbClr val="B2B2B2"/>
@@ -4444,7 +4444,7 @@
             <a:effectLst/>
             <a:extLst>
               <a:ext uri="{AF507438-7753-43e0-B8FC-AC1667EBCBE1}">
-                <a14:hiddenEffects xmlns="" xmlns:a14="http://schemas.microsoft.com/office/drawing/2010/main">
+                <a14:hiddenEffects xmlns:a14="http://schemas.microsoft.com/office/drawing/2010/main" xmlns="">
                   <a:effectLst>
                     <a:outerShdw dist="35921" dir="2700000" algn="ctr" rotWithShape="0">
                       <a:schemeClr val="bg2"/>
@@ -4691,7 +4691,7 @@
         </p:nvGrpSpPr>
         <p:grpSpPr bwMode="auto">
           <a:xfrm>
-            <a:off x="525634" y="8873530"/>
+            <a:off x="525634" y="9225056"/>
             <a:ext cx="7928111" cy="1007492"/>
             <a:chOff x="606" y="5216"/>
             <a:chExt cx="7026" cy="680"/>
@@ -4723,7 +4723,7 @@
             <a:effectLst/>
             <a:extLst>
               <a:ext uri="{91240B29-F687-4f45-9708-019B960494DF}">
-                <a14:hiddenLine xmlns="" xmlns:a14="http://schemas.microsoft.com/office/drawing/2010/main" w="12700">
+                <a14:hiddenLine xmlns:a14="http://schemas.microsoft.com/office/drawing/2010/main" xmlns="" w="12700">
                   <a:solidFill>
                     <a:schemeClr val="tx1"/>
                   </a:solidFill>
@@ -4733,7 +4733,7 @@
                 </a14:hiddenLine>
               </a:ext>
               <a:ext uri="{AF507438-7753-43e0-B8FC-AC1667EBCBE1}">
-                <a14:hiddenEffects xmlns="" xmlns:a14="http://schemas.microsoft.com/office/drawing/2010/main">
+                <a14:hiddenEffects xmlns:a14="http://schemas.microsoft.com/office/drawing/2010/main" xmlns="">
                   <a:effectLst>
                     <a:outerShdw dist="35921" dir="2700000" algn="ctr" rotWithShape="0">
                       <a:schemeClr val="bg2"/>
@@ -4781,7 +4781,7 @@
             <a:effectLst/>
             <a:extLst>
               <a:ext uri="{91240B29-F687-4f45-9708-019B960494DF}">
-                <a14:hiddenLine xmlns="" xmlns:a14="http://schemas.microsoft.com/office/drawing/2010/main" w="12700">
+                <a14:hiddenLine xmlns:a14="http://schemas.microsoft.com/office/drawing/2010/main" xmlns="" w="12700">
                   <a:solidFill>
                     <a:schemeClr val="tx1"/>
                   </a:solidFill>
@@ -4791,7 +4791,7 @@
                 </a14:hiddenLine>
               </a:ext>
               <a:ext uri="{AF507438-7753-43e0-B8FC-AC1667EBCBE1}">
-                <a14:hiddenEffects xmlns="" xmlns:a14="http://schemas.microsoft.com/office/drawing/2010/main">
+                <a14:hiddenEffects xmlns:a14="http://schemas.microsoft.com/office/drawing/2010/main" xmlns="">
                   <a:effectLst>
                     <a:outerShdw dist="35921" dir="2700000" algn="ctr" rotWithShape="0">
                       <a:schemeClr val="bg2"/>
@@ -4935,7 +4935,7 @@
         </p:nvSpPr>
         <p:spPr bwMode="auto">
           <a:xfrm>
-            <a:off x="693738" y="10082213"/>
+            <a:off x="693738" y="10433739"/>
             <a:ext cx="7621587" cy="3534343"/>
           </a:xfrm>
           <a:prstGeom prst="rect">
@@ -4950,7 +4950,7 @@
           <a:effectLst/>
           <a:extLst>
             <a:ext uri="{91240B29-F687-4f45-9708-019B960494DF}">
-              <a14:hiddenLine xmlns="" xmlns:a14="http://schemas.microsoft.com/office/drawing/2010/main" w="12700">
+              <a14:hiddenLine xmlns:a14="http://schemas.microsoft.com/office/drawing/2010/main" xmlns="" w="12700">
                 <a:solidFill>
                   <a:schemeClr val="tx1"/>
                 </a:solidFill>
@@ -4960,7 +4960,7 @@
               </a14:hiddenLine>
             </a:ext>
             <a:ext uri="{AF507438-7753-43e0-B8FC-AC1667EBCBE1}">
-              <a14:hiddenEffects xmlns="" xmlns:a14="http://schemas.microsoft.com/office/drawing/2010/main">
+              <a14:hiddenEffects xmlns:a14="http://schemas.microsoft.com/office/drawing/2010/main" xmlns="">
                 <a:effectLst>
                   <a:outerShdw blurRad="63500" dist="38099" dir="2700000" algn="ctr" rotWithShape="0">
                     <a:schemeClr val="bg2">
@@ -5119,7 +5119,7 @@
         </p:nvGrpSpPr>
         <p:grpSpPr bwMode="auto">
           <a:xfrm>
-            <a:off x="533299" y="13914368"/>
+            <a:off x="533299" y="14265895"/>
             <a:ext cx="7928112" cy="1007492"/>
             <a:chOff x="606" y="5216"/>
             <a:chExt cx="7026" cy="680"/>
@@ -5151,7 +5151,7 @@
             <a:effectLst/>
             <a:extLst>
               <a:ext uri="{91240B29-F687-4f45-9708-019B960494DF}">
-                <a14:hiddenLine xmlns="" xmlns:a14="http://schemas.microsoft.com/office/drawing/2010/main" w="12700">
+                <a14:hiddenLine xmlns:a14="http://schemas.microsoft.com/office/drawing/2010/main" xmlns="" w="12700">
                   <a:solidFill>
                     <a:schemeClr val="tx1"/>
                   </a:solidFill>
@@ -5161,7 +5161,7 @@
                 </a14:hiddenLine>
               </a:ext>
               <a:ext uri="{AF507438-7753-43e0-B8FC-AC1667EBCBE1}">
-                <a14:hiddenEffects xmlns="" xmlns:a14="http://schemas.microsoft.com/office/drawing/2010/main">
+                <a14:hiddenEffects xmlns:a14="http://schemas.microsoft.com/office/drawing/2010/main" xmlns="">
                   <a:effectLst>
                     <a:outerShdw dist="35921" dir="2700000" algn="ctr" rotWithShape="0">
                       <a:schemeClr val="bg2"/>
@@ -5209,7 +5209,7 @@
             <a:effectLst/>
             <a:extLst>
               <a:ext uri="{91240B29-F687-4f45-9708-019B960494DF}">
-                <a14:hiddenLine xmlns="" xmlns:a14="http://schemas.microsoft.com/office/drawing/2010/main" w="12700">
+                <a14:hiddenLine xmlns:a14="http://schemas.microsoft.com/office/drawing/2010/main" xmlns="" w="12700">
                   <a:solidFill>
                     <a:schemeClr val="tx1"/>
                   </a:solidFill>
@@ -5219,7 +5219,7 @@
                 </a14:hiddenLine>
               </a:ext>
               <a:ext uri="{AF507438-7753-43e0-B8FC-AC1667EBCBE1}">
-                <a14:hiddenEffects xmlns="" xmlns:a14="http://schemas.microsoft.com/office/drawing/2010/main">
+                <a14:hiddenEffects xmlns:a14="http://schemas.microsoft.com/office/drawing/2010/main" xmlns="">
                   <a:effectLst>
                     <a:outerShdw dist="35921" dir="2700000" algn="ctr" rotWithShape="0">
                       <a:schemeClr val="bg2"/>
@@ -5363,7 +5363,7 @@
         </p:nvSpPr>
         <p:spPr bwMode="auto">
           <a:xfrm>
-            <a:off x="701404" y="15123765"/>
+            <a:off x="701404" y="15475291"/>
             <a:ext cx="7544518" cy="5581057"/>
           </a:xfrm>
           <a:prstGeom prst="rect">
@@ -5378,7 +5378,7 @@
           <a:effectLst/>
           <a:extLst>
             <a:ext uri="{91240B29-F687-4f45-9708-019B960494DF}">
-              <a14:hiddenLine xmlns="" xmlns:a14="http://schemas.microsoft.com/office/drawing/2010/main" w="12700">
+              <a14:hiddenLine xmlns:a14="http://schemas.microsoft.com/office/drawing/2010/main" xmlns="" w="12700">
                 <a:solidFill>
                   <a:schemeClr val="tx1"/>
                 </a:solidFill>
@@ -5388,7 +5388,7 @@
               </a14:hiddenLine>
             </a:ext>
             <a:ext uri="{AF507438-7753-43e0-B8FC-AC1667EBCBE1}">
-              <a14:hiddenEffects xmlns="" xmlns:a14="http://schemas.microsoft.com/office/drawing/2010/main">
+              <a14:hiddenEffects xmlns:a14="http://schemas.microsoft.com/office/drawing/2010/main" xmlns="">
                 <a:effectLst>
                   <a:outerShdw blurRad="63500" dist="38099" dir="2700000" algn="ctr" rotWithShape="0">
                     <a:schemeClr val="bg2">
@@ -5668,7 +5668,7 @@
         </p:nvGrpSpPr>
         <p:grpSpPr bwMode="auto">
           <a:xfrm>
-            <a:off x="8552805" y="8873530"/>
+            <a:off x="8552805" y="9225056"/>
             <a:ext cx="12546522" cy="1007492"/>
             <a:chOff x="606" y="5216"/>
             <a:chExt cx="7026" cy="680"/>
@@ -5700,7 +5700,7 @@
             <a:effectLst/>
             <a:extLst>
               <a:ext uri="{91240B29-F687-4f45-9708-019B960494DF}">
-                <a14:hiddenLine xmlns="" xmlns:a14="http://schemas.microsoft.com/office/drawing/2010/main" w="12700">
+                <a14:hiddenLine xmlns:a14="http://schemas.microsoft.com/office/drawing/2010/main" xmlns="" w="12700">
                   <a:solidFill>
                     <a:schemeClr val="tx1"/>
                   </a:solidFill>
@@ -5710,7 +5710,7 @@
                 </a14:hiddenLine>
               </a:ext>
               <a:ext uri="{AF507438-7753-43e0-B8FC-AC1667EBCBE1}">
-                <a14:hiddenEffects xmlns="" xmlns:a14="http://schemas.microsoft.com/office/drawing/2010/main">
+                <a14:hiddenEffects xmlns:a14="http://schemas.microsoft.com/office/drawing/2010/main" xmlns="">
                   <a:effectLst>
                     <a:outerShdw dist="35921" dir="2700000" algn="ctr" rotWithShape="0">
                       <a:schemeClr val="bg2"/>
@@ -5758,7 +5758,7 @@
             <a:effectLst/>
             <a:extLst>
               <a:ext uri="{91240B29-F687-4f45-9708-019B960494DF}">
-                <a14:hiddenLine xmlns="" xmlns:a14="http://schemas.microsoft.com/office/drawing/2010/main" w="12700">
+                <a14:hiddenLine xmlns:a14="http://schemas.microsoft.com/office/drawing/2010/main" xmlns="" w="12700">
                   <a:solidFill>
                     <a:schemeClr val="tx1"/>
                   </a:solidFill>
@@ -5768,7 +5768,7 @@
                 </a14:hiddenLine>
               </a:ext>
               <a:ext uri="{AF507438-7753-43e0-B8FC-AC1667EBCBE1}">
-                <a14:hiddenEffects xmlns="" xmlns:a14="http://schemas.microsoft.com/office/drawing/2010/main">
+                <a14:hiddenEffects xmlns:a14="http://schemas.microsoft.com/office/drawing/2010/main" xmlns="">
                   <a:effectLst>
                     <a:outerShdw dist="35921" dir="2700000" algn="ctr" rotWithShape="0">
                       <a:schemeClr val="bg2"/>
@@ -5912,7 +5912,7 @@
         </p:nvSpPr>
         <p:spPr bwMode="auto">
           <a:xfrm>
-            <a:off x="8664575" y="10056233"/>
+            <a:off x="8664575" y="10407759"/>
             <a:ext cx="12284075" cy="3965230"/>
           </a:xfrm>
           <a:prstGeom prst="rect">
@@ -5927,7 +5927,7 @@
           <a:effectLst/>
           <a:extLst>
             <a:ext uri="{91240B29-F687-4f45-9708-019B960494DF}">
-              <a14:hiddenLine xmlns="" xmlns:a14="http://schemas.microsoft.com/office/drawing/2010/main" w="12700">
+              <a14:hiddenLine xmlns:a14="http://schemas.microsoft.com/office/drawing/2010/main" xmlns="" w="12700">
                 <a:solidFill>
                   <a:schemeClr val="tx1"/>
                 </a:solidFill>
@@ -5937,7 +5937,7 @@
               </a14:hiddenLine>
             </a:ext>
             <a:ext uri="{AF507438-7753-43e0-B8FC-AC1667EBCBE1}">
-              <a14:hiddenEffects xmlns="" xmlns:a14="http://schemas.microsoft.com/office/drawing/2010/main">
+              <a14:hiddenEffects xmlns:a14="http://schemas.microsoft.com/office/drawing/2010/main" xmlns="">
                 <a:effectLst>
                   <a:outerShdw blurRad="63500" dist="38099" dir="2700000" algn="ctr" rotWithShape="0">
                     <a:schemeClr val="bg2">
@@ -6084,255 +6084,11 @@
             <a:pPr algn="just"/>
             <a:r>
               <a:rPr lang="de-DE" sz="2800" dirty="0"/>
-              <a:t>Einer dieser Aspekte ist das Protokoll, das die Daten in einem konfigurierbaren Netzwerk verteilt. Es ist eine Abwandlung des von XtreemFS [XtreemFS 2014] verwendeten primärbasierten Protokoll. Es wird verwendet, um die Datensätze zu replizieren.</a:t>
+              <a:t>Einer dieser Aspekte ist das Protokoll, das die Daten in einem konfigurierbaren Netzwerk verteilt. Es ist eine Abwandlung des von XtreemFS verwendeten primärbasierten Protokoll. Es wird verwendet, um die Datensätze zu replizieren.</a:t>
             </a:r>
           </a:p>
         </p:txBody>
       </p:sp>
-      <p:grpSp>
-        <p:nvGrpSpPr>
-          <p:cNvPr id="37" name="Group 799"/>
-          <p:cNvGrpSpPr>
-            <a:grpSpLocks/>
-          </p:cNvGrpSpPr>
-          <p:nvPr/>
-        </p:nvGrpSpPr>
-        <p:grpSpPr bwMode="auto">
-          <a:xfrm>
-            <a:off x="8588832" y="25676738"/>
-            <a:ext cx="12546522" cy="1007492"/>
-            <a:chOff x="606" y="5216"/>
-            <a:chExt cx="7026" cy="680"/>
-          </a:xfrm>
-          <a:solidFill>
-            <a:srgbClr val="0070C0"/>
-          </a:solidFill>
-        </p:grpSpPr>
-        <p:sp>
-          <p:nvSpPr>
-            <p:cNvPr id="38" name="Rectangle 718"/>
-            <p:cNvSpPr>
-              <a:spLocks noChangeArrowheads="1"/>
-            </p:cNvSpPr>
-            <p:nvPr/>
-          </p:nvSpPr>
-          <p:spPr bwMode="auto">
-            <a:xfrm>
-              <a:off x="606" y="5216"/>
-              <a:ext cx="7026" cy="680"/>
-            </a:xfrm>
-            <a:prstGeom prst="rect">
-              <a:avLst/>
-            </a:prstGeom>
-            <a:grpFill/>
-            <a:ln>
-              <a:noFill/>
-            </a:ln>
-            <a:effectLst/>
-            <a:extLst>
-              <a:ext uri="{91240B29-F687-4f45-9708-019B960494DF}">
-                <a14:hiddenLine xmlns="" xmlns:a14="http://schemas.microsoft.com/office/drawing/2010/main" w="12700">
-                  <a:solidFill>
-                    <a:schemeClr val="tx1"/>
-                  </a:solidFill>
-                  <a:miter lim="800000"/>
-                  <a:headEnd type="none" w="sm" len="sm"/>
-                  <a:tailEnd type="none" w="sm" len="sm"/>
-                </a14:hiddenLine>
-              </a:ext>
-              <a:ext uri="{AF507438-7753-43e0-B8FC-AC1667EBCBE1}">
-                <a14:hiddenEffects xmlns="" xmlns:a14="http://schemas.microsoft.com/office/drawing/2010/main">
-                  <a:effectLst>
-                    <a:outerShdw dist="35921" dir="2700000" algn="ctr" rotWithShape="0">
-                      <a:schemeClr val="bg2"/>
-                    </a:outerShdw>
-                  </a:effectLst>
-                </a14:hiddenEffects>
-              </a:ext>
-            </a:extLst>
-          </p:spPr>
-          <p:txBody>
-            <a:bodyPr wrap="none" anchor="ctr"/>
-            <a:lstStyle/>
-            <a:p>
-              <a:pPr>
-                <a:defRPr/>
-              </a:pPr>
-              <a:endParaRPr lang="de-DE">
-                <a:latin typeface="Arial" panose="020B0604020202020204" pitchFamily="34" charset="0"/>
-                <a:ea typeface="+mn-ea"/>
-                <a:cs typeface="Arial" panose="020B0604020202020204" pitchFamily="34" charset="0"/>
-              </a:endParaRPr>
-            </a:p>
-          </p:txBody>
-        </p:sp>
-        <p:sp>
-          <p:nvSpPr>
-            <p:cNvPr id="39" name="Text Box 719"/>
-            <p:cNvSpPr txBox="1">
-              <a:spLocks noChangeArrowheads="1"/>
-            </p:cNvSpPr>
-            <p:nvPr/>
-          </p:nvSpPr>
-          <p:spPr bwMode="auto">
-            <a:xfrm>
-              <a:off x="834" y="5352"/>
-              <a:ext cx="6486" cy="474"/>
-            </a:xfrm>
-            <a:prstGeom prst="rect">
-              <a:avLst/>
-            </a:prstGeom>
-            <a:grpFill/>
-            <a:ln>
-              <a:noFill/>
-            </a:ln>
-            <a:effectLst/>
-            <a:extLst>
-              <a:ext uri="{91240B29-F687-4f45-9708-019B960494DF}">
-                <a14:hiddenLine xmlns="" xmlns:a14="http://schemas.microsoft.com/office/drawing/2010/main" w="12700">
-                  <a:solidFill>
-                    <a:schemeClr val="tx1"/>
-                  </a:solidFill>
-                  <a:miter lim="800000"/>
-                  <a:headEnd type="none" w="sm" len="sm"/>
-                  <a:tailEnd type="none" w="sm" len="sm"/>
-                </a14:hiddenLine>
-              </a:ext>
-              <a:ext uri="{AF507438-7753-43e0-B8FC-AC1667EBCBE1}">
-                <a14:hiddenEffects xmlns="" xmlns:a14="http://schemas.microsoft.com/office/drawing/2010/main">
-                  <a:effectLst>
-                    <a:outerShdw dist="35921" dir="2700000" algn="ctr" rotWithShape="0">
-                      <a:schemeClr val="bg2"/>
-                    </a:outerShdw>
-                  </a:effectLst>
-                </a14:hiddenEffects>
-              </a:ext>
-            </a:extLst>
-          </p:spPr>
-          <p:txBody>
-            <a:bodyPr lIns="86402" tIns="43201" rIns="86402" bIns="43201">
-              <a:spAutoFit/>
-            </a:bodyPr>
-            <a:lstStyle>
-              <a:lvl1pPr defTabSz="863600">
-                <a:defRPr sz="2400">
-                  <a:solidFill>
-                    <a:schemeClr val="tx1"/>
-                  </a:solidFill>
-                  <a:latin typeface="Times New Roman" panose="02020603050405020304" pitchFamily="18" charset="0"/>
-                </a:defRPr>
-              </a:lvl1pPr>
-              <a:lvl2pPr marL="431800" defTabSz="863600">
-                <a:defRPr sz="2400">
-                  <a:solidFill>
-                    <a:schemeClr val="tx1"/>
-                  </a:solidFill>
-                  <a:latin typeface="Times New Roman" panose="02020603050405020304" pitchFamily="18" charset="0"/>
-                </a:defRPr>
-              </a:lvl2pPr>
-              <a:lvl3pPr marL="863600" defTabSz="863600">
-                <a:defRPr sz="2400">
-                  <a:solidFill>
-                    <a:schemeClr val="tx1"/>
-                  </a:solidFill>
-                  <a:latin typeface="Times New Roman" panose="02020603050405020304" pitchFamily="18" charset="0"/>
-                </a:defRPr>
-              </a:lvl3pPr>
-              <a:lvl4pPr marL="1295400" defTabSz="863600">
-                <a:defRPr sz="2400">
-                  <a:solidFill>
-                    <a:schemeClr val="tx1"/>
-                  </a:solidFill>
-                  <a:latin typeface="Times New Roman" panose="02020603050405020304" pitchFamily="18" charset="0"/>
-                </a:defRPr>
-              </a:lvl4pPr>
-              <a:lvl5pPr marL="1728788" defTabSz="863600">
-                <a:defRPr sz="2400">
-                  <a:solidFill>
-                    <a:schemeClr val="tx1"/>
-                  </a:solidFill>
-                  <a:latin typeface="Times New Roman" panose="02020603050405020304" pitchFamily="18" charset="0"/>
-                </a:defRPr>
-              </a:lvl5pPr>
-              <a:lvl6pPr marL="2185988" defTabSz="863600" eaLnBrk="0" fontAlgn="base" hangingPunct="0">
-                <a:spcBef>
-                  <a:spcPct val="0"/>
-                </a:spcBef>
-                <a:spcAft>
-                  <a:spcPct val="0"/>
-                </a:spcAft>
-                <a:defRPr sz="2400">
-                  <a:solidFill>
-                    <a:schemeClr val="tx1"/>
-                  </a:solidFill>
-                  <a:latin typeface="Times New Roman" panose="02020603050405020304" pitchFamily="18" charset="0"/>
-                </a:defRPr>
-              </a:lvl6pPr>
-              <a:lvl7pPr marL="2643188" defTabSz="863600" eaLnBrk="0" fontAlgn="base" hangingPunct="0">
-                <a:spcBef>
-                  <a:spcPct val="0"/>
-                </a:spcBef>
-                <a:spcAft>
-                  <a:spcPct val="0"/>
-                </a:spcAft>
-                <a:defRPr sz="2400">
-                  <a:solidFill>
-                    <a:schemeClr val="tx1"/>
-                  </a:solidFill>
-                  <a:latin typeface="Times New Roman" panose="02020603050405020304" pitchFamily="18" charset="0"/>
-                </a:defRPr>
-              </a:lvl7pPr>
-              <a:lvl8pPr marL="3100388" defTabSz="863600" eaLnBrk="0" fontAlgn="base" hangingPunct="0">
-                <a:spcBef>
-                  <a:spcPct val="0"/>
-                </a:spcBef>
-                <a:spcAft>
-                  <a:spcPct val="0"/>
-                </a:spcAft>
-                <a:defRPr sz="2400">
-                  <a:solidFill>
-                    <a:schemeClr val="tx1"/>
-                  </a:solidFill>
-                  <a:latin typeface="Times New Roman" panose="02020603050405020304" pitchFamily="18" charset="0"/>
-                </a:defRPr>
-              </a:lvl8pPr>
-              <a:lvl9pPr marL="3557588" defTabSz="863600" eaLnBrk="0" fontAlgn="base" hangingPunct="0">
-                <a:spcBef>
-                  <a:spcPct val="0"/>
-                </a:spcBef>
-                <a:spcAft>
-                  <a:spcPct val="0"/>
-                </a:spcAft>
-                <a:defRPr sz="2400">
-                  <a:solidFill>
-                    <a:schemeClr val="tx1"/>
-                  </a:solidFill>
-                  <a:latin typeface="Times New Roman" panose="02020603050405020304" pitchFamily="18" charset="0"/>
-                </a:defRPr>
-              </a:lvl9pPr>
-            </a:lstStyle>
-            <a:p>
-              <a:pPr algn="ctr">
-                <a:spcBef>
-                  <a:spcPct val="50000"/>
-                </a:spcBef>
-                <a:defRPr/>
-              </a:pPr>
-              <a:r>
-                <a:rPr lang="de-DE" altLang="de-DE" sz="4000" b="1" dirty="0" smtClean="0">
-                  <a:solidFill>
-                    <a:schemeClr val="bg1"/>
-                  </a:solidFill>
-                  <a:latin typeface="Helvetica" panose="020B0604020202020204" pitchFamily="34" charset="0"/>
-                  <a:ea typeface="+mn-ea"/>
-                  <a:cs typeface="Arial" panose="020B0604020202020204" pitchFamily="34" charset="0"/>
-                </a:rPr>
-                <a:t>Literatur</a:t>
-              </a:r>
-            </a:p>
-          </p:txBody>
-        </p:sp>
-      </p:grpSp>
       <p:pic>
         <p:nvPicPr>
           <p:cNvPr id="3" name="Bild 2" descr="1398886670_519841-53_Cloud_Reload.png"/>
@@ -6368,14 +6124,14 @@
           </a:ln>
           <a:extLst>
             <a:ext uri="{909E8E84-426E-40dd-AFC4-6F175D3DCCD1}">
-              <a14:hiddenFill xmlns="" xmlns:a14="http://schemas.microsoft.com/office/drawing/2010/main">
+              <a14:hiddenFill xmlns:a14="http://schemas.microsoft.com/office/drawing/2010/main" xmlns="">
                 <a:solidFill>
                   <a:srgbClr val="FFFFFF"/>
                 </a:solidFill>
               </a14:hiddenFill>
             </a:ext>
             <a:ext uri="{91240B29-F687-4f45-9708-019B960494DF}">
-              <a14:hiddenLine xmlns="" xmlns:a14="http://schemas.microsoft.com/office/drawing/2010/main" w="9525">
+              <a14:hiddenLine xmlns:a14="http://schemas.microsoft.com/office/drawing/2010/main" xmlns="" w="9525">
                 <a:solidFill>
                   <a:srgbClr val="000000"/>
                 </a:solidFill>
@@ -6403,7 +6159,7 @@
         </p:blipFill>
         <p:spPr>
           <a:xfrm>
-            <a:off x="8998268" y="14133514"/>
+            <a:off x="8998268" y="14836567"/>
             <a:ext cx="2820426" cy="2279371"/>
           </a:xfrm>
           <a:prstGeom prst="rect">
@@ -6427,7 +6183,7 @@
         </p:blipFill>
         <p:spPr>
           <a:xfrm>
-            <a:off x="8995954" y="16671660"/>
+            <a:off x="8995954" y="17858061"/>
             <a:ext cx="2879667" cy="2328308"/>
           </a:xfrm>
           <a:prstGeom prst="rect">
@@ -6445,7 +6201,7 @@
         </p:nvSpPr>
         <p:spPr bwMode="auto">
           <a:xfrm>
-            <a:off x="12084050" y="14332448"/>
+            <a:off x="12084050" y="15035501"/>
             <a:ext cx="8824855" cy="1810795"/>
           </a:xfrm>
           <a:prstGeom prst="rect">
@@ -6460,7 +6216,7 @@
           <a:effectLst/>
           <a:extLst>
             <a:ext uri="{91240B29-F687-4f45-9708-019B960494DF}">
-              <a14:hiddenLine xmlns="" xmlns:a14="http://schemas.microsoft.com/office/drawing/2010/main" w="12700">
+              <a14:hiddenLine xmlns:a14="http://schemas.microsoft.com/office/drawing/2010/main" xmlns="" w="12700">
                 <a:solidFill>
                   <a:schemeClr val="tx1"/>
                 </a:solidFill>
@@ -6470,7 +6226,7 @@
               </a14:hiddenLine>
             </a:ext>
             <a:ext uri="{AF507438-7753-43e0-B8FC-AC1667EBCBE1}">
-              <a14:hiddenEffects xmlns="" xmlns:a14="http://schemas.microsoft.com/office/drawing/2010/main">
+              <a14:hiddenEffects xmlns:a14="http://schemas.microsoft.com/office/drawing/2010/main" xmlns="">
                 <a:effectLst>
                   <a:outerShdw blurRad="63500" dist="38099" dir="2700000" algn="ctr" rotWithShape="0">
                     <a:schemeClr val="bg2">
@@ -6623,7 +6379,7 @@
         </p:nvSpPr>
         <p:spPr bwMode="auto">
           <a:xfrm>
-            <a:off x="12077700" y="16774198"/>
+            <a:off x="12077700" y="17960599"/>
             <a:ext cx="8824913" cy="2241682"/>
           </a:xfrm>
           <a:prstGeom prst="rect">
@@ -6638,7 +6394,7 @@
           <a:effectLst/>
           <a:extLst>
             <a:ext uri="{91240B29-F687-4f45-9708-019B960494DF}">
-              <a14:hiddenLine xmlns="" xmlns:a14="http://schemas.microsoft.com/office/drawing/2010/main" w="12700">
+              <a14:hiddenLine xmlns:a14="http://schemas.microsoft.com/office/drawing/2010/main" xmlns="" w="12700">
                 <a:solidFill>
                   <a:schemeClr val="tx1"/>
                 </a:solidFill>
@@ -6648,7 +6404,7 @@
               </a14:hiddenLine>
             </a:ext>
             <a:ext uri="{AF507438-7753-43e0-B8FC-AC1667EBCBE1}">
-              <a14:hiddenEffects xmlns="" xmlns:a14="http://schemas.microsoft.com/office/drawing/2010/main">
+              <a14:hiddenEffects xmlns:a14="http://schemas.microsoft.com/office/drawing/2010/main" xmlns="">
                 <a:effectLst>
                   <a:outerShdw blurRad="63500" dist="38099" dir="2700000" algn="ctr" rotWithShape="0">
                     <a:schemeClr val="bg2">
@@ -6801,7 +6557,7 @@
         </p:nvGrpSpPr>
         <p:grpSpPr bwMode="auto">
           <a:xfrm>
-            <a:off x="8555355" y="19306578"/>
+            <a:off x="8555355" y="20976329"/>
             <a:ext cx="12546522" cy="1007492"/>
             <a:chOff x="606" y="5216"/>
             <a:chExt cx="7026" cy="680"/>
@@ -6833,7 +6589,7 @@
             <a:effectLst/>
             <a:extLst>
               <a:ext uri="{91240B29-F687-4f45-9708-019B960494DF}">
-                <a14:hiddenLine xmlns="" xmlns:a14="http://schemas.microsoft.com/office/drawing/2010/main" w="12700">
+                <a14:hiddenLine xmlns:a14="http://schemas.microsoft.com/office/drawing/2010/main" xmlns="" w="12700">
                   <a:solidFill>
                     <a:schemeClr val="tx1"/>
                   </a:solidFill>
@@ -6843,7 +6599,7 @@
                 </a14:hiddenLine>
               </a:ext>
               <a:ext uri="{AF507438-7753-43e0-B8FC-AC1667EBCBE1}">
-                <a14:hiddenEffects xmlns="" xmlns:a14="http://schemas.microsoft.com/office/drawing/2010/main">
+                <a14:hiddenEffects xmlns:a14="http://schemas.microsoft.com/office/drawing/2010/main" xmlns="">
                   <a:effectLst>
                     <a:outerShdw dist="35921" dir="2700000" algn="ctr" rotWithShape="0">
                       <a:schemeClr val="bg2"/>
@@ -6891,7 +6647,7 @@
             <a:effectLst/>
             <a:extLst>
               <a:ext uri="{91240B29-F687-4f45-9708-019B960494DF}">
-                <a14:hiddenLine xmlns="" xmlns:a14="http://schemas.microsoft.com/office/drawing/2010/main" w="12700">
+                <a14:hiddenLine xmlns:a14="http://schemas.microsoft.com/office/drawing/2010/main" xmlns="" w="12700">
                   <a:solidFill>
                     <a:schemeClr val="tx1"/>
                   </a:solidFill>
@@ -6901,7 +6657,7 @@
                 </a14:hiddenLine>
               </a:ext>
               <a:ext uri="{AF507438-7753-43e0-B8FC-AC1667EBCBE1}">
-                <a14:hiddenEffects xmlns="" xmlns:a14="http://schemas.microsoft.com/office/drawing/2010/main">
+                <a14:hiddenEffects xmlns:a14="http://schemas.microsoft.com/office/drawing/2010/main" xmlns="">
                   <a:effectLst>
                     <a:outerShdw dist="35921" dir="2700000" algn="ctr" rotWithShape="0">
                       <a:schemeClr val="bg2"/>
@@ -7045,7 +6801,7 @@
         </p:nvSpPr>
         <p:spPr bwMode="auto">
           <a:xfrm>
-            <a:off x="8555355" y="20421278"/>
+            <a:off x="8555355" y="22222851"/>
             <a:ext cx="12284075" cy="4827005"/>
           </a:xfrm>
           <a:prstGeom prst="rect">
@@ -7060,7 +6816,7 @@
           <a:effectLst/>
           <a:extLst>
             <a:ext uri="{91240B29-F687-4f45-9708-019B960494DF}">
-              <a14:hiddenLine xmlns="" xmlns:a14="http://schemas.microsoft.com/office/drawing/2010/main" w="12700">
+              <a14:hiddenLine xmlns:a14="http://schemas.microsoft.com/office/drawing/2010/main" xmlns="" w="12700">
                 <a:solidFill>
                   <a:schemeClr val="tx1"/>
                 </a:solidFill>
@@ -7070,7 +6826,7 @@
               </a14:hiddenLine>
             </a:ext>
             <a:ext uri="{AF507438-7753-43e0-B8FC-AC1667EBCBE1}">
-              <a14:hiddenEffects xmlns="" xmlns:a14="http://schemas.microsoft.com/office/drawing/2010/main">
+              <a14:hiddenEffects xmlns:a14="http://schemas.microsoft.com/office/drawing/2010/main" xmlns="">
                 <a:effectLst>
                   <a:outerShdw blurRad="63500" dist="38099" dir="2700000" algn="ctr" rotWithShape="0">
                     <a:schemeClr val="bg2">
@@ -7284,7 +7040,7 @@
         </p:blipFill>
         <p:spPr>
           <a:xfrm>
-            <a:off x="603250" y="24836856"/>
+            <a:off x="603250" y="25188382"/>
             <a:ext cx="3124373" cy="1195396"/>
           </a:xfrm>
           <a:prstGeom prst="rect">
@@ -7308,7 +7064,7 @@
         </p:blipFill>
         <p:spPr>
           <a:xfrm>
-            <a:off x="3859213" y="24894007"/>
+            <a:off x="3859213" y="25245533"/>
             <a:ext cx="4327798" cy="1027270"/>
           </a:xfrm>
           <a:prstGeom prst="rect">
@@ -7332,7 +7088,7 @@
         </p:blipFill>
         <p:spPr>
           <a:xfrm>
-            <a:off x="5310638" y="23242973"/>
+            <a:off x="5310638" y="23594500"/>
             <a:ext cx="2286000" cy="1285875"/>
           </a:xfrm>
           <a:prstGeom prst="rect">
@@ -7356,7 +7112,7 @@
         </p:blipFill>
         <p:spPr>
           <a:xfrm>
-            <a:off x="889000" y="23113850"/>
+            <a:off x="889000" y="23465376"/>
             <a:ext cx="3901377" cy="1265029"/>
           </a:xfrm>
           <a:prstGeom prst="rect">
@@ -7380,7 +7136,7 @@
         </p:blipFill>
         <p:spPr>
           <a:xfrm>
-            <a:off x="841375" y="21525755"/>
+            <a:off x="841375" y="21877282"/>
             <a:ext cx="4267894" cy="1169218"/>
           </a:xfrm>
           <a:prstGeom prst="rect">
@@ -7404,7 +7160,7 @@
         </p:blipFill>
         <p:spPr>
           <a:xfrm>
-            <a:off x="5501181" y="21665910"/>
+            <a:off x="5501181" y="22017436"/>
             <a:ext cx="2095500" cy="876300"/>
           </a:xfrm>
           <a:prstGeom prst="rect">
@@ -7428,7 +7184,7 @@
         </p:blipFill>
         <p:spPr>
           <a:xfrm>
-            <a:off x="2699702" y="26357348"/>
+            <a:off x="2699702" y="26708874"/>
             <a:ext cx="2743200" cy="733586"/>
           </a:xfrm>
           <a:prstGeom prst="rect">
@@ -7436,219 +7192,6 @@
           </a:prstGeom>
         </p:spPr>
       </p:pic>
-      <p:sp>
-        <p:nvSpPr>
-          <p:cNvPr id="46" name="Text Box 720"/>
-          <p:cNvSpPr txBox="1">
-            <a:spLocks noChangeArrowheads="1"/>
-          </p:cNvSpPr>
-          <p:nvPr/>
-        </p:nvSpPr>
-        <p:spPr bwMode="auto">
-          <a:xfrm>
-            <a:off x="8599914" y="26752765"/>
-            <a:ext cx="12284075" cy="949020"/>
-          </a:xfrm>
-          <a:prstGeom prst="rect">
-            <a:avLst/>
-          </a:prstGeom>
-          <a:solidFill>
-            <a:srgbClr val="FFFFFF"/>
-          </a:solidFill>
-          <a:ln>
-            <a:noFill/>
-          </a:ln>
-          <a:effectLst/>
-          <a:extLst>
-            <a:ext uri="{91240B29-F687-4f45-9708-019B960494DF}">
-              <a14:hiddenLine xmlns="" xmlns:a14="http://schemas.microsoft.com/office/drawing/2010/main" w="12700">
-                <a:solidFill>
-                  <a:schemeClr val="tx1"/>
-                </a:solidFill>
-                <a:miter lim="800000"/>
-                <a:headEnd type="none" w="sm" len="sm"/>
-                <a:tailEnd type="none" w="sm" len="sm"/>
-              </a14:hiddenLine>
-            </a:ext>
-            <a:ext uri="{AF507438-7753-43e0-B8FC-AC1667EBCBE1}">
-              <a14:hiddenEffects xmlns="" xmlns:a14="http://schemas.microsoft.com/office/drawing/2010/main">
-                <a:effectLst>
-                  <a:outerShdw blurRad="63500" dist="38099" dir="2700000" algn="ctr" rotWithShape="0">
-                    <a:schemeClr val="bg2">
-                      <a:alpha val="74998"/>
-                    </a:schemeClr>
-                  </a:outerShdw>
-                </a:effectLst>
-              </a14:hiddenEffects>
-            </a:ext>
-          </a:extLst>
-        </p:spPr>
-        <p:txBody>
-          <a:bodyPr wrap="square" lIns="86402" tIns="43201" rIns="86402" bIns="43201" anchor="t">
-            <a:spAutoFit/>
-          </a:bodyPr>
-          <a:lstStyle>
-            <a:lvl1pPr defTabSz="863600">
-              <a:defRPr sz="2400">
-                <a:solidFill>
-                  <a:schemeClr val="tx1"/>
-                </a:solidFill>
-                <a:latin typeface="Arial" charset="0"/>
-                <a:ea typeface="ＭＳ Ｐゴシック" charset="0"/>
-                <a:cs typeface="Arial" charset="0"/>
-              </a:defRPr>
-            </a:lvl1pPr>
-            <a:lvl2pPr marL="742950" indent="-285750" defTabSz="863600">
-              <a:defRPr sz="2400">
-                <a:solidFill>
-                  <a:schemeClr val="tx1"/>
-                </a:solidFill>
-                <a:latin typeface="Arial" charset="0"/>
-                <a:ea typeface="Arial" charset="0"/>
-                <a:cs typeface="Arial" charset="0"/>
-              </a:defRPr>
-            </a:lvl2pPr>
-            <a:lvl3pPr marL="1143000" indent="-228600" defTabSz="863600">
-              <a:defRPr sz="2400">
-                <a:solidFill>
-                  <a:schemeClr val="tx1"/>
-                </a:solidFill>
-                <a:latin typeface="Arial" charset="0"/>
-                <a:ea typeface="Arial" charset="0"/>
-                <a:cs typeface="Arial" charset="0"/>
-              </a:defRPr>
-            </a:lvl3pPr>
-            <a:lvl4pPr marL="1600200" indent="-228600" defTabSz="863600">
-              <a:defRPr sz="2400">
-                <a:solidFill>
-                  <a:schemeClr val="tx1"/>
-                </a:solidFill>
-                <a:latin typeface="Arial" charset="0"/>
-                <a:ea typeface="Arial" charset="0"/>
-                <a:cs typeface="Arial" charset="0"/>
-              </a:defRPr>
-            </a:lvl4pPr>
-            <a:lvl5pPr marL="2057400" indent="-228600" defTabSz="863600">
-              <a:defRPr sz="2400">
-                <a:solidFill>
-                  <a:schemeClr val="tx1"/>
-                </a:solidFill>
-                <a:latin typeface="Arial" charset="0"/>
-                <a:ea typeface="Arial" charset="0"/>
-                <a:cs typeface="Arial" charset="0"/>
-              </a:defRPr>
-            </a:lvl5pPr>
-            <a:lvl6pPr marL="2514600" indent="-228600" defTabSz="863600" eaLnBrk="0" fontAlgn="base" hangingPunct="0">
-              <a:spcBef>
-                <a:spcPct val="0"/>
-              </a:spcBef>
-              <a:spcAft>
-                <a:spcPct val="0"/>
-              </a:spcAft>
-              <a:defRPr sz="2400">
-                <a:solidFill>
-                  <a:schemeClr val="tx1"/>
-                </a:solidFill>
-                <a:latin typeface="Arial" charset="0"/>
-                <a:ea typeface="Arial" charset="0"/>
-                <a:cs typeface="Arial" charset="0"/>
-              </a:defRPr>
-            </a:lvl6pPr>
-            <a:lvl7pPr marL="2971800" indent="-228600" defTabSz="863600" eaLnBrk="0" fontAlgn="base" hangingPunct="0">
-              <a:spcBef>
-                <a:spcPct val="0"/>
-              </a:spcBef>
-              <a:spcAft>
-                <a:spcPct val="0"/>
-              </a:spcAft>
-              <a:defRPr sz="2400">
-                <a:solidFill>
-                  <a:schemeClr val="tx1"/>
-                </a:solidFill>
-                <a:latin typeface="Arial" charset="0"/>
-                <a:ea typeface="Arial" charset="0"/>
-                <a:cs typeface="Arial" charset="0"/>
-              </a:defRPr>
-            </a:lvl7pPr>
-            <a:lvl8pPr marL="3429000" indent="-228600" defTabSz="863600" eaLnBrk="0" fontAlgn="base" hangingPunct="0">
-              <a:spcBef>
-                <a:spcPct val="0"/>
-              </a:spcBef>
-              <a:spcAft>
-                <a:spcPct val="0"/>
-              </a:spcAft>
-              <a:defRPr sz="2400">
-                <a:solidFill>
-                  <a:schemeClr val="tx1"/>
-                </a:solidFill>
-                <a:latin typeface="Arial" charset="0"/>
-                <a:ea typeface="Arial" charset="0"/>
-                <a:cs typeface="Arial" charset="0"/>
-              </a:defRPr>
-            </a:lvl8pPr>
-            <a:lvl9pPr marL="3886200" indent="-228600" defTabSz="863600" eaLnBrk="0" fontAlgn="base" hangingPunct="0">
-              <a:spcBef>
-                <a:spcPct val="0"/>
-              </a:spcBef>
-              <a:spcAft>
-                <a:spcPct val="0"/>
-              </a:spcAft>
-              <a:defRPr sz="2400">
-                <a:solidFill>
-                  <a:schemeClr val="tx1"/>
-                </a:solidFill>
-                <a:latin typeface="Arial" charset="0"/>
-                <a:ea typeface="Arial" charset="0"/>
-                <a:cs typeface="Arial" charset="0"/>
-              </a:defRPr>
-            </a:lvl9pPr>
-          </a:lstStyle>
-          <a:p>
-            <a:pPr algn="just"/>
-            <a:r>
-              <a:rPr lang="en-US" sz="2800" dirty="0"/>
-              <a:t>XtreemFS [2014]: Under the Hood: File Replication. Online im Internet</a:t>
-            </a:r>
-            <a:r>
-              <a:rPr lang="en-US" sz="2800" b="1" dirty="0"/>
-              <a:t>:</a:t>
-            </a:r>
-            <a:r>
-              <a:rPr lang="en-US" sz="2800" dirty="0"/>
-              <a:t> </a:t>
-            </a:r>
-            <a:r>
-              <a:rPr lang="de-DE" sz="2800" dirty="0">
-                <a:solidFill>
-                  <a:srgbClr val="000000"/>
-                </a:solidFill>
-              </a:rPr>
-              <a:t>http://xtreemfs.org/how_replication_works.php</a:t>
-            </a:r>
-            <a:r>
-              <a:rPr lang="de-DE" sz="2800" dirty="0">
-                <a:solidFill>
-                  <a:srgbClr val="0000FF"/>
-                </a:solidFill>
-              </a:rPr>
-              <a:t> </a:t>
-            </a:r>
-            <a:r>
-              <a:rPr lang="en-US" sz="2800" dirty="0"/>
-              <a:t>[Zugriff am</a:t>
-            </a:r>
-            <a:r>
-              <a:rPr lang="en-US" sz="2800" b="1" dirty="0"/>
-              <a:t>:</a:t>
-            </a:r>
-            <a:r>
-              <a:rPr lang="en-US" sz="2800" dirty="0"/>
-              <a:t> 20.05.2015].</a:t>
-            </a:r>
-            <a:endParaRPr lang="de-DE" sz="2800" dirty="0"/>
-          </a:p>
-        </p:txBody>
-      </p:sp>
     </p:spTree>
   </p:cSld>
   <p:clrMapOvr>
@@ -7914,7 +7457,7 @@
         <a:effectLst/>
         <a:extLst>
           <a:ext uri="{AF507438-7753-43e0-B8FC-AC1667EBCBE1}">
-            <a14:hiddenEffects xmlns="" xmlns:a14="http://schemas.microsoft.com/office/drawing/2010/main">
+            <a14:hiddenEffects xmlns:a14="http://schemas.microsoft.com/office/drawing/2010/main" xmlns="">
               <a:effectLst>
                 <a:outerShdw dist="35921" dir="2700000" algn="ctr" rotWithShape="0">
                   <a:schemeClr val="bg2"/>
@@ -7988,7 +7531,7 @@
         <a:effectLst/>
         <a:extLst>
           <a:ext uri="{AF507438-7753-43e0-B8FC-AC1667EBCBE1}">
-            <a14:hiddenEffects xmlns="" xmlns:a14="http://schemas.microsoft.com/office/drawing/2010/main">
+            <a14:hiddenEffects xmlns:a14="http://schemas.microsoft.com/office/drawing/2010/main" xmlns="">
               <a:effectLst>
                 <a:outerShdw dist="35921" dir="2700000" algn="ctr" rotWithShape="0">
                   <a:schemeClr val="bg2"/>
